--- a/ゼミ/発表スライド [自動保存済み].pptx
+++ b/ゼミ/発表スライド [自動保存済み].pptx
@@ -18,18 +18,18 @@
     <p:sldId id="269" r:id="rId9"/>
     <p:sldId id="259" r:id="rId10"/>
     <p:sldId id="272" r:id="rId11"/>
-    <p:sldId id="265" r:id="rId12"/>
-    <p:sldId id="261" r:id="rId13"/>
-    <p:sldId id="267" r:id="rId14"/>
-    <p:sldId id="271" r:id="rId15"/>
-    <p:sldId id="283" r:id="rId16"/>
-    <p:sldId id="262" r:id="rId17"/>
-    <p:sldId id="277" r:id="rId18"/>
-    <p:sldId id="280" r:id="rId19"/>
-    <p:sldId id="260" r:id="rId20"/>
-    <p:sldId id="279" r:id="rId21"/>
-    <p:sldId id="281" r:id="rId22"/>
-    <p:sldId id="282" r:id="rId23"/>
+    <p:sldId id="261" r:id="rId12"/>
+    <p:sldId id="267" r:id="rId13"/>
+    <p:sldId id="271" r:id="rId14"/>
+    <p:sldId id="283" r:id="rId15"/>
+    <p:sldId id="262" r:id="rId16"/>
+    <p:sldId id="277" r:id="rId17"/>
+    <p:sldId id="280" r:id="rId18"/>
+    <p:sldId id="260" r:id="rId19"/>
+    <p:sldId id="279" r:id="rId20"/>
+    <p:sldId id="281" r:id="rId21"/>
+    <p:sldId id="282" r:id="rId22"/>
+    <p:sldId id="265" r:id="rId23"/>
     <p:sldId id="270" r:id="rId24"/>
     <p:sldId id="274" r:id="rId25"/>
     <p:sldId id="275" r:id="rId26"/>
@@ -222,7 +222,7 @@
           <a:p>
             <a:fld id="{8393AFC2-C2D3-F84A-9E27-287F7E69F533}" type="datetimeFigureOut">
               <a:rPr kumimoji="1" lang="ja-JP" altLang="en-US" smtClean="0"/>
-              <a:t>2022/1/30</a:t>
+              <a:t>2022/1/31</a:t>
             </a:fld>
             <a:endParaRPr kumimoji="1" lang="ja-JP" altLang="en-US"/>
           </a:p>
@@ -583,6 +583,13 @@
               <a:rPr kumimoji="1" lang="ja-JP" altLang="en-US"/>
               <a:t>ポインターを使う！</a:t>
             </a:r>
+            <a:endParaRPr kumimoji="1" lang="en-US" altLang="ja-JP" dirty="0"/>
+          </a:p>
+          <a:p>
+            <a:endParaRPr kumimoji="1" lang="en-US" altLang="ja-JP" dirty="0"/>
+          </a:p>
+          <a:p>
+            <a:endParaRPr kumimoji="1" lang="ja-JP" altLang="en-US"/>
           </a:p>
         </p:txBody>
       </p:sp>
@@ -879,6 +886,26 @@
               <a:tabLst/>
               <a:defRPr/>
             </a:pPr>
+            <a:r>
+              <a:rPr kumimoji="1" lang="ja-JP" altLang="en-US" sz="1200" kern="1200">
+                <a:solidFill>
+                  <a:schemeClr val="tx1"/>
+                </a:solidFill>
+                <a:effectLst/>
+                <a:latin typeface="+mn-lt"/>
+                <a:ea typeface="+mn-ea"/>
+                <a:cs typeface="+mn-cs"/>
+              </a:rPr>
+              <a:t>以上より，</a:t>
+            </a:r>
+            <a:r>
+              <a:rPr kumimoji="1" lang="en-US" altLang="ja-JP" dirty="0"/>
+              <a:t>MCMC</a:t>
+            </a:r>
+            <a:r>
+              <a:rPr kumimoji="1" lang="ja-JP" altLang="en-US"/>
+              <a:t>により提案モデルのパラメータを適切に推定できることがわかりました．</a:t>
+            </a:r>
             <a:endParaRPr kumimoji="1" lang="en-US" altLang="ja-JP" sz="1200" b="0" i="0" u="none" strike="noStrike" kern="1200" dirty="0">
               <a:solidFill>
                 <a:schemeClr val="tx1"/>
@@ -972,18 +999,6 @@
           <a:lstStyle/>
           <a:p>
             <a:r>
-              <a:rPr kumimoji="1" lang="ja-JP" altLang="en-US" sz="1200" kern="1200">
-                <a:solidFill>
-                  <a:schemeClr val="tx1"/>
-                </a:solidFill>
-                <a:effectLst/>
-                <a:latin typeface="+mn-lt"/>
-                <a:ea typeface="+mn-ea"/>
-                <a:cs typeface="+mn-cs"/>
-              </a:rPr>
-              <a:t>また，</a:t>
-            </a:r>
-            <a:r>
               <a:rPr kumimoji="1" lang="ja-JP" altLang="en-US" sz="1200" b="0" kern="1200">
                 <a:solidFill>
                   <a:schemeClr val="tx1"/>
@@ -993,10 +1008,21 @@
                 <a:ea typeface="+mn-ea"/>
                 <a:cs typeface="+mn-cs"/>
               </a:rPr>
-              <a:t>評価者の厳しさパラメータ</a:t>
-            </a:r>
-            <a:r>
-              <a:rPr kumimoji="1" lang="ja-JP" altLang="en-US" sz="1200" kern="1200">
+              <a:t>次に，実データの適用を通して，提案モデルの有効性を評価します．</a:t>
+            </a:r>
+            <a:endParaRPr kumimoji="1" lang="en-US" altLang="ja-JP" sz="1200" b="0" kern="1200" dirty="0">
+              <a:solidFill>
+                <a:schemeClr val="tx1"/>
+              </a:solidFill>
+              <a:effectLst/>
+              <a:latin typeface="+mn-lt"/>
+              <a:ea typeface="+mn-ea"/>
+              <a:cs typeface="+mn-cs"/>
+            </a:endParaRPr>
+          </a:p>
+          <a:p>
+            <a:r>
+              <a:rPr kumimoji="1" lang="ja-JP" altLang="en-US" sz="1200" b="0" kern="1200">
                 <a:solidFill>
                   <a:schemeClr val="tx1"/>
                 </a:solidFill>
@@ -1005,9 +1031,81 @@
                 <a:ea typeface="+mn-ea"/>
                 <a:cs typeface="+mn-cs"/>
               </a:rPr>
-              <a:t>の推定結果の例を図に示します．</a:t>
-            </a:r>
-            <a:endParaRPr kumimoji="1" lang="en-US" altLang="ja-JP" sz="1200" kern="1200" dirty="0">
+              <a:t>本実験では，</a:t>
+            </a:r>
+            <a:r>
+              <a:rPr kumimoji="1" lang="en-US" altLang="ja-JP" sz="1200" b="0" kern="1200" dirty="0">
+                <a:solidFill>
+                  <a:schemeClr val="tx1"/>
+                </a:solidFill>
+                <a:effectLst/>
+                <a:latin typeface="+mn-lt"/>
+                <a:ea typeface="+mn-ea"/>
+                <a:cs typeface="+mn-cs"/>
+              </a:rPr>
+              <a:t>134</a:t>
+            </a:r>
+            <a:r>
+              <a:rPr kumimoji="1" lang="ja-JP" altLang="en-US" sz="1200" b="0" kern="1200">
+                <a:solidFill>
+                  <a:schemeClr val="tx1"/>
+                </a:solidFill>
+                <a:effectLst/>
+                <a:latin typeface="+mn-lt"/>
+                <a:ea typeface="+mn-ea"/>
+                <a:cs typeface="+mn-cs"/>
+              </a:rPr>
+              <a:t>名分のエッセイ課題を，</a:t>
+            </a:r>
+            <a:r>
+              <a:rPr kumimoji="1" lang="en-US" altLang="ja-JP" sz="1200" b="0" kern="1200" dirty="0">
+                <a:solidFill>
+                  <a:schemeClr val="tx1"/>
+                </a:solidFill>
+                <a:effectLst/>
+                <a:latin typeface="+mn-lt"/>
+                <a:ea typeface="+mn-ea"/>
+                <a:cs typeface="+mn-cs"/>
+              </a:rPr>
+              <a:t>16</a:t>
+            </a:r>
+            <a:r>
+              <a:rPr kumimoji="1" lang="ja-JP" altLang="en-US" sz="1200" b="0" kern="1200">
+                <a:solidFill>
+                  <a:schemeClr val="tx1"/>
+                </a:solidFill>
+                <a:effectLst/>
+                <a:latin typeface="+mn-lt"/>
+                <a:ea typeface="+mn-ea"/>
+                <a:cs typeface="+mn-cs"/>
+              </a:rPr>
+              <a:t>名の評価者が</a:t>
+            </a:r>
+            <a:r>
+              <a:rPr kumimoji="1" lang="en-US" altLang="ja-JP" sz="1200" b="0" kern="1200" dirty="0">
+                <a:solidFill>
+                  <a:schemeClr val="tx1"/>
+                </a:solidFill>
+                <a:effectLst/>
+                <a:latin typeface="+mn-lt"/>
+                <a:ea typeface="+mn-ea"/>
+                <a:cs typeface="+mn-cs"/>
+              </a:rPr>
+              <a:t>5</a:t>
+            </a:r>
+            <a:r>
+              <a:rPr kumimoji="1" lang="ja-JP" altLang="en-US" sz="1200" b="0" kern="1200">
+                <a:solidFill>
+                  <a:schemeClr val="tx1"/>
+                </a:solidFill>
+                <a:effectLst/>
+                <a:latin typeface="+mn-lt"/>
+                <a:ea typeface="+mn-ea"/>
+                <a:cs typeface="+mn-cs"/>
+              </a:rPr>
+              <a:t>段階得点で採点したデータを使用します．</a:t>
+            </a:r>
+            <a:endParaRPr kumimoji="1" lang="en-US" altLang="ja-JP" sz="1200" b="0" kern="1200" dirty="0">
               <a:solidFill>
                 <a:schemeClr val="tx1"/>
               </a:solidFill>
@@ -1018,7 +1116,43 @@
             </a:endParaRPr>
           </a:p>
           <a:p>
-            <a:endParaRPr kumimoji="1" lang="en-US" altLang="ja-JP" sz="1200" kern="1200" dirty="0">
+            <a:r>
+              <a:rPr kumimoji="1" lang="ja-JP" altLang="en-US" sz="1200" b="0" kern="1200">
+                <a:solidFill>
+                  <a:schemeClr val="tx1"/>
+                </a:solidFill>
+                <a:effectLst/>
+                <a:latin typeface="+mn-lt"/>
+                <a:ea typeface="+mn-ea"/>
+                <a:cs typeface="+mn-cs"/>
+              </a:rPr>
+              <a:t>また，評価者のうち，</a:t>
+            </a:r>
+            <a:r>
+              <a:rPr kumimoji="1" lang="en-US" altLang="ja-JP" sz="1200" b="0" kern="1200" dirty="0">
+                <a:solidFill>
+                  <a:schemeClr val="tx1"/>
+                </a:solidFill>
+                <a:effectLst/>
+                <a:latin typeface="+mn-lt"/>
+                <a:ea typeface="+mn-ea"/>
+                <a:cs typeface="+mn-cs"/>
+              </a:rPr>
+              <a:t>6</a:t>
+            </a:r>
+            <a:r>
+              <a:rPr kumimoji="1" lang="ja-JP" altLang="en-US" sz="1200" b="0" kern="1200">
+                <a:solidFill>
+                  <a:schemeClr val="tx1"/>
+                </a:solidFill>
+                <a:effectLst/>
+                <a:latin typeface="+mn-lt"/>
+                <a:ea typeface="+mn-ea"/>
+                <a:cs typeface="+mn-cs"/>
+              </a:rPr>
+              <a:t>人に個別に指示を与え，人為的に評価者バイアスのあるデータを作成しました．</a:t>
+            </a:r>
+            <a:endParaRPr kumimoji="1" lang="en-US" altLang="ja-JP" sz="1200" b="0" kern="1200" dirty="0">
               <a:solidFill>
                 <a:schemeClr val="tx1"/>
               </a:solidFill>
@@ -1030,7 +1164,7 @@
           </a:p>
           <a:p>
             <a:r>
-              <a:rPr kumimoji="1" lang="ja-JP" altLang="en-US" sz="1200" kern="1200">
+              <a:rPr kumimoji="1" lang="ja-JP" altLang="en-US" sz="1200" b="0" kern="1200">
                 <a:solidFill>
                   <a:schemeClr val="tx1"/>
                 </a:solidFill>
@@ -1039,9 +1173,22 @@
                 <a:ea typeface="+mn-ea"/>
                 <a:cs typeface="+mn-cs"/>
               </a:rPr>
-              <a:t>横軸が時間区分，縦軸が評価者の厳しさパラメータの値で，実線が作成したパラメータ真値，破線が推定したパラメータです．</a:t>
-            </a:r>
-            <a:endParaRPr kumimoji="1" lang="en-US" altLang="ja-JP" sz="1200" kern="1200" dirty="0">
+              <a:t>実データ実験では，実際にデータからパラメータを推定し，さらに情報量規準によるモデル性能の比較を行いました．</a:t>
+            </a:r>
+          </a:p>
+          <a:p>
+            <a:br>
+              <a:rPr kumimoji="1" lang="ja-JP" altLang="en-US" sz="1200" b="0" kern="1200">
+                <a:solidFill>
+                  <a:schemeClr val="tx1"/>
+                </a:solidFill>
+                <a:effectLst/>
+                <a:latin typeface="+mn-lt"/>
+                <a:ea typeface="+mn-ea"/>
+                <a:cs typeface="+mn-cs"/>
+              </a:rPr>
+            </a:br>
+            <a:endParaRPr kumimoji="1" lang="ja-JP" altLang="en-US" sz="1200" b="0" kern="1200">
               <a:solidFill>
                 <a:schemeClr val="tx1"/>
               </a:solidFill>
@@ -1052,63 +1199,7 @@
             </a:endParaRPr>
           </a:p>
           <a:p>
-            <a:r>
-              <a:rPr kumimoji="1" lang="ja-JP" altLang="en-US" sz="1200" kern="1200">
-                <a:solidFill>
-                  <a:schemeClr val="tx1"/>
-                </a:solidFill>
-                <a:effectLst/>
-                <a:latin typeface="+mn-lt"/>
-                <a:ea typeface="+mn-ea"/>
-                <a:cs typeface="+mn-cs"/>
-              </a:rPr>
-              <a:t>このグラフより，作成した真値に近い値で，パラメータが推定されていることがわかります．</a:t>
-            </a:r>
-            <a:endParaRPr kumimoji="1" lang="en-US" altLang="ja-JP" sz="1200" kern="1200" dirty="0">
-              <a:solidFill>
-                <a:schemeClr val="tx1"/>
-              </a:solidFill>
-              <a:effectLst/>
-              <a:latin typeface="+mn-lt"/>
-              <a:ea typeface="+mn-ea"/>
-              <a:cs typeface="+mn-cs"/>
-            </a:endParaRPr>
-          </a:p>
-          <a:p>
-            <a:pPr marL="0" indent="0">
-              <a:buNone/>
-            </a:pPr>
-            <a:r>
-              <a:rPr kumimoji="1" lang="ja-JP" altLang="en-US" sz="1200" kern="1200">
-                <a:solidFill>
-                  <a:schemeClr val="tx1"/>
-                </a:solidFill>
-                <a:effectLst/>
-                <a:latin typeface="+mn-lt"/>
-                <a:ea typeface="+mn-ea"/>
-                <a:cs typeface="+mn-cs"/>
-              </a:rPr>
-              <a:t>以上より，</a:t>
-            </a:r>
-            <a:r>
-              <a:rPr kumimoji="1" lang="en-US" altLang="ja-JP" dirty="0"/>
-              <a:t>MCMC</a:t>
-            </a:r>
-            <a:r>
-              <a:rPr kumimoji="1" lang="ja-JP" altLang="en-US"/>
-              <a:t>により提案モデルのパラメータを適切に推定できることがわかりました．</a:t>
-            </a:r>
-          </a:p>
-          <a:p>
-            <a:endParaRPr kumimoji="1" lang="ja-JP" altLang="en-US" sz="1200" kern="1200">
-              <a:solidFill>
-                <a:schemeClr val="tx1"/>
-              </a:solidFill>
-              <a:effectLst/>
-              <a:latin typeface="+mn-lt"/>
-              <a:ea typeface="+mn-ea"/>
-              <a:cs typeface="+mn-cs"/>
-            </a:endParaRPr>
+            <a:endParaRPr kumimoji="1" lang="ja-JP" altLang="en-US"/>
           </a:p>
         </p:txBody>
       </p:sp>
@@ -1138,7 +1229,7 @@
     </p:spTree>
     <p:extLst>
       <p:ext uri="{BB962C8B-B14F-4D97-AF65-F5344CB8AC3E}">
-        <p14:creationId xmlns:p14="http://schemas.microsoft.com/office/powerpoint/2010/main" val="3887713054"/>
+        <p14:creationId xmlns:p14="http://schemas.microsoft.com/office/powerpoint/2010/main" val="3955567287"/>
       </p:ext>
     </p:extLst>
   </p:cSld>
@@ -1202,7 +1293,7 @@
                 <a:ea typeface="+mn-ea"/>
                 <a:cs typeface="+mn-cs"/>
               </a:rPr>
-              <a:t>次に，実データの適用を通して，提案モデルの有効性を評価します．</a:t>
+              <a:t>実データから推定された評価者の厳しさパラメータの例を，図に示します．</a:t>
             </a:r>
             <a:endParaRPr kumimoji="1" lang="en-US" altLang="ja-JP" sz="1200" b="0" kern="1200" dirty="0">
               <a:solidFill>
@@ -1225,7 +1316,7 @@
                 <a:ea typeface="+mn-ea"/>
                 <a:cs typeface="+mn-cs"/>
               </a:rPr>
-              <a:t>本実験では，記載のようなデータを使用します．</a:t>
+              <a:t>横軸が時間区分，縦軸が評価者の厳しさパラメータであり，各線が一人一人の評価者のパラメータの推定値を表しています．</a:t>
             </a:r>
             <a:endParaRPr kumimoji="1" lang="en-US" altLang="ja-JP" sz="1200" b="0" kern="1200" dirty="0">
               <a:solidFill>
@@ -1248,11 +1339,20 @@
                 <a:ea typeface="+mn-ea"/>
                 <a:cs typeface="+mn-cs"/>
               </a:rPr>
-              <a:t>実データ実験では，実際にデータからパラメータを推定し，さらに情報量規準によるモデル性能の比較を行いました．</a:t>
-            </a:r>
-          </a:p>
-          <a:p>
-            <a:br>
+              <a:t>また，指示を与えた評価者の結果には色をつけています．</a:t>
+            </a:r>
+            <a:endParaRPr kumimoji="1" lang="en-US" altLang="ja-JP" sz="1200" b="0" kern="1200" dirty="0">
+              <a:solidFill>
+                <a:schemeClr val="tx1"/>
+              </a:solidFill>
+              <a:effectLst/>
+              <a:latin typeface="+mn-lt"/>
+              <a:ea typeface="+mn-ea"/>
+              <a:cs typeface="+mn-cs"/>
+            </a:endParaRPr>
+          </a:p>
+          <a:p>
+            <a:r>
               <a:rPr kumimoji="1" lang="ja-JP" altLang="en-US" sz="1200" b="0" kern="1200">
                 <a:solidFill>
                   <a:schemeClr val="tx1"/>
@@ -1262,8 +1362,9 @@
                 <a:ea typeface="+mn-ea"/>
                 <a:cs typeface="+mn-cs"/>
               </a:rPr>
-            </a:br>
-            <a:endParaRPr kumimoji="1" lang="ja-JP" altLang="en-US" sz="1200" b="0" kern="1200">
+              <a:t>図から，評価者によって変化の傾きや度合いが違うことがわかります．また，指示を与えた評価者はその指示通りのバイアスを推定できていることがわかります．</a:t>
+            </a:r>
+            <a:endParaRPr kumimoji="1" lang="en-US" altLang="ja-JP" sz="1200" b="0" kern="1200" dirty="0">
               <a:solidFill>
                 <a:schemeClr val="tx1"/>
               </a:solidFill>
@@ -1274,7 +1375,48 @@
             </a:endParaRPr>
           </a:p>
           <a:p>
-            <a:endParaRPr kumimoji="1" lang="ja-JP" altLang="en-US"/>
+            <a:r>
+              <a:rPr kumimoji="1" lang="ja-JP" altLang="en-US" sz="1200" b="0" kern="1200">
+                <a:solidFill>
+                  <a:schemeClr val="tx1"/>
+                </a:solidFill>
+                <a:effectLst/>
+                <a:latin typeface="+mn-lt"/>
+                <a:ea typeface="+mn-ea"/>
+                <a:cs typeface="+mn-cs"/>
+              </a:rPr>
+              <a:t>例えば，黒色の線で表されている評価者には，日ごとに厳しさをあげて採点するという指示を与えましたが，グラフより，厳しさパラメータの値が徐々に上昇していることがわかります．</a:t>
+            </a:r>
+            <a:endParaRPr kumimoji="1" lang="en-US" altLang="ja-JP" sz="1200" b="0" kern="1200" dirty="0">
+              <a:solidFill>
+                <a:schemeClr val="tx1"/>
+              </a:solidFill>
+              <a:effectLst/>
+              <a:latin typeface="+mn-lt"/>
+              <a:ea typeface="+mn-ea"/>
+              <a:cs typeface="+mn-cs"/>
+            </a:endParaRPr>
+          </a:p>
+          <a:p>
+            <a:r>
+              <a:rPr kumimoji="1" lang="ja-JP" altLang="en-US" sz="1200" b="0" kern="1200">
+                <a:solidFill>
+                  <a:schemeClr val="tx1"/>
+                </a:solidFill>
+                <a:effectLst/>
+                <a:latin typeface="+mn-lt"/>
+                <a:ea typeface="+mn-ea"/>
+                <a:cs typeface="+mn-cs"/>
+              </a:rPr>
+              <a:t>このように，評価者ドリフトの傾向を推定できていることがわかります．</a:t>
+            </a:r>
+          </a:p>
+          <a:p>
+            <a:r>
+              <a:rPr kumimoji="1" lang="ja-JP" altLang="en-US"/>
+              <a:t>一貫性などの他のパラメータについても評価者によって違いがあることが推定できました．．</a:t>
+            </a:r>
+            <a:endParaRPr kumimoji="1" lang="en-US" altLang="ja-JP" dirty="0"/>
           </a:p>
         </p:txBody>
       </p:sp>
@@ -1304,7 +1446,7 @@
     </p:spTree>
     <p:extLst>
       <p:ext uri="{BB962C8B-B14F-4D97-AF65-F5344CB8AC3E}">
-        <p14:creationId xmlns:p14="http://schemas.microsoft.com/office/powerpoint/2010/main" val="3955567287"/>
+        <p14:creationId xmlns:p14="http://schemas.microsoft.com/office/powerpoint/2010/main" val="1784252293"/>
       </p:ext>
     </p:extLst>
   </p:cSld>
@@ -1368,7 +1510,78 @@
                 <a:ea typeface="+mn-ea"/>
                 <a:cs typeface="+mn-cs"/>
               </a:rPr>
-              <a:t>実データから推定された評価者の厳しさパラメータの例を，図に示します．</a:t>
+              <a:t>次に，情報量規準によるモデル比較により提案モデルの性能を評価します．</a:t>
+            </a:r>
+            <a:br>
+              <a:rPr kumimoji="1" lang="ja-JP" altLang="en-US" sz="1200" b="0" kern="1200">
+                <a:solidFill>
+                  <a:schemeClr val="tx1"/>
+                </a:solidFill>
+                <a:effectLst/>
+                <a:latin typeface="+mn-lt"/>
+                <a:ea typeface="+mn-ea"/>
+                <a:cs typeface="+mn-cs"/>
+              </a:rPr>
+            </a:br>
+            <a:r>
+              <a:rPr kumimoji="1" lang="ja-JP" altLang="en-US" sz="1200" b="0" kern="1200">
+                <a:solidFill>
+                  <a:schemeClr val="tx1"/>
+                </a:solidFill>
+                <a:effectLst/>
+                <a:latin typeface="+mn-lt"/>
+                <a:ea typeface="+mn-ea"/>
+                <a:cs typeface="+mn-cs"/>
+              </a:rPr>
+              <a:t>情報量規準には</a:t>
+            </a:r>
+            <a:r>
+              <a:rPr kumimoji="1" lang="en" altLang="ja-JP" sz="1200" b="0" kern="1200" dirty="0">
+                <a:solidFill>
+                  <a:schemeClr val="tx1"/>
+                </a:solidFill>
+                <a:effectLst/>
+                <a:latin typeface="+mn-lt"/>
+                <a:ea typeface="+mn-ea"/>
+                <a:cs typeface="+mn-cs"/>
+              </a:rPr>
+              <a:t>WAIC</a:t>
+            </a:r>
+            <a:r>
+              <a:rPr kumimoji="1" lang="ja-JP" altLang="en-US" sz="1200" b="0" kern="1200">
+                <a:solidFill>
+                  <a:schemeClr val="tx1"/>
+                </a:solidFill>
+                <a:effectLst/>
+                <a:latin typeface="+mn-lt"/>
+                <a:ea typeface="+mn-ea"/>
+                <a:cs typeface="+mn-cs"/>
+              </a:rPr>
+              <a:t>と</a:t>
+            </a:r>
+            <a:r>
+              <a:rPr kumimoji="1" lang="en" altLang="ja-JP" sz="1200" b="0" kern="1200" dirty="0">
+                <a:solidFill>
+                  <a:schemeClr val="tx1"/>
+                </a:solidFill>
+                <a:effectLst/>
+                <a:latin typeface="+mn-lt"/>
+                <a:ea typeface="+mn-ea"/>
+                <a:cs typeface="+mn-cs"/>
+              </a:rPr>
+              <a:t>WBIC</a:t>
+            </a:r>
+            <a:r>
+              <a:rPr kumimoji="1" lang="ja-JP" altLang="en-US" sz="1200" b="0" kern="1200">
+                <a:solidFill>
+                  <a:schemeClr val="tx1"/>
+                </a:solidFill>
+                <a:effectLst/>
+                <a:latin typeface="+mn-lt"/>
+                <a:ea typeface="+mn-ea"/>
+                <a:cs typeface="+mn-cs"/>
+              </a:rPr>
+              <a:t>を用いました．</a:t>
             </a:r>
             <a:endParaRPr kumimoji="1" lang="en-US" altLang="ja-JP" sz="1200" b="0" kern="1200" dirty="0">
               <a:solidFill>
@@ -1391,8 +1604,34 @@
                 <a:ea typeface="+mn-ea"/>
                 <a:cs typeface="+mn-cs"/>
               </a:rPr>
-              <a:t>横軸が時間区分，縦軸が評価者の厳しさパラメータであり，各線が一人一人の評価者のパラメータの推定値を表しています．</a:t>
-            </a:r>
+              <a:t>今回は，既存モデルとの比較に加え，既存モデルから提案モデルへのいくつかの変更点の中でどの変更が効果を持っていたかを確認するために，記載の</a:t>
+            </a:r>
+            <a:r>
+              <a:rPr kumimoji="1" lang="en-US" altLang="ja-JP" sz="1200" b="0" kern="1200" dirty="0">
+                <a:solidFill>
+                  <a:schemeClr val="tx1"/>
+                </a:solidFill>
+                <a:effectLst/>
+                <a:latin typeface="+mn-lt"/>
+                <a:ea typeface="+mn-ea"/>
+                <a:cs typeface="+mn-cs"/>
+              </a:rPr>
+              <a:t>3</a:t>
+            </a:r>
+            <a:r>
+              <a:rPr kumimoji="1" lang="ja-JP" altLang="en-US" sz="1200" b="0" kern="1200">
+                <a:solidFill>
+                  <a:schemeClr val="tx1"/>
+                </a:solidFill>
+                <a:effectLst/>
+                <a:latin typeface="+mn-lt"/>
+                <a:ea typeface="+mn-ea"/>
+                <a:cs typeface="+mn-cs"/>
+              </a:rPr>
+              <a:t>つのモデルとの比較を行います．</a:t>
+            </a:r>
+          </a:p>
+          <a:p>
             <a:endParaRPr kumimoji="1" lang="en-US" altLang="ja-JP" sz="1200" b="0" kern="1200" dirty="0">
               <a:solidFill>
                 <a:schemeClr val="tx1"/>
@@ -1404,19 +1643,24 @@
             </a:endParaRPr>
           </a:p>
           <a:p>
-            <a:r>
-              <a:rPr kumimoji="1" lang="ja-JP" altLang="en-US" sz="1200" b="0" kern="1200">
-                <a:solidFill>
-                  <a:schemeClr val="tx1"/>
-                </a:solidFill>
-                <a:effectLst/>
-                <a:latin typeface="+mn-lt"/>
-                <a:ea typeface="+mn-ea"/>
-                <a:cs typeface="+mn-cs"/>
-              </a:rPr>
-              <a:t>また，指示を与えた評価者の結果には色をつけています．</a:t>
-            </a:r>
-            <a:endParaRPr kumimoji="1" lang="en-US" altLang="ja-JP" sz="1200" b="0" kern="1200" dirty="0">
+            <a:pPr marL="0" marR="0" lvl="0" indent="0" algn="l" defTabSz="914400" rtl="0" eaLnBrk="1" fontAlgn="auto" latinLnBrk="0" hangingPunct="1">
+              <a:lnSpc>
+                <a:spcPct val="100000"/>
+              </a:lnSpc>
+              <a:spcBef>
+                <a:spcPts val="0"/>
+              </a:spcBef>
+              <a:spcAft>
+                <a:spcPts val="0"/>
+              </a:spcAft>
+              <a:buClrTx/>
+              <a:buSzTx/>
+              <a:buFontTx/>
+              <a:buNone/>
+              <a:tabLst/>
+              <a:defRPr/>
+            </a:pPr>
+            <a:endParaRPr kumimoji="1" lang="ja-JP" altLang="en-US" sz="1200" b="0" kern="1200">
               <a:solidFill>
                 <a:schemeClr val="tx1"/>
               </a:solidFill>
@@ -1425,73 +1669,6 @@
               <a:ea typeface="+mn-ea"/>
               <a:cs typeface="+mn-cs"/>
             </a:endParaRPr>
-          </a:p>
-          <a:p>
-            <a:r>
-              <a:rPr kumimoji="1" lang="ja-JP" altLang="en-US" sz="1200" b="0" kern="1200">
-                <a:solidFill>
-                  <a:schemeClr val="tx1"/>
-                </a:solidFill>
-                <a:effectLst/>
-                <a:latin typeface="+mn-lt"/>
-                <a:ea typeface="+mn-ea"/>
-                <a:cs typeface="+mn-cs"/>
-              </a:rPr>
-              <a:t>図から，評価者によって変化の傾きや度合いが違うことがわかります．また，指示を与えた評価者はその指示通りのバイアスを推定できていることがわかります．</a:t>
-            </a:r>
-            <a:endParaRPr kumimoji="1" lang="en-US" altLang="ja-JP" sz="1200" b="0" kern="1200" dirty="0">
-              <a:solidFill>
-                <a:schemeClr val="tx1"/>
-              </a:solidFill>
-              <a:effectLst/>
-              <a:latin typeface="+mn-lt"/>
-              <a:ea typeface="+mn-ea"/>
-              <a:cs typeface="+mn-cs"/>
-            </a:endParaRPr>
-          </a:p>
-          <a:p>
-            <a:r>
-              <a:rPr kumimoji="1" lang="ja-JP" altLang="en-US" sz="1200" b="0" kern="1200">
-                <a:solidFill>
-                  <a:schemeClr val="tx1"/>
-                </a:solidFill>
-                <a:effectLst/>
-                <a:latin typeface="+mn-lt"/>
-                <a:ea typeface="+mn-ea"/>
-                <a:cs typeface="+mn-cs"/>
-              </a:rPr>
-              <a:t>例えば，黒色の線で表されている評価者には，日ごとに厳しさをあげて採点するという指示を与えましたが，グラフより，厳しさパラメータの値が徐々に上昇していることがわかります．</a:t>
-            </a:r>
-            <a:endParaRPr kumimoji="1" lang="en-US" altLang="ja-JP" sz="1200" b="0" kern="1200" dirty="0">
-              <a:solidFill>
-                <a:schemeClr val="tx1"/>
-              </a:solidFill>
-              <a:effectLst/>
-              <a:latin typeface="+mn-lt"/>
-              <a:ea typeface="+mn-ea"/>
-              <a:cs typeface="+mn-cs"/>
-            </a:endParaRPr>
-          </a:p>
-          <a:p>
-            <a:r>
-              <a:rPr kumimoji="1" lang="ja-JP" altLang="en-US" sz="1200" b="0" kern="1200">
-                <a:solidFill>
-                  <a:schemeClr val="tx1"/>
-                </a:solidFill>
-                <a:effectLst/>
-                <a:latin typeface="+mn-lt"/>
-                <a:ea typeface="+mn-ea"/>
-                <a:cs typeface="+mn-cs"/>
-              </a:rPr>
-              <a:t>このように，評価者ドリフトの傾向を推定できていることがわかります．</a:t>
-            </a:r>
-          </a:p>
-          <a:p>
-            <a:r>
-              <a:rPr kumimoji="1" lang="ja-JP" altLang="en-US"/>
-              <a:t>一貫性などの他のパラメータについても評価者によって違いがあることが推定できました．．</a:t>
-            </a:r>
-            <a:endParaRPr kumimoji="1" lang="en-US" altLang="ja-JP" dirty="0"/>
           </a:p>
         </p:txBody>
       </p:sp>
@@ -1521,7 +1698,7 @@
     </p:spTree>
     <p:extLst>
       <p:ext uri="{BB962C8B-B14F-4D97-AF65-F5344CB8AC3E}">
-        <p14:creationId xmlns:p14="http://schemas.microsoft.com/office/powerpoint/2010/main" val="1784252293"/>
+        <p14:creationId xmlns:p14="http://schemas.microsoft.com/office/powerpoint/2010/main" val="3299156748"/>
       </p:ext>
     </p:extLst>
   </p:cSld>
@@ -1585,7 +1762,171 @@
                 <a:ea typeface="+mn-ea"/>
                 <a:cs typeface="+mn-cs"/>
               </a:rPr>
-              <a:t>次に，情報量規準によるモデル比較により提案モデルの性能を評価します．</a:t>
+              <a:t>実験結果を表に示します．</a:t>
+            </a:r>
+            <a:endParaRPr kumimoji="1" lang="en-US" altLang="ja-JP" sz="1200" b="0" kern="1200" dirty="0">
+              <a:solidFill>
+                <a:schemeClr val="tx1"/>
+              </a:solidFill>
+              <a:effectLst/>
+              <a:latin typeface="+mn-lt"/>
+              <a:ea typeface="+mn-ea"/>
+              <a:cs typeface="+mn-cs"/>
+            </a:endParaRPr>
+          </a:p>
+          <a:p>
+            <a:r>
+              <a:rPr kumimoji="1" lang="ja-JP" altLang="en-US" sz="1200" b="0" kern="1200">
+                <a:solidFill>
+                  <a:schemeClr val="tx1"/>
+                </a:solidFill>
+                <a:effectLst/>
+                <a:latin typeface="+mn-lt"/>
+                <a:ea typeface="+mn-ea"/>
+                <a:cs typeface="+mn-cs"/>
+              </a:rPr>
+              <a:t>それぞれの最小値を赤色で示しています．</a:t>
+            </a:r>
+            <a:endParaRPr kumimoji="1" lang="en-US" altLang="ja-JP" sz="1200" b="0" kern="1200" dirty="0">
+              <a:solidFill>
+                <a:schemeClr val="tx1"/>
+              </a:solidFill>
+              <a:effectLst/>
+              <a:latin typeface="+mn-lt"/>
+              <a:ea typeface="+mn-ea"/>
+              <a:cs typeface="+mn-cs"/>
+            </a:endParaRPr>
+          </a:p>
+          <a:p>
+            <a:r>
+              <a:rPr kumimoji="1" lang="ja-JP" altLang="en-US" sz="1200" b="0" kern="1200">
+                <a:solidFill>
+                  <a:schemeClr val="tx1"/>
+                </a:solidFill>
+                <a:effectLst/>
+                <a:latin typeface="+mn-lt"/>
+                <a:ea typeface="+mn-ea"/>
+                <a:cs typeface="+mn-cs"/>
+              </a:rPr>
+              <a:t>表から，</a:t>
+            </a:r>
+            <a:r>
+              <a:rPr kumimoji="1" lang="en" altLang="ja-JP" sz="1200" b="0" kern="1200" dirty="0">
+                <a:solidFill>
+                  <a:schemeClr val="tx1"/>
+                </a:solidFill>
+                <a:effectLst/>
+                <a:latin typeface="+mn-lt"/>
+                <a:ea typeface="+mn-ea"/>
+                <a:cs typeface="+mn-cs"/>
+              </a:rPr>
+              <a:t>WAIC</a:t>
+            </a:r>
+            <a:r>
+              <a:rPr kumimoji="1" lang="ja-JP" altLang="en-US" sz="1200" b="0" kern="1200">
+                <a:solidFill>
+                  <a:schemeClr val="tx1"/>
+                </a:solidFill>
+                <a:effectLst/>
+                <a:latin typeface="+mn-lt"/>
+                <a:ea typeface="+mn-ea"/>
+                <a:cs typeface="+mn-cs"/>
+              </a:rPr>
+              <a:t>の値を比較すると，提案モデルが最適モデルとして選択されたことが確認できます．</a:t>
+            </a:r>
+            <a:endParaRPr kumimoji="1" lang="en-US" altLang="ja-JP" sz="1200" b="0" kern="1200" dirty="0">
+              <a:solidFill>
+                <a:schemeClr val="tx1"/>
+              </a:solidFill>
+              <a:effectLst/>
+              <a:latin typeface="+mn-lt"/>
+              <a:ea typeface="+mn-ea"/>
+              <a:cs typeface="+mn-cs"/>
+            </a:endParaRPr>
+          </a:p>
+          <a:p>
+            <a:r>
+              <a:rPr kumimoji="1" lang="ja-JP" altLang="en-US" sz="1200" b="0" kern="1200">
+                <a:solidFill>
+                  <a:schemeClr val="tx1"/>
+                </a:solidFill>
+                <a:effectLst/>
+                <a:latin typeface="+mn-lt"/>
+                <a:ea typeface="+mn-ea"/>
+                <a:cs typeface="+mn-cs"/>
+              </a:rPr>
+              <a:t>また，</a:t>
+            </a:r>
+            <a:r>
+              <a:rPr kumimoji="1" lang="en" altLang="ja-JP" sz="1200" b="0" kern="1200" dirty="0">
+                <a:solidFill>
+                  <a:schemeClr val="tx1"/>
+                </a:solidFill>
+                <a:effectLst/>
+                <a:latin typeface="+mn-lt"/>
+                <a:ea typeface="+mn-ea"/>
+                <a:cs typeface="+mn-cs"/>
+              </a:rPr>
+              <a:t>WBIC</a:t>
+            </a:r>
+            <a:r>
+              <a:rPr kumimoji="1" lang="ja-JP" altLang="en-US" sz="1200" b="0" kern="1200">
+                <a:solidFill>
+                  <a:schemeClr val="tx1"/>
+                </a:solidFill>
+                <a:effectLst/>
+                <a:latin typeface="+mn-lt"/>
+                <a:ea typeface="+mn-ea"/>
+                <a:cs typeface="+mn-cs"/>
+              </a:rPr>
+              <a:t>の値を比較すると，提案モデルから</a:t>
+            </a:r>
+            <a:r>
+              <a:rPr kumimoji="1" lang="en-US" altLang="ja-JP" sz="1200" b="0" kern="1200" dirty="0" err="1">
+                <a:solidFill>
+                  <a:schemeClr val="tx1"/>
+                </a:solidFill>
+                <a:effectLst/>
+                <a:latin typeface="+mn-lt"/>
+                <a:ea typeface="+mn-ea"/>
+                <a:cs typeface="+mn-cs"/>
+              </a:rPr>
+              <a:t>alpha_r</a:t>
+            </a:r>
+            <a:r>
+              <a:rPr kumimoji="1" lang="ja-JP" altLang="en-US" sz="1200" b="0" kern="1200">
+                <a:solidFill>
+                  <a:schemeClr val="tx1"/>
+                </a:solidFill>
+                <a:effectLst/>
+                <a:latin typeface="+mn-lt"/>
+                <a:ea typeface="+mn-ea"/>
+                <a:cs typeface="+mn-cs"/>
+              </a:rPr>
+              <a:t>を抜いたモデルと，提案モデルのステップパラメータ評価者特性を考慮しないものに変更したモデルが最も高い性能を示しており，提案モデルより単純なモデルが最適なモデルとして選択されていることがわかります．</a:t>
+            </a:r>
+            <a:endParaRPr kumimoji="1" lang="en-US" altLang="ja-JP" sz="1200" b="0" kern="1200" dirty="0">
+              <a:solidFill>
+                <a:schemeClr val="tx1"/>
+              </a:solidFill>
+              <a:effectLst/>
+              <a:latin typeface="+mn-lt"/>
+              <a:ea typeface="+mn-ea"/>
+              <a:cs typeface="+mn-cs"/>
+            </a:endParaRPr>
+          </a:p>
+          <a:p>
+            <a:r>
+              <a:rPr kumimoji="1" lang="ja-JP" altLang="en-US" sz="1200" b="0" kern="1200">
+                <a:solidFill>
+                  <a:schemeClr val="tx1"/>
+                </a:solidFill>
+                <a:effectLst/>
+                <a:latin typeface="+mn-lt"/>
+                <a:ea typeface="+mn-ea"/>
+                <a:cs typeface="+mn-cs"/>
+              </a:rPr>
+              <a:t>一方で，評価者の厳しさパラメータを既存モデルのものに差し替えたモデルよりも提案モデルの性能が高いことから，提案モデルの最大の特徴である，評価者の時間区分ごとの厳しさパラメータを導入したことの有効性は確認できます．</a:t>
             </a:r>
             <a:br>
               <a:rPr kumimoji="1" lang="ja-JP" altLang="en-US" sz="1200" b="0" kern="1200">
@@ -1598,67 +1939,7 @@
                 <a:cs typeface="+mn-cs"/>
               </a:rPr>
             </a:br>
-            <a:r>
-              <a:rPr kumimoji="1" lang="ja-JP" altLang="en-US" sz="1200" b="0" kern="1200">
-                <a:solidFill>
-                  <a:schemeClr val="tx1"/>
-                </a:solidFill>
-                <a:effectLst/>
-                <a:latin typeface="+mn-lt"/>
-                <a:ea typeface="+mn-ea"/>
-                <a:cs typeface="+mn-cs"/>
-              </a:rPr>
-              <a:t>情報量規準には</a:t>
-            </a:r>
-            <a:r>
-              <a:rPr kumimoji="1" lang="en" altLang="ja-JP" sz="1200" b="0" kern="1200" dirty="0">
-                <a:solidFill>
-                  <a:schemeClr val="tx1"/>
-                </a:solidFill>
-                <a:effectLst/>
-                <a:latin typeface="+mn-lt"/>
-                <a:ea typeface="+mn-ea"/>
-                <a:cs typeface="+mn-cs"/>
-              </a:rPr>
-              <a:t>WAIC</a:t>
-            </a:r>
-            <a:r>
-              <a:rPr kumimoji="1" lang="ja-JP" altLang="en-US" sz="1200" b="0" kern="1200">
-                <a:solidFill>
-                  <a:schemeClr val="tx1"/>
-                </a:solidFill>
-                <a:effectLst/>
-                <a:latin typeface="+mn-lt"/>
-                <a:ea typeface="+mn-ea"/>
-                <a:cs typeface="+mn-cs"/>
-              </a:rPr>
-              <a:t>と</a:t>
-            </a:r>
-            <a:r>
-              <a:rPr kumimoji="1" lang="en" altLang="ja-JP" sz="1200" b="0" kern="1200" dirty="0">
-                <a:solidFill>
-                  <a:schemeClr val="tx1"/>
-                </a:solidFill>
-                <a:effectLst/>
-                <a:latin typeface="+mn-lt"/>
-                <a:ea typeface="+mn-ea"/>
-                <a:cs typeface="+mn-cs"/>
-              </a:rPr>
-              <a:t>WBIC</a:t>
-            </a:r>
-            <a:r>
-              <a:rPr kumimoji="1" lang="ja-JP" altLang="en-US" sz="1200" b="0" kern="1200">
-                <a:solidFill>
-                  <a:schemeClr val="tx1"/>
-                </a:solidFill>
-                <a:effectLst/>
-                <a:latin typeface="+mn-lt"/>
-                <a:ea typeface="+mn-ea"/>
-                <a:cs typeface="+mn-cs"/>
-              </a:rPr>
-              <a:t>を用いました．</a:t>
-            </a:r>
-            <a:endParaRPr kumimoji="1" lang="en-US" altLang="ja-JP" sz="1200" b="0" kern="1200" dirty="0">
+            <a:endParaRPr kumimoji="1" lang="ja-JP" altLang="en-US" sz="1200" b="0" kern="1200">
               <a:solidFill>
                 <a:schemeClr val="tx1"/>
               </a:solidFill>
@@ -1669,72 +1950,6 @@
             </a:endParaRPr>
           </a:p>
           <a:p>
-            <a:r>
-              <a:rPr kumimoji="1" lang="ja-JP" altLang="en-US" sz="1200" b="0" kern="1200">
-                <a:solidFill>
-                  <a:schemeClr val="tx1"/>
-                </a:solidFill>
-                <a:effectLst/>
-                <a:latin typeface="+mn-lt"/>
-                <a:ea typeface="+mn-ea"/>
-                <a:cs typeface="+mn-cs"/>
-              </a:rPr>
-              <a:t>今回は，既存モデルとの比較に加え，既存モデルから提案モデルへのいくつかの変更点の中でどの変更が効果を持っていたかを確認するために，記載の</a:t>
-            </a:r>
-            <a:r>
-              <a:rPr kumimoji="1" lang="en-US" altLang="ja-JP" sz="1200" b="0" kern="1200" dirty="0">
-                <a:solidFill>
-                  <a:schemeClr val="tx1"/>
-                </a:solidFill>
-                <a:effectLst/>
-                <a:latin typeface="+mn-lt"/>
-                <a:ea typeface="+mn-ea"/>
-                <a:cs typeface="+mn-cs"/>
-              </a:rPr>
-              <a:t>3</a:t>
-            </a:r>
-            <a:r>
-              <a:rPr kumimoji="1" lang="ja-JP" altLang="en-US" sz="1200" b="0" kern="1200">
-                <a:solidFill>
-                  <a:schemeClr val="tx1"/>
-                </a:solidFill>
-                <a:effectLst/>
-                <a:latin typeface="+mn-lt"/>
-                <a:ea typeface="+mn-ea"/>
-                <a:cs typeface="+mn-cs"/>
-              </a:rPr>
-              <a:t>つのモデルとの比較を行います．</a:t>
-            </a:r>
-          </a:p>
-          <a:p>
-            <a:endParaRPr kumimoji="1" lang="en-US" altLang="ja-JP" sz="1200" b="0" kern="1200" dirty="0">
-              <a:solidFill>
-                <a:schemeClr val="tx1"/>
-              </a:solidFill>
-              <a:effectLst/>
-              <a:latin typeface="+mn-lt"/>
-              <a:ea typeface="+mn-ea"/>
-              <a:cs typeface="+mn-cs"/>
-            </a:endParaRPr>
-          </a:p>
-          <a:p>
-            <a:pPr marL="0" marR="0" lvl="0" indent="0" algn="l" defTabSz="914400" rtl="0" eaLnBrk="1" fontAlgn="auto" latinLnBrk="0" hangingPunct="1">
-              <a:lnSpc>
-                <a:spcPct val="100000"/>
-              </a:lnSpc>
-              <a:spcBef>
-                <a:spcPts val="0"/>
-              </a:spcBef>
-              <a:spcAft>
-                <a:spcPts val="0"/>
-              </a:spcAft>
-              <a:buClrTx/>
-              <a:buSzTx/>
-              <a:buFontTx/>
-              <a:buNone/>
-              <a:tabLst/>
-              <a:defRPr/>
-            </a:pPr>
             <a:endParaRPr kumimoji="1" lang="ja-JP" altLang="en-US" sz="1200" b="0" kern="1200">
               <a:solidFill>
                 <a:schemeClr val="tx1"/>
@@ -1773,7 +1988,7 @@
     </p:spTree>
     <p:extLst>
       <p:ext uri="{BB962C8B-B14F-4D97-AF65-F5344CB8AC3E}">
-        <p14:creationId xmlns:p14="http://schemas.microsoft.com/office/powerpoint/2010/main" val="3299156748"/>
+        <p14:creationId xmlns:p14="http://schemas.microsoft.com/office/powerpoint/2010/main" val="1692758566"/>
       </p:ext>
     </p:extLst>
   </p:cSld>
@@ -1837,7 +2052,31 @@
                 <a:ea typeface="+mn-ea"/>
                 <a:cs typeface="+mn-cs"/>
               </a:rPr>
-              <a:t>実験結果を表に示します．</a:t>
+              <a:t>本研究では，時間区分ごとの評価者の厳しさを推定できる新しい</a:t>
+            </a:r>
+            <a:r>
+              <a:rPr kumimoji="1" lang="en" altLang="ja-JP" sz="1200" b="0" kern="1200" dirty="0">
+                <a:solidFill>
+                  <a:schemeClr val="tx1"/>
+                </a:solidFill>
+                <a:effectLst/>
+                <a:latin typeface="+mn-lt"/>
+                <a:ea typeface="+mn-ea"/>
+                <a:cs typeface="+mn-cs"/>
+              </a:rPr>
+              <a:t>IRT</a:t>
+            </a:r>
+            <a:r>
+              <a:rPr kumimoji="1" lang="ja-JP" altLang="en-US" sz="1200" b="0" kern="1200">
+                <a:solidFill>
+                  <a:schemeClr val="tx1"/>
+                </a:solidFill>
+                <a:effectLst/>
+                <a:latin typeface="+mn-lt"/>
+                <a:ea typeface="+mn-ea"/>
+                <a:cs typeface="+mn-cs"/>
+              </a:rPr>
+              <a:t>モデルを提案しました．</a:t>
             </a:r>
             <a:endParaRPr kumimoji="1" lang="en-US" altLang="ja-JP" sz="1200" b="0" kern="1200" dirty="0">
               <a:solidFill>
@@ -1860,197 +2099,7 @@
                 <a:ea typeface="+mn-ea"/>
                 <a:cs typeface="+mn-cs"/>
               </a:rPr>
-              <a:t>表から，各時間区分における</a:t>
-            </a:r>
-            <a:r>
-              <a:rPr kumimoji="1" lang="en" altLang="ja-JP" sz="1200" b="0" kern="1200" dirty="0">
-                <a:solidFill>
-                  <a:schemeClr val="tx1"/>
-                </a:solidFill>
-                <a:effectLst/>
-                <a:latin typeface="+mn-lt"/>
-                <a:ea typeface="+mn-ea"/>
-                <a:cs typeface="+mn-cs"/>
-              </a:rPr>
-              <a:t>WAIC</a:t>
-            </a:r>
-            <a:r>
-              <a:rPr kumimoji="1" lang="ja-JP" altLang="en-US" sz="1200" b="0" kern="1200">
-                <a:solidFill>
-                  <a:schemeClr val="tx1"/>
-                </a:solidFill>
-                <a:effectLst/>
-                <a:latin typeface="+mn-lt"/>
-                <a:ea typeface="+mn-ea"/>
-                <a:cs typeface="+mn-cs"/>
-              </a:rPr>
-              <a:t>の最小値を比較すると，提案モデルが最適モデルとして選択されたことが確認できます．</a:t>
-            </a:r>
-            <a:endParaRPr kumimoji="1" lang="en-US" altLang="ja-JP" sz="1200" b="0" kern="1200" dirty="0">
-              <a:solidFill>
-                <a:schemeClr val="tx1"/>
-              </a:solidFill>
-              <a:effectLst/>
-              <a:latin typeface="+mn-lt"/>
-              <a:ea typeface="+mn-ea"/>
-              <a:cs typeface="+mn-cs"/>
-            </a:endParaRPr>
-          </a:p>
-          <a:p>
-            <a:r>
-              <a:rPr kumimoji="1" lang="ja-JP" altLang="en-US" sz="1200" b="0" kern="1200">
-                <a:solidFill>
-                  <a:schemeClr val="tx1"/>
-                </a:solidFill>
-                <a:effectLst/>
-                <a:latin typeface="+mn-lt"/>
-                <a:ea typeface="+mn-ea"/>
-                <a:cs typeface="+mn-cs"/>
-              </a:rPr>
-              <a:t>また，</a:t>
-            </a:r>
-            <a:r>
-              <a:rPr kumimoji="1" lang="en" altLang="ja-JP" sz="1200" b="0" kern="1200" dirty="0">
-                <a:solidFill>
-                  <a:schemeClr val="tx1"/>
-                </a:solidFill>
-                <a:effectLst/>
-                <a:latin typeface="+mn-lt"/>
-                <a:ea typeface="+mn-ea"/>
-                <a:cs typeface="+mn-cs"/>
-              </a:rPr>
-              <a:t>WBIC</a:t>
-            </a:r>
-            <a:r>
-              <a:rPr kumimoji="1" lang="ja-JP" altLang="en-US" sz="1200" b="0" kern="1200">
-                <a:solidFill>
-                  <a:schemeClr val="tx1"/>
-                </a:solidFill>
-                <a:effectLst/>
-                <a:latin typeface="+mn-lt"/>
-                <a:ea typeface="+mn-ea"/>
-                <a:cs typeface="+mn-cs"/>
-              </a:rPr>
-              <a:t>の最小値を比較すると，比較モデル</a:t>
-            </a:r>
-            <a:r>
-              <a:rPr kumimoji="1" lang="en-US" altLang="ja-JP" sz="1200" b="0" kern="1200" dirty="0">
-                <a:solidFill>
-                  <a:schemeClr val="tx1"/>
-                </a:solidFill>
-                <a:effectLst/>
-                <a:latin typeface="+mn-lt"/>
-                <a:ea typeface="+mn-ea"/>
-                <a:cs typeface="+mn-cs"/>
-              </a:rPr>
-              <a:t>3</a:t>
-            </a:r>
-            <a:r>
-              <a:rPr kumimoji="1" lang="ja-JP" altLang="en-US" sz="1200" b="0" kern="1200">
-                <a:solidFill>
-                  <a:schemeClr val="tx1"/>
-                </a:solidFill>
-                <a:effectLst/>
-                <a:latin typeface="+mn-lt"/>
-                <a:ea typeface="+mn-ea"/>
-                <a:cs typeface="+mn-cs"/>
-              </a:rPr>
-              <a:t>と比較モデル</a:t>
-            </a:r>
-            <a:r>
-              <a:rPr kumimoji="1" lang="en-US" altLang="ja-JP" sz="1200" b="0" kern="1200" dirty="0">
-                <a:solidFill>
-                  <a:schemeClr val="tx1"/>
-                </a:solidFill>
-                <a:effectLst/>
-                <a:latin typeface="+mn-lt"/>
-                <a:ea typeface="+mn-ea"/>
-                <a:cs typeface="+mn-cs"/>
-              </a:rPr>
-              <a:t>1</a:t>
-            </a:r>
-            <a:r>
-              <a:rPr kumimoji="1" lang="ja-JP" altLang="en-US" sz="1200" b="0" kern="1200">
-                <a:solidFill>
-                  <a:schemeClr val="tx1"/>
-                </a:solidFill>
-                <a:effectLst/>
-                <a:latin typeface="+mn-lt"/>
-                <a:ea typeface="+mn-ea"/>
-                <a:cs typeface="+mn-cs"/>
-              </a:rPr>
-              <a:t>が最も高い性能を示しており，提案モデルより単純なモデルが最適なモデルとして選択されていることがわかります．</a:t>
-            </a:r>
-            <a:endParaRPr kumimoji="1" lang="en-US" altLang="ja-JP" sz="1200" b="0" kern="1200" dirty="0">
-              <a:solidFill>
-                <a:schemeClr val="tx1"/>
-              </a:solidFill>
-              <a:effectLst/>
-              <a:latin typeface="+mn-lt"/>
-              <a:ea typeface="+mn-ea"/>
-              <a:cs typeface="+mn-cs"/>
-            </a:endParaRPr>
-          </a:p>
-          <a:p>
-            <a:r>
-              <a:rPr kumimoji="1" lang="ja-JP" altLang="en-US" sz="1200" b="0" kern="1200">
-                <a:solidFill>
-                  <a:schemeClr val="tx1"/>
-                </a:solidFill>
-                <a:effectLst/>
-                <a:latin typeface="+mn-lt"/>
-                <a:ea typeface="+mn-ea"/>
-                <a:cs typeface="+mn-cs"/>
-              </a:rPr>
-              <a:t>一方で，提案モデルはどちらにおいても</a:t>
-            </a:r>
-            <a:r>
-              <a:rPr kumimoji="1" lang="en-US" altLang="ja-JP" sz="1200" b="0" kern="1200" dirty="0">
-                <a:solidFill>
-                  <a:schemeClr val="tx1"/>
-                </a:solidFill>
-                <a:effectLst/>
-                <a:latin typeface="+mn-lt"/>
-                <a:ea typeface="+mn-ea"/>
-                <a:cs typeface="+mn-cs"/>
-              </a:rPr>
-              <a:t>2</a:t>
-            </a:r>
-            <a:r>
-              <a:rPr kumimoji="1" lang="ja-JP" altLang="en-US" sz="1200" b="0" kern="1200">
-                <a:solidFill>
-                  <a:schemeClr val="tx1"/>
-                </a:solidFill>
-                <a:effectLst/>
-                <a:latin typeface="+mn-lt"/>
-                <a:ea typeface="+mn-ea"/>
-                <a:cs typeface="+mn-cs"/>
-              </a:rPr>
-              <a:t>番目に高い性能を示しており，比較モデル</a:t>
-            </a:r>
-            <a:r>
-              <a:rPr kumimoji="1" lang="en-US" altLang="ja-JP" sz="1200" b="0" kern="1200" dirty="0">
-                <a:solidFill>
-                  <a:schemeClr val="tx1"/>
-                </a:solidFill>
-                <a:effectLst/>
-                <a:latin typeface="+mn-lt"/>
-                <a:ea typeface="+mn-ea"/>
-                <a:cs typeface="+mn-cs"/>
-              </a:rPr>
-              <a:t>2</a:t>
-            </a:r>
-            <a:r>
-              <a:rPr kumimoji="1" lang="ja-JP" altLang="en-US" sz="1200" b="0" kern="1200">
-                <a:solidFill>
-                  <a:schemeClr val="tx1"/>
-                </a:solidFill>
-                <a:effectLst/>
-                <a:latin typeface="+mn-lt"/>
-                <a:ea typeface="+mn-ea"/>
-                <a:cs typeface="+mn-cs"/>
-              </a:rPr>
-              <a:t>よりも性能が高いことから，時間区分ごとの厳しさパラメータを導入したことの有効性は確認できます．</a:t>
+              <a:t>また，シミュレーション実験と実データを用いた実験では，提案モデルが評価者の時間区分ごとの厳しさを考慮した高精度な能力推定が実現できることを従来のモデルとの比較により示しました．</a:t>
             </a:r>
           </a:p>
           <a:p>
@@ -2065,7 +2114,43 @@
                 <a:cs typeface="+mn-cs"/>
               </a:rPr>
             </a:br>
-            <a:endParaRPr kumimoji="1" lang="ja-JP" altLang="en-US" sz="1200" b="0" kern="1200">
+            <a:r>
+              <a:rPr kumimoji="1" lang="ja-JP" altLang="en-US" sz="1200" b="0" kern="1200">
+                <a:solidFill>
+                  <a:schemeClr val="tx1"/>
+                </a:solidFill>
+                <a:effectLst/>
+                <a:latin typeface="+mn-lt"/>
+                <a:ea typeface="+mn-ea"/>
+                <a:cs typeface="+mn-cs"/>
+              </a:rPr>
+              <a:t>なお，今回提案したモデルは課題数</a:t>
+            </a:r>
+            <a:r>
+              <a:rPr kumimoji="1" lang="en-US" altLang="ja-JP" sz="1200" b="0" kern="1200" dirty="0">
+                <a:solidFill>
+                  <a:schemeClr val="tx1"/>
+                </a:solidFill>
+                <a:effectLst/>
+                <a:latin typeface="+mn-lt"/>
+                <a:ea typeface="+mn-ea"/>
+                <a:cs typeface="+mn-cs"/>
+              </a:rPr>
+              <a:t>1</a:t>
+            </a:r>
+            <a:r>
+              <a:rPr kumimoji="1" lang="ja-JP" altLang="en-US" sz="1200" b="0" kern="1200">
+                <a:solidFill>
+                  <a:schemeClr val="tx1"/>
+                </a:solidFill>
+                <a:effectLst/>
+                <a:latin typeface="+mn-lt"/>
+                <a:ea typeface="+mn-ea"/>
+                <a:cs typeface="+mn-cs"/>
+              </a:rPr>
+              <a:t>の問題を想定しており，課題ごとの特性を考慮することが出来ていません．</a:t>
+            </a:r>
+            <a:endParaRPr kumimoji="1" lang="en-US" altLang="ja-JP" sz="1200" b="0" kern="1200" dirty="0">
               <a:solidFill>
                 <a:schemeClr val="tx1"/>
               </a:solidFill>
@@ -2076,7 +2161,38 @@
             </a:endParaRPr>
           </a:p>
           <a:p>
-            <a:endParaRPr kumimoji="1" lang="ja-JP" altLang="en-US" sz="1200" b="0" kern="1200">
+            <a:r>
+              <a:rPr kumimoji="1" lang="ja-JP" altLang="en-US" sz="1200" b="0" kern="1200">
+                <a:solidFill>
+                  <a:schemeClr val="tx1"/>
+                </a:solidFill>
+                <a:effectLst/>
+                <a:latin typeface="+mn-lt"/>
+                <a:ea typeface="+mn-ea"/>
+                <a:cs typeface="+mn-cs"/>
+              </a:rPr>
+              <a:t>そのため，今後の課題としては，課題パラメータを追加して課題ごとの特性を考慮したモデルを作ることが挙げられます．</a:t>
+            </a:r>
+          </a:p>
+          <a:p>
+            <a:pPr marL="0" marR="0" lvl="0" indent="0" algn="l" defTabSz="914400" rtl="0" eaLnBrk="1" fontAlgn="auto" latinLnBrk="0" hangingPunct="1">
+              <a:lnSpc>
+                <a:spcPct val="100000"/>
+              </a:lnSpc>
+              <a:spcBef>
+                <a:spcPts val="0"/>
+              </a:spcBef>
+              <a:spcAft>
+                <a:spcPts val="0"/>
+              </a:spcAft>
+              <a:buClrTx/>
+              <a:buSzTx/>
+              <a:buFontTx/>
+              <a:buNone/>
+              <a:tabLst/>
+              <a:defRPr/>
+            </a:pPr>
+            <a:endParaRPr kumimoji="1" lang="en-US" altLang="ja-JP" sz="1200" b="0" kern="1200" dirty="0">
               <a:solidFill>
                 <a:schemeClr val="tx1"/>
               </a:solidFill>
@@ -2114,7 +2230,7 @@
     </p:spTree>
     <p:extLst>
       <p:ext uri="{BB962C8B-B14F-4D97-AF65-F5344CB8AC3E}">
-        <p14:creationId xmlns:p14="http://schemas.microsoft.com/office/powerpoint/2010/main" val="1692758566"/>
+        <p14:creationId xmlns:p14="http://schemas.microsoft.com/office/powerpoint/2010/main" val="146290981"/>
       </p:ext>
     </p:extLst>
   </p:cSld>
@@ -2168,165 +2284,7 @@
           <a:bodyPr/>
           <a:lstStyle/>
           <a:p>
-            <a:r>
-              <a:rPr kumimoji="1" lang="ja-JP" altLang="en-US" sz="1200" b="0" kern="1200">
-                <a:solidFill>
-                  <a:schemeClr val="tx1"/>
-                </a:solidFill>
-                <a:effectLst/>
-                <a:latin typeface="+mn-lt"/>
-                <a:ea typeface="+mn-ea"/>
-                <a:cs typeface="+mn-cs"/>
-              </a:rPr>
-              <a:t>本研究では，時間区分ごとの評価者の厳しさを推定できる新しい</a:t>
-            </a:r>
-            <a:r>
-              <a:rPr kumimoji="1" lang="en" altLang="ja-JP" sz="1200" b="0" kern="1200" dirty="0">
-                <a:solidFill>
-                  <a:schemeClr val="tx1"/>
-                </a:solidFill>
-                <a:effectLst/>
-                <a:latin typeface="+mn-lt"/>
-                <a:ea typeface="+mn-ea"/>
-                <a:cs typeface="+mn-cs"/>
-              </a:rPr>
-              <a:t>IRT</a:t>
-            </a:r>
-            <a:r>
-              <a:rPr kumimoji="1" lang="ja-JP" altLang="en-US" sz="1200" b="0" kern="1200">
-                <a:solidFill>
-                  <a:schemeClr val="tx1"/>
-                </a:solidFill>
-                <a:effectLst/>
-                <a:latin typeface="+mn-lt"/>
-                <a:ea typeface="+mn-ea"/>
-                <a:cs typeface="+mn-cs"/>
-              </a:rPr>
-              <a:t>モデルを提案しました．</a:t>
-            </a:r>
-            <a:endParaRPr kumimoji="1" lang="en-US" altLang="ja-JP" sz="1200" b="0" kern="1200" dirty="0">
-              <a:solidFill>
-                <a:schemeClr val="tx1"/>
-              </a:solidFill>
-              <a:effectLst/>
-              <a:latin typeface="+mn-lt"/>
-              <a:ea typeface="+mn-ea"/>
-              <a:cs typeface="+mn-cs"/>
-            </a:endParaRPr>
-          </a:p>
-          <a:p>
-            <a:r>
-              <a:rPr kumimoji="1" lang="ja-JP" altLang="en-US" sz="1200" b="0" kern="1200">
-                <a:solidFill>
-                  <a:schemeClr val="tx1"/>
-                </a:solidFill>
-                <a:effectLst/>
-                <a:latin typeface="+mn-lt"/>
-                <a:ea typeface="+mn-ea"/>
-                <a:cs typeface="+mn-cs"/>
-              </a:rPr>
-              <a:t>また，シミュレーション実験と実データを用いた実験では，提案モデルが評価者の時間区分ごとの厳しさを考慮した高精度な能力推定が実現できることを従来のモデルとの比較により示しました．</a:t>
-            </a:r>
-          </a:p>
-          <a:p>
-            <a:br>
-              <a:rPr kumimoji="1" lang="ja-JP" altLang="en-US" sz="1200" b="0" kern="1200">
-                <a:solidFill>
-                  <a:schemeClr val="tx1"/>
-                </a:solidFill>
-                <a:effectLst/>
-                <a:latin typeface="+mn-lt"/>
-                <a:ea typeface="+mn-ea"/>
-                <a:cs typeface="+mn-cs"/>
-              </a:rPr>
-            </a:br>
-            <a:r>
-              <a:rPr kumimoji="1" lang="ja-JP" altLang="en-US" sz="1200" b="0" kern="1200">
-                <a:solidFill>
-                  <a:schemeClr val="tx1"/>
-                </a:solidFill>
-                <a:effectLst/>
-                <a:latin typeface="+mn-lt"/>
-                <a:ea typeface="+mn-ea"/>
-                <a:cs typeface="+mn-cs"/>
-              </a:rPr>
-              <a:t>なお，今回提案したモデルは課題数</a:t>
-            </a:r>
-            <a:r>
-              <a:rPr kumimoji="1" lang="en-US" altLang="ja-JP" sz="1200" b="0" kern="1200" dirty="0">
-                <a:solidFill>
-                  <a:schemeClr val="tx1"/>
-                </a:solidFill>
-                <a:effectLst/>
-                <a:latin typeface="+mn-lt"/>
-                <a:ea typeface="+mn-ea"/>
-                <a:cs typeface="+mn-cs"/>
-              </a:rPr>
-              <a:t>1</a:t>
-            </a:r>
-            <a:r>
-              <a:rPr kumimoji="1" lang="ja-JP" altLang="en-US" sz="1200" b="0" kern="1200">
-                <a:solidFill>
-                  <a:schemeClr val="tx1"/>
-                </a:solidFill>
-                <a:effectLst/>
-                <a:latin typeface="+mn-lt"/>
-                <a:ea typeface="+mn-ea"/>
-                <a:cs typeface="+mn-cs"/>
-              </a:rPr>
-              <a:t>の問題を想定しており，課題ごとの特性を考慮することが出来ていません．</a:t>
-            </a:r>
-            <a:endParaRPr kumimoji="1" lang="en-US" altLang="ja-JP" sz="1200" b="0" kern="1200" dirty="0">
-              <a:solidFill>
-                <a:schemeClr val="tx1"/>
-              </a:solidFill>
-              <a:effectLst/>
-              <a:latin typeface="+mn-lt"/>
-              <a:ea typeface="+mn-ea"/>
-              <a:cs typeface="+mn-cs"/>
-            </a:endParaRPr>
-          </a:p>
-          <a:p>
-            <a:r>
-              <a:rPr kumimoji="1" lang="ja-JP" altLang="en-US" sz="1200" b="0" kern="1200">
-                <a:solidFill>
-                  <a:schemeClr val="tx1"/>
-                </a:solidFill>
-                <a:effectLst/>
-                <a:latin typeface="+mn-lt"/>
-                <a:ea typeface="+mn-ea"/>
-                <a:cs typeface="+mn-cs"/>
-              </a:rPr>
-              <a:t>そのため，今後の課題としては，課題パラメータを追加して課題ごとの特性を考慮したモデルを作ることが挙げられます．</a:t>
-            </a:r>
-          </a:p>
-          <a:p>
-            <a:pPr marL="0" marR="0" lvl="0" indent="0" algn="l" defTabSz="914400" rtl="0" eaLnBrk="1" fontAlgn="auto" latinLnBrk="0" hangingPunct="1">
-              <a:lnSpc>
-                <a:spcPct val="100000"/>
-              </a:lnSpc>
-              <a:spcBef>
-                <a:spcPts val="0"/>
-              </a:spcBef>
-              <a:spcAft>
-                <a:spcPts val="0"/>
-              </a:spcAft>
-              <a:buClrTx/>
-              <a:buSzTx/>
-              <a:buFontTx/>
-              <a:buNone/>
-              <a:tabLst/>
-              <a:defRPr/>
-            </a:pPr>
-            <a:endParaRPr kumimoji="1" lang="en-US" altLang="ja-JP" sz="1200" b="0" kern="1200" dirty="0">
-              <a:solidFill>
-                <a:schemeClr val="tx1"/>
-              </a:solidFill>
-              <a:effectLst/>
-              <a:latin typeface="+mn-lt"/>
-              <a:ea typeface="+mn-ea"/>
-              <a:cs typeface="+mn-cs"/>
-            </a:endParaRPr>
+            <a:endParaRPr kumimoji="1" lang="ja-JP" altLang="en-US"/>
           </a:p>
         </p:txBody>
       </p:sp>
@@ -2356,7 +2314,7 @@
     </p:spTree>
     <p:extLst>
       <p:ext uri="{BB962C8B-B14F-4D97-AF65-F5344CB8AC3E}">
-        <p14:creationId xmlns:p14="http://schemas.microsoft.com/office/powerpoint/2010/main" val="146290981"/>
+        <p14:creationId xmlns:p14="http://schemas.microsoft.com/office/powerpoint/2010/main" val="2975947878"/>
       </p:ext>
     </p:extLst>
   </p:cSld>
@@ -2410,7 +2368,402 @@
           <a:bodyPr/>
           <a:lstStyle/>
           <a:p>
-            <a:endParaRPr kumimoji="1" lang="ja-JP" altLang="en-US"/>
+            <a:pPr marL="0" marR="0" lvl="0" indent="0" algn="l" defTabSz="914400" rtl="0" eaLnBrk="1" fontAlgn="auto" latinLnBrk="0" hangingPunct="1">
+              <a:lnSpc>
+                <a:spcPct val="100000"/>
+              </a:lnSpc>
+              <a:spcBef>
+                <a:spcPts val="0"/>
+              </a:spcBef>
+              <a:spcAft>
+                <a:spcPts val="0"/>
+              </a:spcAft>
+              <a:buClrTx/>
+              <a:buSzTx/>
+              <a:buFontTx/>
+              <a:buNone/>
+              <a:tabLst/>
+              <a:defRPr/>
+            </a:pPr>
+            <a:r>
+              <a:rPr kumimoji="1" lang="ja-JP" altLang="en-US" sz="1200" b="0" i="0" u="none" strike="noStrike" kern="1200">
+                <a:solidFill>
+                  <a:schemeClr val="tx1"/>
+                </a:solidFill>
+                <a:effectLst/>
+                <a:latin typeface="+mn-lt"/>
+                <a:ea typeface="+mn-ea"/>
+                <a:cs typeface="+mn-cs"/>
+              </a:rPr>
+              <a:t>本研究では，提案モデルのパラメータ推定にマルコフ連鎖モンテカルロ法を利用しますが，これによって適切にパラメータを推定できるかをシミュレーションで評価しました．</a:t>
+            </a:r>
+            <a:endParaRPr kumimoji="1" lang="en-US" altLang="ja-JP" sz="1200" b="0" i="0" u="none" strike="noStrike" kern="1200" dirty="0">
+              <a:solidFill>
+                <a:schemeClr val="tx1"/>
+              </a:solidFill>
+              <a:effectLst/>
+              <a:latin typeface="+mn-lt"/>
+              <a:ea typeface="+mn-ea"/>
+              <a:cs typeface="+mn-cs"/>
+            </a:endParaRPr>
+          </a:p>
+          <a:p>
+            <a:pPr marL="0" marR="0" lvl="0" indent="0" algn="l" defTabSz="914400" rtl="0" eaLnBrk="1" fontAlgn="auto" latinLnBrk="0" hangingPunct="1">
+              <a:lnSpc>
+                <a:spcPct val="100000"/>
+              </a:lnSpc>
+              <a:spcBef>
+                <a:spcPts val="0"/>
+              </a:spcBef>
+              <a:spcAft>
+                <a:spcPts val="0"/>
+              </a:spcAft>
+              <a:buClrTx/>
+              <a:buSzTx/>
+              <a:buFontTx/>
+              <a:buNone/>
+              <a:tabLst/>
+              <a:defRPr/>
+            </a:pPr>
+            <a:r>
+              <a:rPr kumimoji="1" lang="ja-JP" altLang="en-US" sz="1200" b="0" i="0" u="none" strike="noStrike" kern="1200">
+                <a:solidFill>
+                  <a:schemeClr val="tx1"/>
+                </a:solidFill>
+                <a:effectLst/>
+                <a:latin typeface="+mn-lt"/>
+                <a:ea typeface="+mn-ea"/>
+                <a:cs typeface="+mn-cs"/>
+              </a:rPr>
+              <a:t>具体的には，パラメータの真値を定めてモデルからデータを生成し，そのデータから推定したパラメータ値と真値との誤差を評価する実験です．</a:t>
+            </a:r>
+            <a:endParaRPr kumimoji="1" lang="en-US" altLang="ja-JP" sz="1200" b="0" i="0" u="none" strike="noStrike" kern="1200" dirty="0">
+              <a:solidFill>
+                <a:schemeClr val="tx1"/>
+              </a:solidFill>
+              <a:effectLst/>
+              <a:latin typeface="+mn-lt"/>
+              <a:ea typeface="+mn-ea"/>
+              <a:cs typeface="+mn-cs"/>
+            </a:endParaRPr>
+          </a:p>
+          <a:p>
+            <a:pPr marL="0" marR="0" lvl="0" indent="0" algn="l" defTabSz="914400" rtl="0" eaLnBrk="1" fontAlgn="auto" latinLnBrk="0" hangingPunct="1">
+              <a:lnSpc>
+                <a:spcPct val="100000"/>
+              </a:lnSpc>
+              <a:spcBef>
+                <a:spcPts val="0"/>
+              </a:spcBef>
+              <a:spcAft>
+                <a:spcPts val="0"/>
+              </a:spcAft>
+              <a:buClrTx/>
+              <a:buSzTx/>
+              <a:buFontTx/>
+              <a:buNone/>
+              <a:tabLst/>
+              <a:defRPr/>
+            </a:pPr>
+            <a:endParaRPr lang="en-US" altLang="ja-JP" dirty="0"/>
+          </a:p>
+          <a:p>
+            <a:r>
+              <a:rPr lang="ja-JP" altLang="en-US"/>
+              <a:t>ーーーーーーーーーーーーーーーーーーーーーーーーーーーーーーーーーーーーーーーーーーーーーー</a:t>
+            </a:r>
+            <a:endParaRPr lang="en-US" altLang="ja-JP" dirty="0"/>
+          </a:p>
+          <a:p>
+            <a:endParaRPr lang="en-US" altLang="ja-JP" dirty="0"/>
+          </a:p>
+          <a:p>
+            <a:r>
+              <a:rPr kumimoji="1" lang="ja-JP" altLang="en-US" sz="1200" b="0" kern="1200">
+                <a:solidFill>
+                  <a:schemeClr val="tx1"/>
+                </a:solidFill>
+                <a:effectLst/>
+                <a:latin typeface="+mn-lt"/>
+                <a:ea typeface="+mn-ea"/>
+                <a:cs typeface="+mn-cs"/>
+              </a:rPr>
+              <a:t>上記の実験を，学習者数</a:t>
+            </a:r>
+            <a:r>
+              <a:rPr kumimoji="1" lang="en" altLang="ja-JP" sz="1200" b="1" kern="1200" dirty="0">
+                <a:solidFill>
+                  <a:schemeClr val="tx1"/>
+                </a:solidFill>
+                <a:effectLst/>
+                <a:latin typeface="+mn-lt"/>
+                <a:ea typeface="+mn-ea"/>
+                <a:cs typeface="+mn-cs"/>
+              </a:rPr>
+              <a:t>50</a:t>
+            </a:r>
+            <a:r>
+              <a:rPr kumimoji="1" lang="ja-JP" altLang="en" sz="1200" b="1" kern="1200">
+                <a:solidFill>
+                  <a:schemeClr val="tx1"/>
+                </a:solidFill>
+                <a:effectLst/>
+                <a:latin typeface="+mn-lt"/>
+                <a:ea typeface="+mn-ea"/>
+                <a:cs typeface="+mn-cs"/>
+              </a:rPr>
+              <a:t>，</a:t>
+            </a:r>
+            <a:r>
+              <a:rPr kumimoji="1" lang="en" altLang="ja-JP" sz="1200" b="1" kern="1200" dirty="0">
+                <a:solidFill>
+                  <a:schemeClr val="tx1"/>
+                </a:solidFill>
+                <a:effectLst/>
+                <a:latin typeface="+mn-lt"/>
+                <a:ea typeface="+mn-ea"/>
+                <a:cs typeface="+mn-cs"/>
+              </a:rPr>
+              <a:t>100</a:t>
+            </a:r>
+            <a:r>
+              <a:rPr kumimoji="1" lang="ja-JP" altLang="en-US" sz="1200" b="0" kern="1200">
+                <a:solidFill>
+                  <a:schemeClr val="tx1"/>
+                </a:solidFill>
+                <a:effectLst/>
+                <a:latin typeface="+mn-lt"/>
+                <a:ea typeface="+mn-ea"/>
+                <a:cs typeface="+mn-cs"/>
+              </a:rPr>
+              <a:t>評価者数</a:t>
+            </a:r>
+            <a:r>
+              <a:rPr kumimoji="1" lang="en-US" altLang="ja-JP" sz="1200" b="1" kern="1200" dirty="0">
+                <a:solidFill>
+                  <a:schemeClr val="tx1"/>
+                </a:solidFill>
+                <a:effectLst/>
+                <a:latin typeface="+mn-lt"/>
+                <a:ea typeface="+mn-ea"/>
+                <a:cs typeface="+mn-cs"/>
+              </a:rPr>
+              <a:t>1</a:t>
+            </a:r>
+            <a:r>
+              <a:rPr kumimoji="1" lang="en" altLang="ja-JP" sz="1200" b="1" kern="1200" dirty="0">
+                <a:solidFill>
+                  <a:schemeClr val="tx1"/>
+                </a:solidFill>
+                <a:effectLst/>
+                <a:latin typeface="+mn-lt"/>
+                <a:ea typeface="+mn-ea"/>
+                <a:cs typeface="+mn-cs"/>
+              </a:rPr>
+              <a:t>0</a:t>
+            </a:r>
+            <a:r>
+              <a:rPr kumimoji="1" lang="ja-JP" altLang="en" sz="1200" b="1" kern="1200">
+                <a:solidFill>
+                  <a:schemeClr val="tx1"/>
+                </a:solidFill>
+                <a:effectLst/>
+                <a:latin typeface="+mn-lt"/>
+                <a:ea typeface="+mn-ea"/>
+                <a:cs typeface="+mn-cs"/>
+              </a:rPr>
+              <a:t>，</a:t>
+            </a:r>
+            <a:r>
+              <a:rPr kumimoji="1" lang="en" altLang="ja-JP" sz="1200" b="1" kern="1200" dirty="0">
+                <a:solidFill>
+                  <a:schemeClr val="tx1"/>
+                </a:solidFill>
+                <a:effectLst/>
+                <a:latin typeface="+mn-lt"/>
+                <a:ea typeface="+mn-ea"/>
+                <a:cs typeface="+mn-cs"/>
+              </a:rPr>
+              <a:t>15</a:t>
+            </a:r>
+            <a:r>
+              <a:rPr kumimoji="1" lang="ja-JP" altLang="en-US" sz="1200" b="1" kern="1200">
+                <a:solidFill>
+                  <a:schemeClr val="tx1"/>
+                </a:solidFill>
+                <a:effectLst/>
+                <a:latin typeface="+mn-lt"/>
+                <a:ea typeface="+mn-ea"/>
+                <a:cs typeface="+mn-cs"/>
+              </a:rPr>
+              <a:t>，</a:t>
+            </a:r>
+            <a:r>
+              <a:rPr kumimoji="1" lang="ja-JP" altLang="en-US" sz="1200" b="0" kern="1200">
+                <a:solidFill>
+                  <a:schemeClr val="tx1"/>
+                </a:solidFill>
+                <a:effectLst/>
+                <a:latin typeface="+mn-lt"/>
+                <a:ea typeface="+mn-ea"/>
+                <a:cs typeface="+mn-cs"/>
+              </a:rPr>
+              <a:t>時間区間</a:t>
+            </a:r>
+            <a:r>
+              <a:rPr kumimoji="1" lang="en" altLang="ja-JP" sz="1200" b="1" kern="1200" dirty="0">
+                <a:solidFill>
+                  <a:schemeClr val="tx1"/>
+                </a:solidFill>
+                <a:effectLst/>
+                <a:latin typeface="+mn-lt"/>
+                <a:ea typeface="+mn-ea"/>
+                <a:cs typeface="+mn-cs"/>
+              </a:rPr>
+              <a:t>3</a:t>
+            </a:r>
+            <a:r>
+              <a:rPr kumimoji="1" lang="ja-JP" altLang="en" sz="1200" b="1" kern="1200">
+                <a:solidFill>
+                  <a:schemeClr val="tx1"/>
+                </a:solidFill>
+                <a:effectLst/>
+                <a:latin typeface="+mn-lt"/>
+                <a:ea typeface="+mn-ea"/>
+                <a:cs typeface="+mn-cs"/>
+              </a:rPr>
+              <a:t>，</a:t>
+            </a:r>
+            <a:r>
+              <a:rPr kumimoji="1" lang="en" altLang="ja-JP" sz="1200" b="1" kern="1200" dirty="0">
+                <a:solidFill>
+                  <a:schemeClr val="tx1"/>
+                </a:solidFill>
+                <a:effectLst/>
+                <a:latin typeface="+mn-lt"/>
+                <a:ea typeface="+mn-ea"/>
+                <a:cs typeface="+mn-cs"/>
+              </a:rPr>
+              <a:t>5</a:t>
+            </a:r>
+            <a:r>
+              <a:rPr kumimoji="1" lang="ja-JP" altLang="en" sz="1200" b="1" kern="1200">
+                <a:solidFill>
+                  <a:schemeClr val="tx1"/>
+                </a:solidFill>
+                <a:effectLst/>
+                <a:latin typeface="+mn-lt"/>
+                <a:ea typeface="+mn-ea"/>
+                <a:cs typeface="+mn-cs"/>
+              </a:rPr>
+              <a:t>，</a:t>
+            </a:r>
+            <a:r>
+              <a:rPr kumimoji="1" lang="en" altLang="ja-JP" sz="1200" b="1" kern="1200" dirty="0">
+                <a:solidFill>
+                  <a:schemeClr val="tx1"/>
+                </a:solidFill>
+                <a:effectLst/>
+                <a:latin typeface="+mn-lt"/>
+                <a:ea typeface="+mn-ea"/>
+                <a:cs typeface="+mn-cs"/>
+              </a:rPr>
+              <a:t>10</a:t>
+            </a:r>
+            <a:r>
+              <a:rPr kumimoji="1" lang="ja-JP" altLang="en-US" sz="1200" b="0" kern="1200">
+                <a:solidFill>
+                  <a:schemeClr val="tx1"/>
+                </a:solidFill>
+                <a:effectLst/>
+                <a:latin typeface="+mn-lt"/>
+                <a:ea typeface="+mn-ea"/>
+                <a:cs typeface="+mn-cs"/>
+              </a:rPr>
+              <a:t>の場合において行いました．</a:t>
+            </a:r>
+            <a:endParaRPr kumimoji="1" lang="en-US" altLang="ja-JP" sz="1200" b="0" kern="1200" dirty="0">
+              <a:solidFill>
+                <a:schemeClr val="tx1"/>
+              </a:solidFill>
+              <a:effectLst/>
+              <a:latin typeface="+mn-lt"/>
+              <a:ea typeface="+mn-ea"/>
+              <a:cs typeface="+mn-cs"/>
+            </a:endParaRPr>
+          </a:p>
+          <a:p>
+            <a:r>
+              <a:rPr kumimoji="1" lang="ja-JP" altLang="en-US" sz="1200" b="0" kern="1200">
+                <a:solidFill>
+                  <a:schemeClr val="tx1"/>
+                </a:solidFill>
+                <a:effectLst/>
+                <a:latin typeface="+mn-lt"/>
+                <a:ea typeface="+mn-ea"/>
+                <a:cs typeface="+mn-cs"/>
+              </a:rPr>
+              <a:t>カテゴリ数は</a:t>
+            </a:r>
+            <a:r>
+              <a:rPr kumimoji="1" lang="en" altLang="ja-JP" sz="1200" b="1" kern="1200" dirty="0">
+                <a:solidFill>
+                  <a:schemeClr val="tx1"/>
+                </a:solidFill>
+                <a:effectLst/>
+                <a:latin typeface="+mn-lt"/>
+                <a:ea typeface="+mn-ea"/>
+                <a:cs typeface="+mn-cs"/>
+              </a:rPr>
+              <a:t>5</a:t>
+            </a:r>
+            <a:r>
+              <a:rPr kumimoji="1" lang="ja-JP" altLang="en-US" sz="1200" b="0" kern="1200">
+                <a:solidFill>
+                  <a:schemeClr val="tx1"/>
+                </a:solidFill>
+                <a:effectLst/>
+                <a:latin typeface="+mn-lt"/>
+                <a:ea typeface="+mn-ea"/>
+                <a:cs typeface="+mn-cs"/>
+              </a:rPr>
+              <a:t>とした．</a:t>
+            </a:r>
+          </a:p>
+          <a:p>
+            <a:br>
+              <a:rPr kumimoji="1" lang="ja-JP" altLang="en-US" sz="1200" b="0" kern="1200">
+                <a:solidFill>
+                  <a:schemeClr val="tx1"/>
+                </a:solidFill>
+                <a:effectLst/>
+                <a:latin typeface="+mn-lt"/>
+                <a:ea typeface="+mn-ea"/>
+                <a:cs typeface="+mn-cs"/>
+              </a:rPr>
+            </a:br>
+            <a:endParaRPr kumimoji="1" lang="ja-JP" altLang="en-US" sz="1200" b="0" kern="1200">
+              <a:solidFill>
+                <a:schemeClr val="tx1"/>
+              </a:solidFill>
+              <a:effectLst/>
+              <a:latin typeface="+mn-lt"/>
+              <a:ea typeface="+mn-ea"/>
+              <a:cs typeface="+mn-cs"/>
+            </a:endParaRPr>
+          </a:p>
+          <a:p>
+            <a:pPr marL="514350" indent="-514350">
+              <a:buFont typeface="+mj-lt"/>
+              <a:buAutoNum type="arabicPeriod"/>
+            </a:pPr>
+            <a:endParaRPr lang="ja-JP" altLang="en-US"/>
+          </a:p>
+          <a:p>
+            <a:r>
+              <a:rPr kumimoji="1" lang="ja-JP" altLang="en-US"/>
+              <a:t>これなくす</a:t>
+            </a:r>
           </a:p>
         </p:txBody>
       </p:sp>
@@ -2431,7 +2784,7 @@
           <a:p>
             <a:fld id="{F069C953-97BB-D34F-A925-DB809641415F}" type="slidenum">
               <a:rPr kumimoji="1" lang="ja-JP" altLang="en-US" smtClean="0"/>
-              <a:t>17</a:t>
+              <a:t>18</a:t>
             </a:fld>
             <a:endParaRPr kumimoji="1" lang="ja-JP" altLang="en-US"/>
           </a:p>
@@ -2440,7 +2793,7 @@
     </p:spTree>
     <p:extLst>
       <p:ext uri="{BB962C8B-B14F-4D97-AF65-F5344CB8AC3E}">
-        <p14:creationId xmlns:p14="http://schemas.microsoft.com/office/powerpoint/2010/main" val="2975947878"/>
+        <p14:creationId xmlns:p14="http://schemas.microsoft.com/office/powerpoint/2010/main" val="2452455439"/>
       </p:ext>
     </p:extLst>
   </p:cSld>
@@ -2494,25 +2847,8 @@
           <a:bodyPr/>
           <a:lstStyle/>
           <a:p>
-            <a:pPr marL="0" marR="0" lvl="0" indent="0" algn="l" defTabSz="914400" rtl="0" eaLnBrk="1" fontAlgn="auto" latinLnBrk="0" hangingPunct="1">
-              <a:lnSpc>
-                <a:spcPct val="100000"/>
-              </a:lnSpc>
-              <a:spcBef>
-                <a:spcPts val="0"/>
-              </a:spcBef>
-              <a:spcAft>
-                <a:spcPts val="0"/>
-              </a:spcAft>
-              <a:buClrTx/>
-              <a:buSzTx/>
-              <a:buFontTx/>
-              <a:buNone/>
-              <a:tabLst/>
-              <a:defRPr/>
-            </a:pPr>
-            <a:r>
-              <a:rPr kumimoji="1" lang="ja-JP" altLang="en-US" sz="1200" b="0" i="0" u="none" strike="noStrike" kern="1200">
+            <a:r>
+              <a:rPr kumimoji="1" lang="ja-JP" altLang="en-US" sz="1200" kern="1200">
                 <a:solidFill>
                   <a:schemeClr val="tx1"/>
                 </a:solidFill>
@@ -2521,38 +2857,10 @@
                 <a:ea typeface="+mn-ea"/>
                 <a:cs typeface="+mn-cs"/>
               </a:rPr>
-              <a:t>本研究では，提案モデルのパラメータ推定にマルコフ連鎖モンテカルロ法を利用しますが，これによって適切にパラメータを推定できるかをシミュレーションで評価しました．</a:t>
-            </a:r>
-            <a:endParaRPr kumimoji="1" lang="en-US" altLang="ja-JP" sz="1200" b="0" i="0" u="none" strike="noStrike" kern="1200" dirty="0">
-              <a:solidFill>
-                <a:schemeClr val="tx1"/>
-              </a:solidFill>
-              <a:effectLst/>
-              <a:latin typeface="+mn-lt"/>
-              <a:ea typeface="+mn-ea"/>
-              <a:cs typeface="+mn-cs"/>
-            </a:endParaRPr>
-          </a:p>
-          <a:p>
-            <a:pPr marL="0" marR="0" lvl="0" indent="0" algn="l" defTabSz="914400" rtl="0" eaLnBrk="1" fontAlgn="auto" latinLnBrk="0" hangingPunct="1">
-              <a:lnSpc>
-                <a:spcPct val="100000"/>
-              </a:lnSpc>
-              <a:spcBef>
-                <a:spcPts val="0"/>
-              </a:spcBef>
-              <a:spcAft>
-                <a:spcPts val="0"/>
-              </a:spcAft>
-              <a:buClrTx/>
-              <a:buSzTx/>
-              <a:buFontTx/>
-              <a:buNone/>
-              <a:tabLst/>
-              <a:defRPr/>
-            </a:pPr>
-            <a:r>
-              <a:rPr kumimoji="1" lang="ja-JP" altLang="en-US" sz="1200" b="0" i="0" u="none" strike="noStrike" kern="1200">
+              <a:t>また 提案モデルでは</a:t>
+            </a:r>
+            <a:r>
+              <a:rPr kumimoji="1" lang="el-GR" altLang="ja-JP" sz="1200" kern="1200" dirty="0">
                 <a:solidFill>
                   <a:schemeClr val="tx1"/>
                 </a:solidFill>
@@ -2561,51 +2869,10 @@
                 <a:ea typeface="+mn-ea"/>
                 <a:cs typeface="+mn-cs"/>
               </a:rPr>
-              <a:t>具体的には，パラメータの真値を定めてモデルからデータを生成し，そのデータから推定したパラメータ値と真値との誤差を評価する実験です．</a:t>
-            </a:r>
-            <a:endParaRPr kumimoji="1" lang="en-US" altLang="ja-JP" sz="1200" b="0" i="0" u="none" strike="noStrike" kern="1200" dirty="0">
-              <a:solidFill>
-                <a:schemeClr val="tx1"/>
-              </a:solidFill>
-              <a:effectLst/>
-              <a:latin typeface="+mn-lt"/>
-              <a:ea typeface="+mn-ea"/>
-              <a:cs typeface="+mn-cs"/>
-            </a:endParaRPr>
-          </a:p>
-          <a:p>
-            <a:pPr marL="0" marR="0" lvl="0" indent="0" algn="l" defTabSz="914400" rtl="0" eaLnBrk="1" fontAlgn="auto" latinLnBrk="0" hangingPunct="1">
-              <a:lnSpc>
-                <a:spcPct val="100000"/>
-              </a:lnSpc>
-              <a:spcBef>
-                <a:spcPts val="0"/>
-              </a:spcBef>
-              <a:spcAft>
-                <a:spcPts val="0"/>
-              </a:spcAft>
-              <a:buClrTx/>
-              <a:buSzTx/>
-              <a:buFontTx/>
-              <a:buNone/>
-              <a:tabLst/>
-              <a:defRPr/>
-            </a:pPr>
-            <a:endParaRPr lang="en-US" altLang="ja-JP" dirty="0"/>
-          </a:p>
-          <a:p>
-            <a:r>
-              <a:rPr lang="ja-JP" altLang="en-US"/>
-              <a:t>ーーーーーーーーーーーーーーーーーーーーーーーーーーーーーーーーーーーーーーーーーーーーーー</a:t>
-            </a:r>
-            <a:endParaRPr lang="en-US" altLang="ja-JP" dirty="0"/>
-          </a:p>
-          <a:p>
-            <a:endParaRPr lang="en-US" altLang="ja-JP" dirty="0"/>
-          </a:p>
-          <a:p>
-            <a:r>
-              <a:rPr kumimoji="1" lang="ja-JP" altLang="en-US" sz="1200" b="0" kern="1200">
+              <a:t>β</a:t>
+            </a:r>
+            <a:r>
+              <a:rPr kumimoji="1" lang="en" altLang="ja-JP" sz="1200" kern="1200" dirty="0">
                 <a:solidFill>
                   <a:schemeClr val="tx1"/>
                 </a:solidFill>
@@ -2614,10 +2881,10 @@
                 <a:ea typeface="+mn-ea"/>
                 <a:cs typeface="+mn-cs"/>
               </a:rPr>
-              <a:t>上記の実験を，学習者数</a:t>
-            </a:r>
-            <a:r>
-              <a:rPr kumimoji="1" lang="en" altLang="ja-JP" sz="1200" b="1" kern="1200" dirty="0">
+              <a:t>rt </a:t>
+            </a:r>
+            <a:r>
+              <a:rPr kumimoji="1" lang="ja-JP" altLang="en-US" sz="1200" kern="1200">
                 <a:solidFill>
                   <a:schemeClr val="tx1"/>
                 </a:solidFill>
@@ -2626,10 +2893,10 @@
                 <a:ea typeface="+mn-ea"/>
                 <a:cs typeface="+mn-cs"/>
               </a:rPr>
-              <a:t>50</a:t>
-            </a:r>
-            <a:r>
-              <a:rPr kumimoji="1" lang="ja-JP" altLang="en" sz="1200" b="1" kern="1200">
+              <a:t>が直前の時間区分での厳しさ</a:t>
+            </a:r>
+            <a:r>
+              <a:rPr kumimoji="1" lang="el-GR" altLang="ja-JP" sz="1200" kern="1200" dirty="0">
                 <a:solidFill>
                   <a:schemeClr val="tx1"/>
                 </a:solidFill>
@@ -2638,10 +2905,10 @@
                 <a:ea typeface="+mn-ea"/>
                 <a:cs typeface="+mn-cs"/>
               </a:rPr>
-              <a:t>，</a:t>
-            </a:r>
-            <a:r>
-              <a:rPr kumimoji="1" lang="en" altLang="ja-JP" sz="1200" b="1" kern="1200" dirty="0">
+              <a:t>β</a:t>
+            </a:r>
+            <a:r>
+              <a:rPr kumimoji="1" lang="en" altLang="ja-JP" sz="1200" kern="1200" dirty="0">
                 <a:solidFill>
                   <a:schemeClr val="tx1"/>
                 </a:solidFill>
@@ -2650,10 +2917,10 @@
                 <a:ea typeface="+mn-ea"/>
                 <a:cs typeface="+mn-cs"/>
               </a:rPr>
-              <a:t>100</a:t>
-            </a:r>
-            <a:r>
-              <a:rPr kumimoji="1" lang="ja-JP" altLang="en-US" sz="1200" b="0" kern="1200">
+              <a:t>r,t−1 </a:t>
+            </a:r>
+            <a:r>
+              <a:rPr kumimoji="1" lang="ja-JP" altLang="en-US" sz="1200" kern="1200">
                 <a:solidFill>
                   <a:schemeClr val="tx1"/>
                 </a:solidFill>
@@ -2662,10 +2929,12 @@
                 <a:ea typeface="+mn-ea"/>
                 <a:cs typeface="+mn-cs"/>
               </a:rPr>
-              <a:t>評価者数</a:t>
-            </a:r>
-            <a:r>
-              <a:rPr kumimoji="1" lang="en-US" altLang="ja-JP" sz="1200" b="1" kern="1200" dirty="0">
+              <a:t>に依存して決まるように分布を設定</a:t>
+            </a:r>
+          </a:p>
+          <a:p>
+            <a:r>
+              <a:rPr kumimoji="1" lang="ja-JP" altLang="en-US" sz="1200" kern="1200">
                 <a:solidFill>
                   <a:schemeClr val="tx1"/>
                 </a:solidFill>
@@ -2674,10 +2943,10 @@
                 <a:ea typeface="+mn-ea"/>
                 <a:cs typeface="+mn-cs"/>
               </a:rPr>
-              <a:t>1</a:t>
-            </a:r>
-            <a:r>
-              <a:rPr kumimoji="1" lang="en" altLang="ja-JP" sz="1200" b="1" kern="1200" dirty="0">
+              <a:t>している ただし 一般に評価者の厳しさは直前の時間区分から大きくは変動しないと えられるため </a:t>
+            </a:r>
+            <a:r>
+              <a:rPr kumimoji="1" lang="el-GR" altLang="ja-JP" sz="1200" kern="1200" dirty="0">
                 <a:solidFill>
                   <a:schemeClr val="tx1"/>
                 </a:solidFill>
@@ -2686,10 +2955,10 @@
                 <a:ea typeface="+mn-ea"/>
                 <a:cs typeface="+mn-cs"/>
               </a:rPr>
-              <a:t>0</a:t>
-            </a:r>
-            <a:r>
-              <a:rPr kumimoji="1" lang="ja-JP" altLang="en" sz="1200" b="1" kern="1200">
+              <a:t>β</a:t>
+            </a:r>
+            <a:r>
+              <a:rPr kumimoji="1" lang="en" altLang="ja-JP" sz="1200" kern="1200" dirty="0">
                 <a:solidFill>
                   <a:schemeClr val="tx1"/>
                 </a:solidFill>
@@ -2698,10 +2967,10 @@
                 <a:ea typeface="+mn-ea"/>
                 <a:cs typeface="+mn-cs"/>
               </a:rPr>
-              <a:t>，</a:t>
-            </a:r>
-            <a:r>
-              <a:rPr kumimoji="1" lang="en" altLang="ja-JP" sz="1200" b="1" kern="1200" dirty="0">
+              <a:t>rt </a:t>
+            </a:r>
+            <a:r>
+              <a:rPr kumimoji="1" lang="ja-JP" altLang="en-US" sz="1200" kern="1200">
                 <a:solidFill>
                   <a:schemeClr val="tx1"/>
                 </a:solidFill>
@@ -2710,10 +2979,12 @@
                 <a:ea typeface="+mn-ea"/>
                 <a:cs typeface="+mn-cs"/>
               </a:rPr>
-              <a:t>15</a:t>
-            </a:r>
-            <a:r>
-              <a:rPr kumimoji="1" lang="ja-JP" altLang="en-US" sz="1200" b="1" kern="1200">
+              <a:t>の</a:t>
+            </a:r>
+          </a:p>
+          <a:p>
+            <a:r>
+              <a:rPr kumimoji="1" lang="ja-JP" altLang="en-US" sz="1200" kern="1200">
                 <a:solidFill>
                   <a:schemeClr val="tx1"/>
                 </a:solidFill>
@@ -2722,10 +2993,10 @@
                 <a:ea typeface="+mn-ea"/>
                 <a:cs typeface="+mn-cs"/>
               </a:rPr>
-              <a:t>，</a:t>
-            </a:r>
-            <a:r>
-              <a:rPr kumimoji="1" lang="ja-JP" altLang="en-US" sz="1200" b="0" kern="1200">
+              <a:t>分布の標準偏差</a:t>
+            </a:r>
+            <a:r>
+              <a:rPr kumimoji="1" lang="el-GR" altLang="ja-JP" sz="1200" kern="1200" dirty="0">
                 <a:solidFill>
                   <a:schemeClr val="tx1"/>
                 </a:solidFill>
@@ -2734,10 +3005,10 @@
                 <a:ea typeface="+mn-ea"/>
                 <a:cs typeface="+mn-cs"/>
               </a:rPr>
-              <a:t>時間区間</a:t>
-            </a:r>
-            <a:r>
-              <a:rPr kumimoji="1" lang="en" altLang="ja-JP" sz="1200" b="1" kern="1200" dirty="0">
+              <a:t>σ </a:t>
+            </a:r>
+            <a:r>
+              <a:rPr kumimoji="1" lang="ja-JP" altLang="en-US" sz="1200" kern="1200">
                 <a:solidFill>
                   <a:schemeClr val="tx1"/>
                 </a:solidFill>
@@ -2746,149 +3017,29 @@
                 <a:ea typeface="+mn-ea"/>
                 <a:cs typeface="+mn-cs"/>
               </a:rPr>
-              <a:t>3</a:t>
-            </a:r>
-            <a:r>
-              <a:rPr kumimoji="1" lang="ja-JP" altLang="en" sz="1200" b="1" kern="1200">
-                <a:solidFill>
-                  <a:schemeClr val="tx1"/>
-                </a:solidFill>
-                <a:effectLst/>
-                <a:latin typeface="+mn-lt"/>
-                <a:ea typeface="+mn-ea"/>
-                <a:cs typeface="+mn-cs"/>
-              </a:rPr>
-              <a:t>，</a:t>
-            </a:r>
-            <a:r>
-              <a:rPr kumimoji="1" lang="en" altLang="ja-JP" sz="1200" b="1" kern="1200" dirty="0">
-                <a:solidFill>
-                  <a:schemeClr val="tx1"/>
-                </a:solidFill>
-                <a:effectLst/>
-                <a:latin typeface="+mn-lt"/>
-                <a:ea typeface="+mn-ea"/>
-                <a:cs typeface="+mn-cs"/>
-              </a:rPr>
-              <a:t>5</a:t>
-            </a:r>
-            <a:r>
-              <a:rPr kumimoji="1" lang="ja-JP" altLang="en" sz="1200" b="1" kern="1200">
-                <a:solidFill>
-                  <a:schemeClr val="tx1"/>
-                </a:solidFill>
-                <a:effectLst/>
-                <a:latin typeface="+mn-lt"/>
-                <a:ea typeface="+mn-ea"/>
-                <a:cs typeface="+mn-cs"/>
-              </a:rPr>
-              <a:t>，</a:t>
-            </a:r>
-            <a:r>
-              <a:rPr kumimoji="1" lang="en" altLang="ja-JP" sz="1200" b="1" kern="1200" dirty="0">
-                <a:solidFill>
-                  <a:schemeClr val="tx1"/>
-                </a:solidFill>
-                <a:effectLst/>
-                <a:latin typeface="+mn-lt"/>
-                <a:ea typeface="+mn-ea"/>
-                <a:cs typeface="+mn-cs"/>
-              </a:rPr>
-              <a:t>10</a:t>
-            </a:r>
-            <a:r>
-              <a:rPr kumimoji="1" lang="ja-JP" altLang="en-US" sz="1200" b="0" kern="1200">
-                <a:solidFill>
-                  <a:schemeClr val="tx1"/>
-                </a:solidFill>
-                <a:effectLst/>
-                <a:latin typeface="+mn-lt"/>
-                <a:ea typeface="+mn-ea"/>
-                <a:cs typeface="+mn-cs"/>
-              </a:rPr>
-              <a:t>の場合において行いました．</a:t>
-            </a:r>
-            <a:endParaRPr kumimoji="1" lang="en-US" altLang="ja-JP" sz="1200" b="0" kern="1200" dirty="0">
-              <a:solidFill>
-                <a:schemeClr val="tx1"/>
-              </a:solidFill>
-              <a:effectLst/>
-              <a:latin typeface="+mn-lt"/>
-              <a:ea typeface="+mn-ea"/>
-              <a:cs typeface="+mn-cs"/>
-            </a:endParaRPr>
-          </a:p>
-          <a:p>
-            <a:r>
-              <a:rPr kumimoji="1" lang="ja-JP" altLang="en-US" sz="1200" b="0" kern="1200">
-                <a:solidFill>
-                  <a:schemeClr val="tx1"/>
-                </a:solidFill>
-                <a:effectLst/>
-                <a:latin typeface="+mn-lt"/>
-                <a:ea typeface="+mn-ea"/>
-                <a:cs typeface="+mn-cs"/>
-              </a:rPr>
-              <a:t>カテゴリ数は</a:t>
-            </a:r>
-            <a:r>
-              <a:rPr kumimoji="1" lang="en" altLang="ja-JP" sz="1200" b="1" kern="1200" dirty="0">
-                <a:solidFill>
-                  <a:schemeClr val="tx1"/>
-                </a:solidFill>
-                <a:effectLst/>
-                <a:latin typeface="+mn-lt"/>
-                <a:ea typeface="+mn-ea"/>
-                <a:cs typeface="+mn-cs"/>
-              </a:rPr>
-              <a:t>5</a:t>
-            </a:r>
-            <a:r>
-              <a:rPr kumimoji="1" lang="ja-JP" altLang="en-US" sz="1200" b="0" kern="1200">
-                <a:solidFill>
-                  <a:schemeClr val="tx1"/>
-                </a:solidFill>
-                <a:effectLst/>
-                <a:latin typeface="+mn-lt"/>
-                <a:ea typeface="+mn-ea"/>
-                <a:cs typeface="+mn-cs"/>
-              </a:rPr>
-              <a:t>とした．</a:t>
-            </a:r>
-          </a:p>
-          <a:p>
-            <a:br>
-              <a:rPr kumimoji="1" lang="ja-JP" altLang="en-US" sz="1200" b="0" kern="1200">
-                <a:solidFill>
-                  <a:schemeClr val="tx1"/>
-                </a:solidFill>
-                <a:effectLst/>
-                <a:latin typeface="+mn-lt"/>
-                <a:ea typeface="+mn-ea"/>
-                <a:cs typeface="+mn-cs"/>
-              </a:rPr>
-            </a:br>
-            <a:endParaRPr kumimoji="1" lang="ja-JP" altLang="en-US" sz="1200" b="0" kern="1200">
-              <a:solidFill>
-                <a:schemeClr val="tx1"/>
-              </a:solidFill>
-              <a:effectLst/>
-              <a:latin typeface="+mn-lt"/>
-              <a:ea typeface="+mn-ea"/>
-              <a:cs typeface="+mn-cs"/>
-            </a:endParaRPr>
-          </a:p>
-          <a:p>
-            <a:pPr marL="514350" indent="-514350">
-              <a:buFont typeface="+mj-lt"/>
-              <a:buAutoNum type="arabicPeriod"/>
-            </a:pPr>
-            <a:endParaRPr lang="ja-JP" altLang="en-US"/>
+              <a:t>に対しては その推定値が小さくなるような事前分布を採用している</a:t>
+            </a:r>
+          </a:p>
+          <a:p>
+            <a:endParaRPr kumimoji="1" lang="en-US" altLang="ja-JP" dirty="0"/>
           </a:p>
           <a:p>
             <a:r>
               <a:rPr kumimoji="1" lang="ja-JP" altLang="en-US"/>
-              <a:t>これなくす</a:t>
+              <a:t>全部独立ー＞分散</a:t>
+            </a:r>
+            <a:r>
+              <a:rPr kumimoji="1" lang="en-US" altLang="ja-JP" dirty="0"/>
+              <a:t>1</a:t>
+            </a:r>
+          </a:p>
+          <a:p>
+            <a:endParaRPr kumimoji="1" lang="en-US" altLang="ja-JP" dirty="0"/>
+          </a:p>
+          <a:p>
+            <a:r>
+              <a:rPr kumimoji="1" lang="ja-JP" altLang="en-US"/>
+              <a:t>分散を小さくとってることが特徴→自由度が減るから安定した推定結果になると期待できる</a:t>
             </a:r>
           </a:p>
         </p:txBody>
@@ -2919,7 +3070,7 @@
     </p:spTree>
     <p:extLst>
       <p:ext uri="{BB962C8B-B14F-4D97-AF65-F5344CB8AC3E}">
-        <p14:creationId xmlns:p14="http://schemas.microsoft.com/office/powerpoint/2010/main" val="2452455439"/>
+        <p14:creationId xmlns:p14="http://schemas.microsoft.com/office/powerpoint/2010/main" val="258032559"/>
       </p:ext>
     </p:extLst>
   </p:cSld>
@@ -2973,276 +3124,7 @@
           <a:bodyPr/>
           <a:lstStyle/>
           <a:p>
-            <a:r>
-              <a:rPr kumimoji="1" lang="ja-JP" altLang="en-US" sz="1200" kern="1200">
-                <a:solidFill>
-                  <a:schemeClr val="tx1"/>
-                </a:solidFill>
-                <a:effectLst/>
-                <a:latin typeface="+mn-lt"/>
-                <a:ea typeface="+mn-ea"/>
-                <a:cs typeface="+mn-cs"/>
-              </a:rPr>
-              <a:t>なお，提案モデルにおける</a:t>
-            </a:r>
-            <a:r>
-              <a:rPr kumimoji="1" lang="el-GR" altLang="ja-JP" sz="1200" kern="1200" dirty="0">
-                <a:solidFill>
-                  <a:schemeClr val="tx1"/>
-                </a:solidFill>
-                <a:effectLst/>
-                <a:latin typeface="+mn-lt"/>
-                <a:ea typeface="+mn-ea"/>
-                <a:cs typeface="+mn-cs"/>
-              </a:rPr>
-              <a:t>β</a:t>
-            </a:r>
-            <a:r>
-              <a:rPr kumimoji="1" lang="en" altLang="ja-JP" sz="1200" kern="1200" dirty="0">
-                <a:solidFill>
-                  <a:schemeClr val="tx1"/>
-                </a:solidFill>
-                <a:effectLst/>
-                <a:latin typeface="+mn-lt"/>
-                <a:ea typeface="+mn-ea"/>
-                <a:cs typeface="+mn-cs"/>
-              </a:rPr>
-              <a:t>rt </a:t>
-            </a:r>
-            <a:r>
-              <a:rPr kumimoji="1" lang="ja-JP" altLang="en-US" sz="1200" kern="1200">
-                <a:solidFill>
-                  <a:schemeClr val="tx1"/>
-                </a:solidFill>
-                <a:effectLst/>
-                <a:latin typeface="+mn-lt"/>
-                <a:ea typeface="+mn-ea"/>
-                <a:cs typeface="+mn-cs"/>
-              </a:rPr>
-              <a:t>の事前分布のパラメータである</a:t>
-            </a:r>
-            <a:r>
-              <a:rPr kumimoji="1" lang="el-GR" altLang="ja-JP" sz="1200" kern="1200" dirty="0">
-                <a:solidFill>
-                  <a:schemeClr val="tx1"/>
-                </a:solidFill>
-                <a:effectLst/>
-                <a:latin typeface="+mn-lt"/>
-                <a:ea typeface="+mn-ea"/>
-                <a:cs typeface="+mn-cs"/>
-              </a:rPr>
-              <a:t>σ </a:t>
-            </a:r>
-            <a:r>
-              <a:rPr kumimoji="1" lang="ja-JP" altLang="en-US" sz="1200" kern="1200">
-                <a:solidFill>
-                  <a:schemeClr val="tx1"/>
-                </a:solidFill>
-                <a:effectLst/>
-                <a:latin typeface="+mn-lt"/>
-                <a:ea typeface="+mn-ea"/>
-                <a:cs typeface="+mn-cs"/>
-              </a:rPr>
-              <a:t>は，できる限り小さい値とすることで，</a:t>
-            </a:r>
-            <a:r>
-              <a:rPr kumimoji="1" lang="el-GR" altLang="ja-JP" sz="1200" kern="1200" dirty="0">
-                <a:solidFill>
-                  <a:schemeClr val="tx1"/>
-                </a:solidFill>
-                <a:effectLst/>
-                <a:latin typeface="+mn-lt"/>
-                <a:ea typeface="+mn-ea"/>
-                <a:cs typeface="+mn-cs"/>
-              </a:rPr>
-              <a:t>β</a:t>
-            </a:r>
-            <a:r>
-              <a:rPr kumimoji="1" lang="en" altLang="ja-JP" sz="1200" kern="1200" dirty="0">
-                <a:solidFill>
-                  <a:schemeClr val="tx1"/>
-                </a:solidFill>
-                <a:effectLst/>
-                <a:latin typeface="+mn-lt"/>
-                <a:ea typeface="+mn-ea"/>
-                <a:cs typeface="+mn-cs"/>
-              </a:rPr>
-              <a:t>rt </a:t>
-            </a:r>
-            <a:r>
-              <a:rPr kumimoji="1" lang="ja-JP" altLang="en" sz="1200" kern="1200">
-                <a:solidFill>
-                  <a:schemeClr val="tx1"/>
-                </a:solidFill>
-                <a:effectLst/>
-                <a:latin typeface="+mn-lt"/>
-                <a:ea typeface="+mn-ea"/>
-                <a:cs typeface="+mn-cs"/>
-              </a:rPr>
-              <a:t>（</a:t>
-            </a:r>
-            <a:r>
-              <a:rPr kumimoji="1" lang="en" altLang="ja-JP" sz="1200" kern="1200" dirty="0">
-                <a:solidFill>
-                  <a:schemeClr val="tx1"/>
-                </a:solidFill>
-                <a:effectLst/>
-                <a:latin typeface="+mn-lt"/>
-                <a:ea typeface="+mn-ea"/>
-                <a:cs typeface="+mn-cs"/>
-              </a:rPr>
-              <a:t>t &gt; 1</a:t>
-            </a:r>
-            <a:r>
-              <a:rPr kumimoji="1" lang="ja-JP" altLang="en" sz="1200" kern="1200">
-                <a:solidFill>
-                  <a:schemeClr val="tx1"/>
-                </a:solidFill>
-                <a:effectLst/>
-                <a:latin typeface="+mn-lt"/>
-                <a:ea typeface="+mn-ea"/>
-                <a:cs typeface="+mn-cs"/>
-              </a:rPr>
-              <a:t>）</a:t>
-            </a:r>
-            <a:r>
-              <a:rPr kumimoji="1" lang="ja-JP" altLang="en-US" sz="1200" kern="1200">
-                <a:solidFill>
-                  <a:schemeClr val="tx1"/>
-                </a:solidFill>
-                <a:effectLst/>
-                <a:latin typeface="+mn-lt"/>
-                <a:ea typeface="+mn-ea"/>
-                <a:cs typeface="+mn-cs"/>
-              </a:rPr>
-              <a:t>の事後分布が縮小するため，パラメータ推定が安定すると期待できる．</a:t>
-            </a:r>
-            <a:endParaRPr kumimoji="1" lang="en-US" altLang="ja-JP" sz="1200" kern="1200" dirty="0">
-              <a:solidFill>
-                <a:schemeClr val="tx1"/>
-              </a:solidFill>
-              <a:effectLst/>
-              <a:latin typeface="+mn-lt"/>
-              <a:ea typeface="+mn-ea"/>
-              <a:cs typeface="+mn-cs"/>
-            </a:endParaRPr>
-          </a:p>
-          <a:p>
-            <a:r>
-              <a:rPr kumimoji="1" lang="ja-JP" altLang="en-US" sz="1200" kern="1200">
-                <a:solidFill>
-                  <a:schemeClr val="tx1"/>
-                </a:solidFill>
-                <a:effectLst/>
-                <a:latin typeface="+mn-lt"/>
-                <a:ea typeface="+mn-ea"/>
-                <a:cs typeface="+mn-cs"/>
-              </a:rPr>
-              <a:t>この事前知識に合わせて，ここでは，</a:t>
-            </a:r>
-            <a:r>
-              <a:rPr kumimoji="1" lang="en" altLang="ja-JP" sz="1200" kern="1200" dirty="0">
-                <a:solidFill>
-                  <a:schemeClr val="tx1"/>
-                </a:solidFill>
-                <a:effectLst/>
-                <a:latin typeface="+mn-lt"/>
-                <a:ea typeface="+mn-ea"/>
-                <a:cs typeface="+mn-cs"/>
-              </a:rPr>
-              <a:t>LN(−3</a:t>
-            </a:r>
-            <a:r>
-              <a:rPr kumimoji="1" lang="ja-JP" altLang="en" sz="1200" kern="1200">
-                <a:solidFill>
-                  <a:schemeClr val="tx1"/>
-                </a:solidFill>
-                <a:effectLst/>
-                <a:latin typeface="+mn-lt"/>
-                <a:ea typeface="+mn-ea"/>
-                <a:cs typeface="+mn-cs"/>
-              </a:rPr>
-              <a:t>，</a:t>
-            </a:r>
-            <a:r>
-              <a:rPr kumimoji="1" lang="en" altLang="ja-JP" sz="1200" kern="1200" dirty="0">
-                <a:solidFill>
-                  <a:schemeClr val="tx1"/>
-                </a:solidFill>
-                <a:effectLst/>
-                <a:latin typeface="+mn-lt"/>
-                <a:ea typeface="+mn-ea"/>
-                <a:cs typeface="+mn-cs"/>
-              </a:rPr>
-              <a:t>0)</a:t>
-            </a:r>
-            <a:r>
-              <a:rPr kumimoji="1" lang="ja-JP" altLang="en-US" sz="1200" kern="1200">
-                <a:solidFill>
-                  <a:schemeClr val="tx1"/>
-                </a:solidFill>
-                <a:effectLst/>
-                <a:latin typeface="+mn-lt"/>
-                <a:ea typeface="+mn-ea"/>
-                <a:cs typeface="+mn-cs"/>
-              </a:rPr>
-              <a:t>を</a:t>
-            </a:r>
-            <a:r>
-              <a:rPr kumimoji="1" lang="el-GR" altLang="ja-JP" sz="1200" kern="1200" dirty="0">
-                <a:solidFill>
-                  <a:schemeClr val="tx1"/>
-                </a:solidFill>
-                <a:effectLst/>
-                <a:latin typeface="+mn-lt"/>
-                <a:ea typeface="+mn-ea"/>
-                <a:cs typeface="+mn-cs"/>
-              </a:rPr>
-              <a:t>σ </a:t>
-            </a:r>
-            <a:r>
-              <a:rPr kumimoji="1" lang="ja-JP" altLang="en-US" sz="1200" kern="1200">
-                <a:solidFill>
-                  <a:schemeClr val="tx1"/>
-                </a:solidFill>
-                <a:effectLst/>
-                <a:latin typeface="+mn-lt"/>
-                <a:ea typeface="+mn-ea"/>
-                <a:cs typeface="+mn-cs"/>
-              </a:rPr>
-              <a:t>の事前分布として採用した．</a:t>
-            </a:r>
-            <a:endParaRPr kumimoji="1" lang="en-US" altLang="ja-JP" sz="1200" kern="1200" dirty="0">
-              <a:solidFill>
-                <a:schemeClr val="tx1"/>
-              </a:solidFill>
-              <a:effectLst/>
-              <a:latin typeface="+mn-lt"/>
-              <a:ea typeface="+mn-ea"/>
-              <a:cs typeface="+mn-cs"/>
-            </a:endParaRPr>
-          </a:p>
-          <a:p>
-            <a:endParaRPr kumimoji="1" lang="en-US" altLang="ja-JP" dirty="0"/>
-          </a:p>
-          <a:p>
-            <a:r>
-              <a:rPr kumimoji="1" lang="ja-JP" altLang="en-US"/>
-              <a:t>全部独立ー＞分散</a:t>
-            </a:r>
-            <a:r>
-              <a:rPr kumimoji="1" lang="en-US" altLang="ja-JP" dirty="0"/>
-              <a:t>1</a:t>
-            </a:r>
-          </a:p>
-          <a:p>
-            <a:endParaRPr kumimoji="1" lang="en-US" altLang="ja-JP" dirty="0"/>
-          </a:p>
-          <a:p>
-            <a:r>
-              <a:rPr kumimoji="1" lang="ja-JP" altLang="en-US"/>
-              <a:t>分散を小さくとってることが特徴→自由度が減るから安定した推定結果になると期待できる</a:t>
-            </a:r>
+            <a:endParaRPr kumimoji="1" lang="ja-JP" altLang="en-US"/>
           </a:p>
         </p:txBody>
       </p:sp>
@@ -3272,7 +3154,7 @@
     </p:spTree>
     <p:extLst>
       <p:ext uri="{BB962C8B-B14F-4D97-AF65-F5344CB8AC3E}">
-        <p14:creationId xmlns:p14="http://schemas.microsoft.com/office/powerpoint/2010/main" val="258032559"/>
+        <p14:creationId xmlns:p14="http://schemas.microsoft.com/office/powerpoint/2010/main" val="1317054837"/>
       </p:ext>
     </p:extLst>
   </p:cSld>
@@ -3405,19 +3287,8 @@
                 <a:ea typeface="+mn-ea"/>
                 <a:cs typeface="+mn-cs"/>
               </a:rPr>
-              <a:t>この問題を解決するために項目反応理論と呼ばれる数理モデルの利用が近年注目されています．</a:t>
-            </a:r>
-            <a:endParaRPr kumimoji="1" lang="en-US" altLang="ja-JP" sz="1200" b="0" kern="1200" dirty="0">
-              <a:solidFill>
-                <a:schemeClr val="tx1"/>
-              </a:solidFill>
-              <a:effectLst/>
-              <a:latin typeface="+mn-lt"/>
-              <a:ea typeface="+mn-ea"/>
-              <a:cs typeface="+mn-cs"/>
-            </a:endParaRPr>
-          </a:p>
-          <a:p>
+              <a:t>この問題を解決するために項目反応理論と呼ばれる数理モデルを，評価者の特性を考慮できるように拡張した手法が提案されています．</a:t>
+            </a:r>
             <a:endParaRPr kumimoji="1" lang="en-US" altLang="ja-JP" sz="1200" b="0" kern="1200" dirty="0">
               <a:solidFill>
                 <a:schemeClr val="tx1"/>
@@ -3768,7 +3639,160 @@
           <a:bodyPr/>
           <a:lstStyle/>
           <a:p>
-            <a:endParaRPr kumimoji="1" lang="ja-JP" altLang="en-US"/>
+            <a:r>
+              <a:rPr kumimoji="1" lang="ja-JP" altLang="en-US" sz="1200" kern="1200">
+                <a:solidFill>
+                  <a:schemeClr val="tx1"/>
+                </a:solidFill>
+                <a:effectLst/>
+                <a:latin typeface="+mn-lt"/>
+                <a:ea typeface="+mn-ea"/>
+                <a:cs typeface="+mn-cs"/>
+              </a:rPr>
+              <a:t>また，</a:t>
+            </a:r>
+            <a:r>
+              <a:rPr kumimoji="1" lang="ja-JP" altLang="en-US" sz="1200" b="0" kern="1200">
+                <a:solidFill>
+                  <a:schemeClr val="tx1"/>
+                </a:solidFill>
+                <a:effectLst/>
+                <a:latin typeface="+mn-lt"/>
+                <a:ea typeface="+mn-ea"/>
+                <a:cs typeface="+mn-cs"/>
+              </a:rPr>
+              <a:t>評価者の厳しさパラメータ</a:t>
+            </a:r>
+            <a:r>
+              <a:rPr kumimoji="1" lang="ja-JP" altLang="en-US" sz="1200" kern="1200">
+                <a:solidFill>
+                  <a:schemeClr val="tx1"/>
+                </a:solidFill>
+                <a:effectLst/>
+                <a:latin typeface="+mn-lt"/>
+                <a:ea typeface="+mn-ea"/>
+                <a:cs typeface="+mn-cs"/>
+              </a:rPr>
+              <a:t>の推定結果の例を図に示します．</a:t>
+            </a:r>
+            <a:endParaRPr kumimoji="1" lang="en-US" altLang="ja-JP" sz="1200" kern="1200" dirty="0">
+              <a:solidFill>
+                <a:schemeClr val="tx1"/>
+              </a:solidFill>
+              <a:effectLst/>
+              <a:latin typeface="+mn-lt"/>
+              <a:ea typeface="+mn-ea"/>
+              <a:cs typeface="+mn-cs"/>
+            </a:endParaRPr>
+          </a:p>
+          <a:p>
+            <a:endParaRPr kumimoji="1" lang="en-US" altLang="ja-JP" sz="1200" kern="1200" dirty="0">
+              <a:solidFill>
+                <a:schemeClr val="tx1"/>
+              </a:solidFill>
+              <a:effectLst/>
+              <a:latin typeface="+mn-lt"/>
+              <a:ea typeface="+mn-ea"/>
+              <a:cs typeface="+mn-cs"/>
+            </a:endParaRPr>
+          </a:p>
+          <a:p>
+            <a:r>
+              <a:rPr kumimoji="1" lang="ja-JP" altLang="en-US" sz="1200" kern="1200">
+                <a:solidFill>
+                  <a:schemeClr val="tx1"/>
+                </a:solidFill>
+                <a:effectLst/>
+                <a:latin typeface="+mn-lt"/>
+                <a:ea typeface="+mn-ea"/>
+                <a:cs typeface="+mn-cs"/>
+              </a:rPr>
+              <a:t>横軸が時間区分，縦軸が評価者の厳しさパラメータの値で，実線が作成したパラメータ真値，破線が推定したパラメータです．</a:t>
+            </a:r>
+            <a:endParaRPr kumimoji="1" lang="en-US" altLang="ja-JP" sz="1200" kern="1200" dirty="0">
+              <a:solidFill>
+                <a:schemeClr val="tx1"/>
+              </a:solidFill>
+              <a:effectLst/>
+              <a:latin typeface="+mn-lt"/>
+              <a:ea typeface="+mn-ea"/>
+              <a:cs typeface="+mn-cs"/>
+            </a:endParaRPr>
+          </a:p>
+          <a:p>
+            <a:r>
+              <a:rPr kumimoji="1" lang="ja-JP" altLang="en-US" sz="1200" kern="1200">
+                <a:solidFill>
+                  <a:schemeClr val="tx1"/>
+                </a:solidFill>
+                <a:effectLst/>
+                <a:latin typeface="+mn-lt"/>
+                <a:ea typeface="+mn-ea"/>
+                <a:cs typeface="+mn-cs"/>
+              </a:rPr>
+              <a:t>このグラフより，作成した真値に近い値で，パラメータが推定されていることがわかります．</a:t>
+            </a:r>
+            <a:endParaRPr kumimoji="1" lang="en-US" altLang="ja-JP" sz="1200" kern="1200" dirty="0">
+              <a:solidFill>
+                <a:schemeClr val="tx1"/>
+              </a:solidFill>
+              <a:effectLst/>
+              <a:latin typeface="+mn-lt"/>
+              <a:ea typeface="+mn-ea"/>
+              <a:cs typeface="+mn-cs"/>
+            </a:endParaRPr>
+          </a:p>
+          <a:p>
+            <a:pPr marL="0" indent="0">
+              <a:buNone/>
+            </a:pPr>
+            <a:r>
+              <a:rPr kumimoji="1" lang="ja-JP" altLang="en-US" sz="1200" kern="1200">
+                <a:solidFill>
+                  <a:schemeClr val="tx1"/>
+                </a:solidFill>
+                <a:effectLst/>
+                <a:latin typeface="+mn-lt"/>
+                <a:ea typeface="+mn-ea"/>
+                <a:cs typeface="+mn-cs"/>
+              </a:rPr>
+              <a:t>以上より，</a:t>
+            </a:r>
+            <a:r>
+              <a:rPr kumimoji="1" lang="en-US" altLang="ja-JP" dirty="0"/>
+              <a:t>MCMC</a:t>
+            </a:r>
+            <a:r>
+              <a:rPr kumimoji="1" lang="ja-JP" altLang="en-US"/>
+              <a:t>により提案モデルのパラメータを適切に推定できることがわかりました．</a:t>
+            </a:r>
+            <a:endParaRPr kumimoji="1" lang="en-US" altLang="ja-JP" dirty="0"/>
+          </a:p>
+          <a:p>
+            <a:pPr marL="0" indent="0">
+              <a:buNone/>
+            </a:pPr>
+            <a:endParaRPr kumimoji="1" lang="en-US" altLang="ja-JP" dirty="0"/>
+          </a:p>
+          <a:p>
+            <a:pPr marL="0" indent="0">
+              <a:buNone/>
+            </a:pPr>
+            <a:r>
+              <a:rPr kumimoji="1" lang="ja-JP" altLang="en-US"/>
+              <a:t>・入り切らなくなったらカット</a:t>
+            </a:r>
+          </a:p>
+          <a:p>
+            <a:endParaRPr kumimoji="1" lang="ja-JP" altLang="en-US" sz="1200" kern="1200">
+              <a:solidFill>
+                <a:schemeClr val="tx1"/>
+              </a:solidFill>
+              <a:effectLst/>
+              <a:latin typeface="+mn-lt"/>
+              <a:ea typeface="+mn-ea"/>
+              <a:cs typeface="+mn-cs"/>
+            </a:endParaRPr>
           </a:p>
         </p:txBody>
       </p:sp>
@@ -3789,7 +3813,7 @@
           <a:p>
             <a:fld id="{F069C953-97BB-D34F-A925-DB809641415F}" type="slidenum">
               <a:rPr kumimoji="1" lang="ja-JP" altLang="en-US" smtClean="0"/>
-              <a:t>21</a:t>
+              <a:t>22</a:t>
             </a:fld>
             <a:endParaRPr kumimoji="1" lang="ja-JP" altLang="en-US"/>
           </a:p>
@@ -3798,7 +3822,7 @@
     </p:spTree>
     <p:extLst>
       <p:ext uri="{BB962C8B-B14F-4D97-AF65-F5344CB8AC3E}">
-        <p14:creationId xmlns:p14="http://schemas.microsoft.com/office/powerpoint/2010/main" val="1317054837"/>
+        <p14:creationId xmlns:p14="http://schemas.microsoft.com/office/powerpoint/2010/main" val="3887713054"/>
       </p:ext>
     </p:extLst>
   </p:cSld>
@@ -4507,7 +4531,7 @@
                 <a:ea typeface="+mn-ea"/>
                 <a:cs typeface="+mn-cs"/>
               </a:rPr>
-              <a:t>を添え字にもつパラメータが評価者の一貫性，厳しさ，得点別の厳しさを表す評価者パラメータ，</a:t>
+              <a:t>を添え字にもつパラメータをそれぞれ評価者の一貫性，厳しさ，得点別の厳しさを表す評価者パラメータとして，</a:t>
             </a:r>
             <a:r>
               <a:rPr kumimoji="1" lang="en-US" altLang="ja-JP" sz="1200" kern="1200" dirty="0">
@@ -4555,7 +4579,7 @@
                 <a:ea typeface="+mn-ea"/>
                 <a:cs typeface="+mn-cs"/>
               </a:rPr>
-              <a:t>が受験者の能力を表す受検者パラメータとして使用しています．</a:t>
+              <a:t>を受検者の能力を表す受検者パラメータとして使用しています．</a:t>
             </a:r>
             <a:endParaRPr kumimoji="1" lang="en-US" altLang="ja-JP" sz="1200" kern="1200" dirty="0">
               <a:solidFill>
@@ -4978,7 +5002,7 @@
                 <a:ea typeface="+mn-ea"/>
                 <a:cs typeface="+mn-cs"/>
               </a:rPr>
-              <a:t>このモデルでは，一連の採点データを一定の時間区分で区切り，時間区分ごとの評価者パラメータを導入している点が特徴です．</a:t>
+              <a:t>このモデルでは，一連の採点データを一定の時間区分で分割したデータを用いています．</a:t>
             </a:r>
             <a:endParaRPr kumimoji="1" lang="en-US" altLang="ja-JP" sz="1200" b="0" kern="1200" dirty="0">
               <a:solidFill>
@@ -4991,23 +5015,6 @@
             </a:endParaRPr>
           </a:p>
           <a:p>
-            <a:pPr marL="0" marR="0" lvl="0" indent="0" algn="l" defTabSz="914400" rtl="0" eaLnBrk="1" fontAlgn="auto" latinLnBrk="0" hangingPunct="1">
-              <a:lnSpc>
-                <a:spcPct val="100000"/>
-              </a:lnSpc>
-              <a:spcBef>
-                <a:spcPts val="0"/>
-              </a:spcBef>
-              <a:spcAft>
-                <a:spcPts val="0"/>
-              </a:spcAft>
-              <a:buClrTx/>
-              <a:buSzTx/>
-              <a:buFontTx/>
-              <a:buNone/>
-              <a:tabLst/>
-              <a:defRPr/>
-            </a:pPr>
             <a:r>
               <a:rPr kumimoji="1" lang="ja-JP" altLang="en-US" sz="1200" b="0" kern="1200">
                 <a:solidFill>
@@ -5018,21 +5025,10 @@
                 <a:ea typeface="+mn-ea"/>
                 <a:cs typeface="+mn-cs"/>
               </a:rPr>
-              <a:t>図のように，データ全体をいくつかの時間区分数に分割し，時間区分を表すインデックスを付与しています</a:t>
-            </a:r>
-          </a:p>
-          <a:p>
-            <a:br>
-              <a:rPr kumimoji="1" lang="ja-JP" altLang="en-US" sz="1200" b="0" kern="1200">
-                <a:solidFill>
-                  <a:schemeClr val="tx1"/>
-                </a:solidFill>
-                <a:effectLst/>
-                <a:latin typeface="+mn-lt"/>
-                <a:ea typeface="+mn-ea"/>
-                <a:cs typeface="+mn-cs"/>
-              </a:rPr>
-            </a:br>
+              <a:t>具体的には，図のように，評価者が採点した順にデータを並べ，データ全体をいくつかの時間区分数に分割し，時間区分を表すインデックスを付与しています</a:t>
+            </a:r>
+          </a:p>
+          <a:p>
             <a:endParaRPr kumimoji="1" lang="ja-JP" altLang="en-US"/>
           </a:p>
         </p:txBody>
@@ -5126,8 +5122,30 @@
           <a:p>
             <a:r>
               <a:rPr kumimoji="1" lang="ja-JP" altLang="en-US"/>
-              <a:t>そのため，本研究では時間区分ごとの評価者の厳しさを推定できる新しい項目反応モデルを提案します．</a:t>
-            </a:r>
+              <a:t>既存モデルの式の中の，厳しさの部分に注目すると，初期値＋傾き</a:t>
+            </a:r>
+            <a:r>
+              <a:rPr kumimoji="1" lang="en-US" altLang="ja-JP" dirty="0"/>
+              <a:t>×</a:t>
+            </a:r>
+            <a:r>
+              <a:rPr kumimoji="1" lang="en-US" altLang="ja-JP" dirty="0" err="1"/>
+              <a:t>TimeID</a:t>
+            </a:r>
+            <a:r>
+              <a:rPr kumimoji="1" lang="ja-JP" altLang="en-US"/>
+              <a:t>という形になっており，一次関数のような，線形変化を表す式になっていることがわかります．</a:t>
+            </a:r>
+            <a:endParaRPr kumimoji="1" lang="en-US" altLang="ja-JP" dirty="0"/>
+          </a:p>
+          <a:p>
+            <a:r>
+              <a:rPr kumimoji="1" lang="ja-JP" altLang="en-US"/>
+              <a:t>この課題を解決するため，本研究では時間区分ごとの評価者の厳しさを推定できる新しい項目反応モデルを提案します．</a:t>
+            </a:r>
+            <a:endParaRPr kumimoji="1" lang="en-US" altLang="ja-JP" dirty="0"/>
+          </a:p>
+          <a:p>
             <a:endParaRPr kumimoji="1" lang="en-US" altLang="ja-JP" dirty="0"/>
           </a:p>
           <a:p>
@@ -5302,7 +5320,7 @@
                 <a:ea typeface="+mn-ea"/>
                 <a:cs typeface="+mn-cs"/>
               </a:rPr>
-              <a:t>の分布として，一つ前の時間区分での厳しさを平均値とした正規分布を仮定しているところです．</a:t>
+              <a:t>という，時間区分ごとの評価者の厳しさを表すパラメーたを導入している点です．</a:t>
             </a:r>
             <a:endParaRPr kumimoji="1" lang="en-US" altLang="ja-JP" sz="1200" kern="1200" dirty="0">
               <a:solidFill>
@@ -5325,7 +5343,7 @@
                 <a:ea typeface="+mn-ea"/>
                 <a:cs typeface="+mn-cs"/>
               </a:rPr>
-              <a:t>それにより，直前の時間区分の特性値を次の時間区分の特性値の推定に利用できるため，時間区分ごとの評価者特性の変化をより柔軟に推定することができ，モデルの性能が改善すると考えられます．</a:t>
+              <a:t>これにより，時間区分ごとの評価者特性の変化を捉えることができ，モデルの性能が改善すると考えられます．</a:t>
             </a:r>
             <a:endParaRPr kumimoji="1" lang="ja-JP" altLang="en-US" sz="1200" kern="1200">
               <a:solidFill>
@@ -5378,6 +5396,23 @@
             </a:endParaRPr>
           </a:p>
           <a:p>
+            <a:pPr marL="0" marR="0" lvl="0" indent="0" algn="l" defTabSz="914400" rtl="0" eaLnBrk="1" fontAlgn="auto" latinLnBrk="0" hangingPunct="1">
+              <a:lnSpc>
+                <a:spcPct val="100000"/>
+              </a:lnSpc>
+              <a:spcBef>
+                <a:spcPts val="0"/>
+              </a:spcBef>
+              <a:spcAft>
+                <a:spcPts val="0"/>
+              </a:spcAft>
+              <a:buClrTx/>
+              <a:buSzTx/>
+              <a:buFontTx/>
+              <a:buNone/>
+              <a:tabLst/>
+              <a:defRPr/>
+            </a:pPr>
             <a:endParaRPr kumimoji="1" lang="en-US" altLang="ja-JP" sz="1200" kern="1200" dirty="0">
               <a:solidFill>
                 <a:schemeClr val="tx1"/>
@@ -5389,7 +5424,155 @@
             </a:endParaRPr>
           </a:p>
           <a:p>
-            <a:endParaRPr kumimoji="1" lang="ja-JP" altLang="en-US"/>
+            <a:pPr marL="0" marR="0" lvl="0" indent="0" algn="l" defTabSz="914400" rtl="0" eaLnBrk="1" fontAlgn="auto" latinLnBrk="0" hangingPunct="1">
+              <a:lnSpc>
+                <a:spcPct val="100000"/>
+              </a:lnSpc>
+              <a:spcBef>
+                <a:spcPts val="0"/>
+              </a:spcBef>
+              <a:spcAft>
+                <a:spcPts val="0"/>
+              </a:spcAft>
+              <a:buClrTx/>
+              <a:buSzTx/>
+              <a:buFontTx/>
+              <a:buNone/>
+              <a:tabLst/>
+              <a:defRPr/>
+            </a:pPr>
+            <a:endParaRPr kumimoji="1" lang="en-US" altLang="ja-JP" sz="1200" kern="1200" dirty="0">
+              <a:solidFill>
+                <a:schemeClr val="tx1"/>
+              </a:solidFill>
+              <a:effectLst/>
+              <a:latin typeface="+mn-lt"/>
+              <a:ea typeface="+mn-ea"/>
+              <a:cs typeface="+mn-cs"/>
+            </a:endParaRPr>
+          </a:p>
+          <a:p>
+            <a:pPr marL="0" marR="0" lvl="0" indent="0" algn="l" defTabSz="914400" rtl="0" eaLnBrk="1" fontAlgn="auto" latinLnBrk="0" hangingPunct="1">
+              <a:lnSpc>
+                <a:spcPct val="100000"/>
+              </a:lnSpc>
+              <a:spcBef>
+                <a:spcPts val="0"/>
+              </a:spcBef>
+              <a:spcAft>
+                <a:spcPts val="0"/>
+              </a:spcAft>
+              <a:buClrTx/>
+              <a:buSzTx/>
+              <a:buFontTx/>
+              <a:buNone/>
+              <a:tabLst/>
+              <a:defRPr/>
+            </a:pPr>
+            <a:r>
+              <a:rPr kumimoji="1" lang="ja-JP" altLang="en-US" sz="1200" kern="1200">
+                <a:solidFill>
+                  <a:schemeClr val="tx1"/>
+                </a:solidFill>
+                <a:effectLst/>
+                <a:latin typeface="+mn-lt"/>
+                <a:ea typeface="+mn-ea"/>
+                <a:cs typeface="+mn-cs"/>
+              </a:rPr>
+              <a:t>どうやって推定するの</a:t>
+            </a:r>
+            <a:endParaRPr kumimoji="1" lang="en-US" altLang="ja-JP" sz="1200" kern="1200" dirty="0">
+              <a:solidFill>
+                <a:schemeClr val="tx1"/>
+              </a:solidFill>
+              <a:effectLst/>
+              <a:latin typeface="+mn-lt"/>
+              <a:ea typeface="+mn-ea"/>
+              <a:cs typeface="+mn-cs"/>
+            </a:endParaRPr>
+          </a:p>
+          <a:p>
+            <a:pPr marL="0" marR="0" lvl="0" indent="0" algn="l" defTabSz="914400" rtl="0" eaLnBrk="1" fontAlgn="auto" latinLnBrk="0" hangingPunct="1">
+              <a:lnSpc>
+                <a:spcPct val="100000"/>
+              </a:lnSpc>
+              <a:spcBef>
+                <a:spcPts val="0"/>
+              </a:spcBef>
+              <a:spcAft>
+                <a:spcPts val="0"/>
+              </a:spcAft>
+              <a:buClrTx/>
+              <a:buSzTx/>
+              <a:buFontTx/>
+              <a:buNone/>
+              <a:tabLst/>
+              <a:defRPr/>
+            </a:pPr>
+            <a:r>
+              <a:rPr kumimoji="1" lang="ja-JP" altLang="en-US" sz="1200" kern="1200">
+                <a:solidFill>
+                  <a:schemeClr val="tx1"/>
+                </a:solidFill>
+                <a:effectLst/>
+                <a:latin typeface="+mn-lt"/>
+                <a:ea typeface="+mn-ea"/>
+                <a:cs typeface="+mn-cs"/>
+              </a:rPr>
+              <a:t>得点をデータとして，その得点が得られるためのパラメータとして最も確率が高いものを選択する的な</a:t>
+            </a:r>
+            <a:r>
+              <a:rPr kumimoji="1" lang="en-US" altLang="ja-JP" sz="1200" kern="1200" dirty="0">
+                <a:solidFill>
+                  <a:schemeClr val="tx1"/>
+                </a:solidFill>
+                <a:effectLst/>
+                <a:latin typeface="+mn-lt"/>
+                <a:ea typeface="+mn-ea"/>
+                <a:cs typeface="+mn-cs"/>
+              </a:rPr>
+              <a:t>...</a:t>
+            </a:r>
+          </a:p>
+          <a:p>
+            <a:pPr marL="0" marR="0" lvl="0" indent="0" algn="l" defTabSz="914400" rtl="0" eaLnBrk="1" fontAlgn="auto" latinLnBrk="0" hangingPunct="1">
+              <a:lnSpc>
+                <a:spcPct val="100000"/>
+              </a:lnSpc>
+              <a:spcBef>
+                <a:spcPts val="0"/>
+              </a:spcBef>
+              <a:spcAft>
+                <a:spcPts val="0"/>
+              </a:spcAft>
+              <a:buClrTx/>
+              <a:buSzTx/>
+              <a:buFontTx/>
+              <a:buNone/>
+              <a:tabLst/>
+              <a:defRPr/>
+            </a:pPr>
+            <a:r>
+              <a:rPr kumimoji="1" lang="ja-JP" altLang="en-US" sz="1200" kern="1200">
+                <a:solidFill>
+                  <a:schemeClr val="tx1"/>
+                </a:solidFill>
+                <a:effectLst/>
+                <a:latin typeface="+mn-lt"/>
+                <a:ea typeface="+mn-ea"/>
+                <a:cs typeface="+mn-cs"/>
+              </a:rPr>
+              <a:t>分布はその制約？考えられるパラメータの幅を狭くすることで収束できるようにしてる的な？</a:t>
+            </a:r>
+            <a:endParaRPr kumimoji="1" lang="en-US" altLang="ja-JP" sz="1200" kern="1200" dirty="0">
+              <a:solidFill>
+                <a:schemeClr val="tx1"/>
+              </a:solidFill>
+              <a:effectLst/>
+              <a:latin typeface="+mn-lt"/>
+              <a:ea typeface="+mn-ea"/>
+              <a:cs typeface="+mn-cs"/>
+            </a:endParaRPr>
           </a:p>
         </p:txBody>
       </p:sp>
@@ -5560,7 +5743,7 @@
           <a:p>
             <a:fld id="{F43F99A3-021A-7D46-87E1-B3690043F7F3}" type="datetimeFigureOut">
               <a:rPr kumimoji="1" lang="ja-JP" altLang="en-US" smtClean="0"/>
-              <a:t>2022/1/30</a:t>
+              <a:t>2022/1/31</a:t>
             </a:fld>
             <a:endParaRPr kumimoji="1" lang="ja-JP" altLang="en-US"/>
           </a:p>
@@ -5762,7 +5945,7 @@
           <a:p>
             <a:fld id="{F43F99A3-021A-7D46-87E1-B3690043F7F3}" type="datetimeFigureOut">
               <a:rPr kumimoji="1" lang="ja-JP" altLang="en-US" smtClean="0"/>
-              <a:t>2022/1/30</a:t>
+              <a:t>2022/1/31</a:t>
             </a:fld>
             <a:endParaRPr kumimoji="1" lang="ja-JP" altLang="en-US"/>
           </a:p>
@@ -5974,7 +6157,7 @@
           <a:p>
             <a:fld id="{F43F99A3-021A-7D46-87E1-B3690043F7F3}" type="datetimeFigureOut">
               <a:rPr kumimoji="1" lang="ja-JP" altLang="en-US" smtClean="0"/>
-              <a:t>2022/1/30</a:t>
+              <a:t>2022/1/31</a:t>
             </a:fld>
             <a:endParaRPr kumimoji="1" lang="ja-JP" altLang="en-US"/>
           </a:p>
@@ -6176,7 +6359,7 @@
           <a:p>
             <a:fld id="{F43F99A3-021A-7D46-87E1-B3690043F7F3}" type="datetimeFigureOut">
               <a:rPr kumimoji="1" lang="ja-JP" altLang="en-US" smtClean="0"/>
-              <a:t>2022/1/30</a:t>
+              <a:t>2022/1/31</a:t>
             </a:fld>
             <a:endParaRPr kumimoji="1" lang="ja-JP" altLang="en-US"/>
           </a:p>
@@ -6422,7 +6605,7 @@
           <a:p>
             <a:fld id="{F43F99A3-021A-7D46-87E1-B3690043F7F3}" type="datetimeFigureOut">
               <a:rPr kumimoji="1" lang="ja-JP" altLang="en-US" smtClean="0"/>
-              <a:t>2022/1/30</a:t>
+              <a:t>2022/1/31</a:t>
             </a:fld>
             <a:endParaRPr kumimoji="1" lang="ja-JP" altLang="en-US"/>
           </a:p>
@@ -6718,7 +6901,7 @@
           <a:p>
             <a:fld id="{F43F99A3-021A-7D46-87E1-B3690043F7F3}" type="datetimeFigureOut">
               <a:rPr kumimoji="1" lang="ja-JP" altLang="en-US" smtClean="0"/>
-              <a:t>2022/1/30</a:t>
+              <a:t>2022/1/31</a:t>
             </a:fld>
             <a:endParaRPr kumimoji="1" lang="ja-JP" altLang="en-US"/>
           </a:p>
@@ -7149,7 +7332,7 @@
           <a:p>
             <a:fld id="{F43F99A3-021A-7D46-87E1-B3690043F7F3}" type="datetimeFigureOut">
               <a:rPr kumimoji="1" lang="ja-JP" altLang="en-US" smtClean="0"/>
-              <a:t>2022/1/30</a:t>
+              <a:t>2022/1/31</a:t>
             </a:fld>
             <a:endParaRPr kumimoji="1" lang="ja-JP" altLang="en-US"/>
           </a:p>
@@ -7267,7 +7450,7 @@
           <a:p>
             <a:fld id="{F43F99A3-021A-7D46-87E1-B3690043F7F3}" type="datetimeFigureOut">
               <a:rPr kumimoji="1" lang="ja-JP" altLang="en-US" smtClean="0"/>
-              <a:t>2022/1/30</a:t>
+              <a:t>2022/1/31</a:t>
             </a:fld>
             <a:endParaRPr kumimoji="1" lang="ja-JP" altLang="en-US"/>
           </a:p>
@@ -7362,7 +7545,7 @@
           <a:p>
             <a:fld id="{F43F99A3-021A-7D46-87E1-B3690043F7F3}" type="datetimeFigureOut">
               <a:rPr kumimoji="1" lang="ja-JP" altLang="en-US" smtClean="0"/>
-              <a:t>2022/1/30</a:t>
+              <a:t>2022/1/31</a:t>
             </a:fld>
             <a:endParaRPr kumimoji="1" lang="ja-JP" altLang="en-US"/>
           </a:p>
@@ -7671,7 +7854,7 @@
           <a:p>
             <a:fld id="{F43F99A3-021A-7D46-87E1-B3690043F7F3}" type="datetimeFigureOut">
               <a:rPr kumimoji="1" lang="ja-JP" altLang="en-US" smtClean="0"/>
-              <a:t>2022/1/30</a:t>
+              <a:t>2022/1/31</a:t>
             </a:fld>
             <a:endParaRPr kumimoji="1" lang="ja-JP" altLang="en-US"/>
           </a:p>
@@ -7928,7 +8111,7 @@
           <a:p>
             <a:fld id="{F43F99A3-021A-7D46-87E1-B3690043F7F3}" type="datetimeFigureOut">
               <a:rPr kumimoji="1" lang="ja-JP" altLang="en-US" smtClean="0"/>
-              <a:t>2022/1/30</a:t>
+              <a:t>2022/1/31</a:t>
             </a:fld>
             <a:endParaRPr kumimoji="1" lang="ja-JP" altLang="en-US"/>
           </a:p>
@@ -8173,7 +8356,7 @@
           <a:p>
             <a:fld id="{F43F99A3-021A-7D46-87E1-B3690043F7F3}" type="datetimeFigureOut">
               <a:rPr kumimoji="1" lang="ja-JP" altLang="en-US" smtClean="0"/>
-              <a:t>2022/1/30</a:t>
+              <a:t>2022/1/31</a:t>
             </a:fld>
             <a:endParaRPr kumimoji="1" lang="ja-JP" altLang="en-US"/>
           </a:p>
@@ -8733,7 +8916,9 @@
         </p:nvSpPr>
         <p:spPr/>
         <p:txBody>
-          <a:bodyPr/>
+          <a:bodyPr>
+            <a:normAutofit fontScale="90000"/>
+          </a:bodyPr>
           <a:lstStyle/>
           <a:p>
             <a:pPr lvl="0">
@@ -8746,12 +8931,19 @@
               <a:defRPr/>
             </a:pPr>
             <a:r>
+              <a:rPr lang="ja-JP" altLang="en-US"/>
+              <a:t>シミュレーション実験</a:t>
+            </a:r>
+            <a:br>
+              <a:rPr lang="en-US" altLang="ja-JP" dirty="0"/>
+            </a:br>
+            <a:r>
               <a:rPr lang="en-US" altLang="ja-JP" dirty="0"/>
               <a:t>MCMC</a:t>
             </a:r>
             <a:r>
               <a:rPr lang="ja-JP" altLang="en-US"/>
-              <a:t>によるパラメータ推定精度</a:t>
+              <a:t>によるパラメータ推定精度評価</a:t>
             </a:r>
           </a:p>
         </p:txBody>
@@ -8775,7 +8967,7 @@
         <p:spPr/>
         <p:txBody>
           <a:bodyPr>
-            <a:normAutofit lnSpcReduction="10000"/>
+            <a:normAutofit fontScale="92500" lnSpcReduction="10000"/>
           </a:bodyPr>
           <a:lstStyle/>
           <a:p>
@@ -8805,6 +8997,11 @@
             </a:endParaRPr>
           </a:p>
           <a:p>
+            <a:endParaRPr lang="en-US" altLang="ja-JP" dirty="0">
+              <a:latin typeface="+mn-ea"/>
+            </a:endParaRPr>
+          </a:p>
+          <a:p>
             <a:r>
               <a:rPr kumimoji="1" lang="en-US" altLang="ja-JP" dirty="0">
                 <a:latin typeface="+mn-ea"/>
@@ -8820,8 +9017,8 @@
           </a:p>
         </p:txBody>
       </p:sp>
-      <mc:AlternateContent xmlns:mc="http://schemas.openxmlformats.org/markup-compatibility/2006" xmlns:a14="http://schemas.microsoft.com/office/drawing/2010/main">
-        <mc:Choice Requires="a14">
+      <mc:AlternateContent xmlns:mc="http://schemas.openxmlformats.org/markup-compatibility/2006">
+        <mc:Choice xmlns:a14="http://schemas.microsoft.com/office/drawing/2010/main" Requires="a14">
           <p:graphicFrame>
             <p:nvGraphicFramePr>
               <p:cNvPr id="4" name="表 3">
@@ -8837,13 +9034,13 @@
               <p:nvPr>
                 <p:extLst>
                   <p:ext uri="{D42A27DB-BD31-4B8C-83A1-F6EECF244321}">
-                    <p14:modId xmlns:p14="http://schemas.microsoft.com/office/powerpoint/2010/main" val="3568869874"/>
+                    <p14:modId xmlns:p14="http://schemas.microsoft.com/office/powerpoint/2010/main" val="1676407190"/>
                   </p:ext>
                 </p:extLst>
               </p:nvPr>
             </p:nvGraphicFramePr>
             <p:xfrm>
-              <a:off x="1806874" y="1576251"/>
+              <a:off x="1806874" y="1825625"/>
               <a:ext cx="8578251" cy="3377197"/>
             </p:xfrm>
             <a:graphic>
@@ -10731,7 +10928,7 @@
                         <a:p>
                           <a:pPr algn="ctr" fontAlgn="ctr"/>
                           <a:r>
-                            <a:rPr lang="en-US" altLang="ja-JP" sz="1400" b="0" i="0" u="none" strike="noStrike">
+                            <a:rPr lang="en-US" altLang="ja-JP" sz="1400" b="0" i="0" u="none" strike="noStrike" dirty="0">
                               <a:solidFill>
                                 <a:srgbClr val="000000"/>
                               </a:solidFill>
@@ -12654,7 +12851,7 @@
             </a:graphic>
           </p:graphicFrame>
         </mc:Choice>
-        <mc:Fallback xmlns="">
+        <mc:Fallback>
           <p:graphicFrame>
             <p:nvGraphicFramePr>
               <p:cNvPr id="4" name="表 3">
@@ -12670,13 +12867,13 @@
               <p:nvPr>
                 <p:extLst>
                   <p:ext uri="{D42A27DB-BD31-4B8C-83A1-F6EECF244321}">
-                    <p14:modId xmlns:p14="http://schemas.microsoft.com/office/powerpoint/2010/main" val="3568869874"/>
+                    <p14:modId xmlns:p14="http://schemas.microsoft.com/office/powerpoint/2010/main" val="1676407190"/>
                   </p:ext>
                 </p:extLst>
               </p:nvPr>
             </p:nvGraphicFramePr>
             <p:xfrm>
-              <a:off x="1806874" y="1576251"/>
+              <a:off x="1806874" y="1825625"/>
               <a:ext cx="8578251" cy="3377197"/>
             </p:xfrm>
             <a:graphic>
@@ -13102,7 +13299,7 @@
                         <a:blipFill>
                           <a:blip r:embed="rId3"/>
                           <a:stretch>
-                            <a:fillRect l="-298387" t="-104348" r="-696774" b="-1000000"/>
+                            <a:fillRect l="-298387" t="-104348" r="-696774" b="-1004348"/>
                           </a:stretch>
                         </a:blipFill>
                       </a:tcPr>
@@ -13119,7 +13316,7 @@
                         <a:blipFill>
                           <a:blip r:embed="rId3"/>
                           <a:stretch>
-                            <a:fillRect l="-404918" t="-104348" r="-608197" b="-1000000"/>
+                            <a:fillRect l="-404918" t="-104348" r="-608197" b="-1004348"/>
                           </a:stretch>
                         </a:blipFill>
                       </a:tcPr>
@@ -13136,7 +13333,7 @@
                         <a:blipFill>
                           <a:blip r:embed="rId3"/>
                           <a:stretch>
-                            <a:fillRect l="-496774" t="-104348" r="-498387" b="-1000000"/>
+                            <a:fillRect l="-496774" t="-104348" r="-498387" b="-1004348"/>
                           </a:stretch>
                         </a:blipFill>
                       </a:tcPr>
@@ -13153,7 +13350,7 @@
                         <a:blipFill>
                           <a:blip r:embed="rId3"/>
                           <a:stretch>
-                            <a:fillRect l="-606557" t="-104348" r="-406557" b="-1000000"/>
+                            <a:fillRect l="-606557" t="-104348" r="-406557" b="-1004348"/>
                           </a:stretch>
                         </a:blipFill>
                       </a:tcPr>
@@ -13170,7 +13367,7 @@
                         <a:blipFill>
                           <a:blip r:embed="rId3"/>
                           <a:stretch>
-                            <a:fillRect l="-695161" t="-104348" r="-300000" b="-1000000"/>
+                            <a:fillRect l="-695161" t="-104348" r="-300000" b="-1004348"/>
                           </a:stretch>
                         </a:blipFill>
                       </a:tcPr>
@@ -13187,7 +13384,7 @@
                         <a:blipFill>
                           <a:blip r:embed="rId3"/>
                           <a:stretch>
-                            <a:fillRect l="-808197" t="-104348" r="-204918" b="-1000000"/>
+                            <a:fillRect l="-808197" t="-104348" r="-204918" b="-1004348"/>
                           </a:stretch>
                         </a:blipFill>
                       </a:tcPr>
@@ -13204,7 +13401,7 @@
                         <a:blipFill>
                           <a:blip r:embed="rId3"/>
                           <a:stretch>
-                            <a:fillRect l="-893548" t="-104348" r="-101613" b="-1000000"/>
+                            <a:fillRect l="-893548" t="-104348" r="-101613" b="-1004348"/>
                           </a:stretch>
                         </a:blipFill>
                       </a:tcPr>
@@ -13221,7 +13418,7 @@
                         <a:blipFill>
                           <a:blip r:embed="rId3"/>
                           <a:stretch>
-                            <a:fillRect l="-1009836" t="-104348" r="-3279" b="-1000000"/>
+                            <a:fillRect l="-1009836" t="-104348" r="-3279" b="-1004348"/>
                           </a:stretch>
                         </a:blipFill>
                       </a:tcPr>
@@ -14170,7 +14367,7 @@
                         <a:p>
                           <a:pPr algn="ctr" fontAlgn="ctr"/>
                           <a:r>
-                            <a:rPr lang="en-US" altLang="ja-JP" sz="1400" b="0" i="0" u="none" strike="noStrike">
+                            <a:rPr lang="en-US" altLang="ja-JP" sz="1400" b="0" i="0" u="none" strike="noStrike" dirty="0">
                               <a:solidFill>
                                 <a:srgbClr val="000000"/>
                               </a:solidFill>
@@ -16124,397 +16321,6 @@
           <a:chExt cx="0" cy="0"/>
         </a:xfrm>
       </p:grpSpPr>
-      <mc:AlternateContent xmlns:mc="http://schemas.openxmlformats.org/markup-compatibility/2006" xmlns:a14="http://schemas.microsoft.com/office/drawing/2010/main">
-        <mc:Choice Requires="a14">
-          <p:sp>
-            <p:nvSpPr>
-              <p:cNvPr id="2" name="タイトル 1">
-                <a:extLst>
-                  <a:ext uri="{FF2B5EF4-FFF2-40B4-BE49-F238E27FC236}">
-                    <a16:creationId xmlns:a16="http://schemas.microsoft.com/office/drawing/2014/main" id="{FA48368E-680E-C742-B206-D84BAA851504}"/>
-                  </a:ext>
-                </a:extLst>
-              </p:cNvPr>
-              <p:cNvSpPr>
-                <a:spLocks noGrp="1"/>
-              </p:cNvSpPr>
-              <p:nvPr>
-                <p:ph type="title"/>
-              </p:nvPr>
-            </p:nvSpPr>
-            <p:spPr/>
-            <p:txBody>
-              <a:bodyPr/>
-              <a:lstStyle/>
-              <a:p>
-                <a14:m>
-                  <m:oMath xmlns:m="http://schemas.openxmlformats.org/officeDocument/2006/math">
-                    <m:sSub>
-                      <m:sSubPr>
-                        <m:ctrlPr>
-                          <a:rPr lang="en-US" altLang="ja-JP" i="1">
-                            <a:latin typeface="Cambria Math" panose="02040503050406030204" pitchFamily="18" charset="0"/>
-                          </a:rPr>
-                        </m:ctrlPr>
-                      </m:sSubPr>
-                      <m:e>
-                        <m:r>
-                          <a:rPr lang="ja-JP" altLang="en-US" i="1">
-                            <a:latin typeface="Cambria Math" panose="02040503050406030204" pitchFamily="18" charset="0"/>
-                          </a:rPr>
-                          <m:t>𝛽</m:t>
-                        </m:r>
-                      </m:e>
-                      <m:sub>
-                        <m:r>
-                          <a:rPr lang="en-US" altLang="ja-JP" i="1">
-                            <a:latin typeface="Cambria Math" panose="02040503050406030204" pitchFamily="18" charset="0"/>
-                          </a:rPr>
-                          <m:t>𝑟𝑡</m:t>
-                        </m:r>
-                      </m:sub>
-                    </m:sSub>
-                  </m:oMath>
-                </a14:m>
-                <a:r>
-                  <a:rPr lang="ja-JP" altLang="en-US"/>
-                  <a:t>の推定結果例</a:t>
-                </a:r>
-                <a:endParaRPr kumimoji="1" lang="ja-JP" altLang="en-US"/>
-              </a:p>
-            </p:txBody>
-          </p:sp>
-        </mc:Choice>
-        <mc:Fallback xmlns="">
-          <p:sp>
-            <p:nvSpPr>
-              <p:cNvPr id="2" name="タイトル 1">
-                <a:extLst>
-                  <a:ext uri="{FF2B5EF4-FFF2-40B4-BE49-F238E27FC236}">
-                    <a16:creationId xmlns:a16="http://schemas.microsoft.com/office/drawing/2014/main" id="{FA48368E-680E-C742-B206-D84BAA851504}"/>
-                  </a:ext>
-                </a:extLst>
-              </p:cNvPr>
-              <p:cNvSpPr>
-                <a:spLocks noGrp="1" noRot="1" noChangeAspect="1" noMove="1" noResize="1" noEditPoints="1" noAdjustHandles="1" noChangeArrowheads="1" noChangeShapeType="1" noTextEdit="1"/>
-              </p:cNvSpPr>
-              <p:nvPr>
-                <p:ph type="title"/>
-              </p:nvPr>
-            </p:nvSpPr>
-            <p:spPr>
-              <a:blipFill>
-                <a:blip r:embed="rId3"/>
-                <a:stretch>
-                  <a:fillRect l="-1689"/>
-                </a:stretch>
-              </a:blipFill>
-            </p:spPr>
-            <p:txBody>
-              <a:bodyPr/>
-              <a:lstStyle/>
-              <a:p>
-                <a:r>
-                  <a:rPr lang="ja-JP" altLang="en-US">
-                    <a:noFill/>
-                  </a:rPr>
-                  <a:t> </a:t>
-                </a:r>
-              </a:p>
-            </p:txBody>
-          </p:sp>
-        </mc:Fallback>
-      </mc:AlternateContent>
-      <mc:AlternateContent xmlns:mc="http://schemas.openxmlformats.org/markup-compatibility/2006" xmlns:a14="http://schemas.microsoft.com/office/drawing/2010/main">
-        <mc:Choice Requires="a14">
-          <p:sp>
-            <p:nvSpPr>
-              <p:cNvPr id="3" name="コンテンツ プレースホルダー 2">
-                <a:extLst>
-                  <a:ext uri="{FF2B5EF4-FFF2-40B4-BE49-F238E27FC236}">
-                    <a16:creationId xmlns:a16="http://schemas.microsoft.com/office/drawing/2014/main" id="{A4883734-68A7-DA46-BF1C-0A0954CF921F}"/>
-                  </a:ext>
-                </a:extLst>
-              </p:cNvPr>
-              <p:cNvSpPr>
-                <a:spLocks noGrp="1"/>
-              </p:cNvSpPr>
-              <p:nvPr>
-                <p:ph idx="1"/>
-              </p:nvPr>
-            </p:nvSpPr>
-            <p:spPr/>
-            <p:txBody>
-              <a:bodyPr>
-                <a:normAutofit/>
-              </a:bodyPr>
-              <a:lstStyle/>
-              <a:p>
-                <a:endParaRPr kumimoji="1" lang="en-US" altLang="ja-JP" dirty="0"/>
-              </a:p>
-              <a:p>
-                <a:endParaRPr lang="en-US" altLang="ja-JP" dirty="0"/>
-              </a:p>
-              <a:p>
-                <a:r>
-                  <a:rPr lang="ja-JP" altLang="en-US" sz="2000"/>
-                  <a:t>作成した真値に近い</a:t>
-                </a:r>
-                <a14:m>
-                  <m:oMath xmlns:m="http://schemas.openxmlformats.org/officeDocument/2006/math">
-                    <m:sSub>
-                      <m:sSubPr>
-                        <m:ctrlPr>
-                          <a:rPr lang="en-US" altLang="ja-JP" sz="2000" b="0" i="1" smtClean="0">
-                            <a:latin typeface="Cambria Math" panose="02040503050406030204" pitchFamily="18" charset="0"/>
-                          </a:rPr>
-                        </m:ctrlPr>
-                      </m:sSubPr>
-                      <m:e>
-                        <m:r>
-                          <a:rPr lang="ja-JP" altLang="en-US" sz="2000" i="1" smtClean="0">
-                            <a:latin typeface="Cambria Math" panose="02040503050406030204" pitchFamily="18" charset="0"/>
-                          </a:rPr>
-                          <m:t>𝛽</m:t>
-                        </m:r>
-                      </m:e>
-                      <m:sub>
-                        <m:r>
-                          <a:rPr lang="en-US" altLang="ja-JP" sz="2000" b="0" i="1" smtClean="0">
-                            <a:latin typeface="Cambria Math" panose="02040503050406030204" pitchFamily="18" charset="0"/>
-                          </a:rPr>
-                          <m:t>𝑟𝑡</m:t>
-                        </m:r>
-                      </m:sub>
-                    </m:sSub>
-                  </m:oMath>
-                </a14:m>
-                <a:r>
-                  <a:rPr lang="ja-JP" altLang="en-US" sz="2000"/>
-                  <a:t>の推定値が</a:t>
-                </a:r>
-                <a:endParaRPr lang="en-US" altLang="ja-JP" sz="2000" dirty="0"/>
-              </a:p>
-              <a:p>
-                <a:pPr marL="0" indent="0">
-                  <a:buNone/>
-                </a:pPr>
-                <a:r>
-                  <a:rPr lang="en-US" altLang="ja-JP" sz="2000" dirty="0"/>
-                  <a:t>     </a:t>
-                </a:r>
-                <a:r>
-                  <a:rPr lang="ja-JP" altLang="en-US" sz="2000"/>
-                  <a:t>得られていることがわかる．</a:t>
-                </a:r>
-                <a:endParaRPr lang="en-US" altLang="ja-JP" sz="2000" dirty="0"/>
-              </a:p>
-              <a:p>
-                <a:endParaRPr lang="en-US" altLang="ja-JP" dirty="0"/>
-              </a:p>
-              <a:p>
-                <a:endParaRPr lang="en-US" altLang="ja-JP" dirty="0"/>
-              </a:p>
-              <a:p>
-                <a:pPr marL="0" indent="0">
-                  <a:buNone/>
-                </a:pPr>
-                <a:endParaRPr kumimoji="1" lang="en-US" altLang="ja-JP" dirty="0"/>
-              </a:p>
-              <a:p>
-                <a:pPr marL="0" indent="0">
-                  <a:buNone/>
-                </a:pPr>
-                <a:r>
-                  <a:rPr kumimoji="1" lang="ja-JP" altLang="en-US"/>
-                  <a:t>→</a:t>
-                </a:r>
-                <a:r>
-                  <a:rPr kumimoji="1" lang="en-US" altLang="ja-JP" dirty="0"/>
-                  <a:t>MCMC</a:t>
-                </a:r>
-                <a:r>
-                  <a:rPr kumimoji="1" lang="ja-JP" altLang="en-US"/>
-                  <a:t>により提案モデルのパラメータを適切に推定できる</a:t>
-                </a:r>
-                <a:endParaRPr kumimoji="1" lang="en-US" altLang="ja-JP" dirty="0"/>
-              </a:p>
-              <a:p>
-                <a:pPr marL="0" indent="0">
-                  <a:buNone/>
-                </a:pPr>
-                <a:r>
-                  <a:rPr kumimoji="1" lang="ja-JP" altLang="en-US"/>
-                  <a:t>　ことがわかった</a:t>
-                </a:r>
-                <a:r>
-                  <a:rPr kumimoji="1" lang="en-US" altLang="ja-JP" dirty="0"/>
-                  <a:t> </a:t>
-                </a:r>
-                <a:endParaRPr kumimoji="1" lang="ja-JP" altLang="en-US"/>
-              </a:p>
-            </p:txBody>
-          </p:sp>
-        </mc:Choice>
-        <mc:Fallback xmlns="">
-          <p:sp>
-            <p:nvSpPr>
-              <p:cNvPr id="3" name="コンテンツ プレースホルダー 2">
-                <a:extLst>
-                  <a:ext uri="{FF2B5EF4-FFF2-40B4-BE49-F238E27FC236}">
-                    <a16:creationId xmlns:a16="http://schemas.microsoft.com/office/drawing/2014/main" id="{A4883734-68A7-DA46-BF1C-0A0954CF921F}"/>
-                  </a:ext>
-                </a:extLst>
-              </p:cNvPr>
-              <p:cNvSpPr>
-                <a:spLocks noGrp="1" noRot="1" noChangeAspect="1" noMove="1" noResize="1" noEditPoints="1" noAdjustHandles="1" noChangeArrowheads="1" noChangeShapeType="1" noTextEdit="1"/>
-              </p:cNvSpPr>
-              <p:nvPr>
-                <p:ph idx="1"/>
-              </p:nvPr>
-            </p:nvSpPr>
-            <p:spPr>
-              <a:blipFill>
-                <a:blip r:embed="rId4"/>
-                <a:stretch>
-                  <a:fillRect l="-1206" b="-3779"/>
-                </a:stretch>
-              </a:blipFill>
-            </p:spPr>
-            <p:txBody>
-              <a:bodyPr/>
-              <a:lstStyle/>
-              <a:p>
-                <a:r>
-                  <a:rPr lang="ja-JP" altLang="en-US">
-                    <a:noFill/>
-                  </a:rPr>
-                  <a:t> </a:t>
-                </a:r>
-              </a:p>
-            </p:txBody>
-          </p:sp>
-        </mc:Fallback>
-      </mc:AlternateContent>
-      <p:sp>
-        <p:nvSpPr>
-          <p:cNvPr id="16" name="正方形/長方形 15">
-            <a:extLst>
-              <a:ext uri="{FF2B5EF4-FFF2-40B4-BE49-F238E27FC236}">
-                <a16:creationId xmlns:a16="http://schemas.microsoft.com/office/drawing/2014/main" id="{28635928-C3E2-024E-B948-A5E66886B150}"/>
-              </a:ext>
-            </a:extLst>
-          </p:cNvPr>
-          <p:cNvSpPr/>
-          <p:nvPr/>
-        </p:nvSpPr>
-        <p:spPr>
-          <a:xfrm>
-            <a:off x="7068694" y="4728753"/>
-            <a:ext cx="2162391" cy="416824"/>
-          </a:xfrm>
-          <a:prstGeom prst="rect">
-            <a:avLst/>
-          </a:prstGeom>
-          <a:solidFill>
-            <a:schemeClr val="bg1"/>
-          </a:solidFill>
-          <a:ln>
-            <a:noFill/>
-          </a:ln>
-        </p:spPr>
-        <p:style>
-          <a:lnRef idx="2">
-            <a:schemeClr val="accent1">
-              <a:shade val="50000"/>
-            </a:schemeClr>
-          </a:lnRef>
-          <a:fillRef idx="1">
-            <a:schemeClr val="accent1"/>
-          </a:fillRef>
-          <a:effectRef idx="0">
-            <a:schemeClr val="accent1"/>
-          </a:effectRef>
-          <a:fontRef idx="minor">
-            <a:schemeClr val="lt1"/>
-          </a:fontRef>
-        </p:style>
-        <p:txBody>
-          <a:bodyPr rtlCol="0" anchor="ctr"/>
-          <a:lstStyle/>
-          <a:p>
-            <a:pPr algn="ctr"/>
-            <a:r>
-              <a:rPr kumimoji="1" lang="ja-JP" altLang="en-US" sz="1400">
-                <a:solidFill>
-                  <a:schemeClr val="tx1"/>
-                </a:solidFill>
-              </a:rPr>
-              <a:t>時間区分</a:t>
-            </a:r>
-          </a:p>
-        </p:txBody>
-      </p:sp>
-      <p:pic>
-        <p:nvPicPr>
-          <p:cNvPr id="11" name="図 10">
-            <a:extLst>
-              <a:ext uri="{FF2B5EF4-FFF2-40B4-BE49-F238E27FC236}">
-                <a16:creationId xmlns:a16="http://schemas.microsoft.com/office/drawing/2014/main" id="{4E5520C5-A6DE-B94D-B920-E37EA874783C}"/>
-              </a:ext>
-            </a:extLst>
-          </p:cNvPr>
-          <p:cNvPicPr>
-            <a:picLocks noChangeAspect="1"/>
-          </p:cNvPicPr>
-          <p:nvPr/>
-        </p:nvPicPr>
-        <p:blipFill>
-          <a:blip r:embed="rId5"/>
-          <a:stretch>
-            <a:fillRect/>
-          </a:stretch>
-        </p:blipFill>
-        <p:spPr>
-          <a:xfrm>
-            <a:off x="5717633" y="681037"/>
-            <a:ext cx="5177109" cy="4495152"/>
-          </a:xfrm>
-          <a:prstGeom prst="rect">
-            <a:avLst/>
-          </a:prstGeom>
-        </p:spPr>
-      </p:pic>
-    </p:spTree>
-    <p:extLst>
-      <p:ext uri="{BB962C8B-B14F-4D97-AF65-F5344CB8AC3E}">
-        <p14:creationId xmlns:p14="http://schemas.microsoft.com/office/powerpoint/2010/main" val="4069772633"/>
-      </p:ext>
-    </p:extLst>
-  </p:cSld>
-  <p:clrMapOvr>
-    <a:masterClrMapping/>
-  </p:clrMapOvr>
-</p:sld>
-</file>
-
-<file path=ppt/slides/slide12.xml><?xml version="1.0" encoding="utf-8"?>
-<p:sld xmlns:a="http://schemas.openxmlformats.org/drawingml/2006/main" xmlns:r="http://schemas.openxmlformats.org/officeDocument/2006/relationships" xmlns:p="http://schemas.openxmlformats.org/presentationml/2006/main">
-  <p:cSld>
-    <p:spTree>
-      <p:nvGrpSpPr>
-        <p:cNvPr id="1" name=""/>
-        <p:cNvGrpSpPr/>
-        <p:nvPr/>
-      </p:nvGrpSpPr>
-      <p:grpSpPr>
-        <a:xfrm>
-          <a:off x="0" y="0"/>
-          <a:ext cx="0" cy="0"/>
-          <a:chOff x="0" y="0"/>
-          <a:chExt cx="0" cy="0"/>
-        </a:xfrm>
-      </p:grpSpPr>
       <p:sp>
         <p:nvSpPr>
           <p:cNvPr id="2" name="タイトル 1">
@@ -16636,7 +16442,7 @@
 </p:sld>
 </file>
 
-<file path=ppt/slides/slide13.xml><?xml version="1.0" encoding="utf-8"?>
+<file path=ppt/slides/slide12.xml><?xml version="1.0" encoding="utf-8"?>
 <p:sld xmlns:a="http://schemas.openxmlformats.org/drawingml/2006/main" xmlns:r="http://schemas.openxmlformats.org/officeDocument/2006/relationships" xmlns:p="http://schemas.openxmlformats.org/presentationml/2006/main">
   <p:cSld>
     <p:spTree>
@@ -17290,6 +17096,189 @@
           </a:p>
         </p:txBody>
       </p:sp>
+      <p:sp>
+        <p:nvSpPr>
+          <p:cNvPr id="4" name="正方形/長方形 3">
+            <a:extLst>
+              <a:ext uri="{FF2B5EF4-FFF2-40B4-BE49-F238E27FC236}">
+                <a16:creationId xmlns:a16="http://schemas.microsoft.com/office/drawing/2014/main" id="{B11008EA-89E6-AA4A-9137-990D69B29E75}"/>
+              </a:ext>
+            </a:extLst>
+          </p:cNvPr>
+          <p:cNvSpPr/>
+          <p:nvPr/>
+        </p:nvSpPr>
+        <p:spPr>
+          <a:xfrm>
+            <a:off x="824940" y="2620537"/>
+            <a:ext cx="390543" cy="1382751"/>
+          </a:xfrm>
+          <a:prstGeom prst="rect">
+            <a:avLst/>
+          </a:prstGeom>
+          <a:solidFill>
+            <a:schemeClr val="bg1"/>
+          </a:solidFill>
+          <a:ln>
+            <a:noFill/>
+          </a:ln>
+        </p:spPr>
+        <p:style>
+          <a:lnRef idx="2">
+            <a:schemeClr val="accent1">
+              <a:shade val="50000"/>
+            </a:schemeClr>
+          </a:lnRef>
+          <a:fillRef idx="1">
+            <a:schemeClr val="accent1"/>
+          </a:fillRef>
+          <a:effectRef idx="0">
+            <a:schemeClr val="accent1"/>
+          </a:effectRef>
+          <a:fontRef idx="minor">
+            <a:schemeClr val="lt1"/>
+          </a:fontRef>
+        </p:style>
+        <p:txBody>
+          <a:bodyPr rtlCol="0" anchor="ctr"/>
+          <a:lstStyle/>
+          <a:p>
+            <a:pPr algn="ctr"/>
+            <a:endParaRPr kumimoji="1" lang="ja-JP" altLang="en-US"/>
+          </a:p>
+        </p:txBody>
+      </p:sp>
+      <mc:AlternateContent xmlns:mc="http://schemas.openxmlformats.org/markup-compatibility/2006">
+        <mc:Choice xmlns:a14="http://schemas.microsoft.com/office/drawing/2010/main" Requires="a14">
+          <p:sp>
+            <p:nvSpPr>
+              <p:cNvPr id="9" name="テキスト ボックス 8">
+                <a:extLst>
+                  <a:ext uri="{FF2B5EF4-FFF2-40B4-BE49-F238E27FC236}">
+                    <a16:creationId xmlns:a16="http://schemas.microsoft.com/office/drawing/2014/main" id="{AA02AEE9-1B5E-814F-AFD7-83A63ED9DD27}"/>
+                  </a:ext>
+                </a:extLst>
+              </p:cNvPr>
+              <p:cNvSpPr txBox="1"/>
+              <p:nvPr/>
+            </p:nvSpPr>
+            <p:spPr>
+              <a:xfrm>
+                <a:off x="415257" y="3136612"/>
+                <a:ext cx="1209908" cy="584775"/>
+              </a:xfrm>
+              <a:prstGeom prst="rect">
+                <a:avLst/>
+              </a:prstGeom>
+              <a:noFill/>
+            </p:spPr>
+            <p:txBody>
+              <a:bodyPr wrap="square">
+                <a:spAutoFit/>
+              </a:bodyPr>
+              <a:lstStyle/>
+              <a:p>
+                <a:pPr/>
+                <a14:m>
+                  <m:oMathPara xmlns:m="http://schemas.openxmlformats.org/officeDocument/2006/math">
+                    <m:oMathParaPr>
+                      <m:jc m:val="centerGroup"/>
+                    </m:oMathParaPr>
+                    <m:oMath xmlns:m="http://schemas.openxmlformats.org/officeDocument/2006/math">
+                      <m:sSub>
+                        <m:sSubPr>
+                          <m:ctrlPr>
+                            <a:rPr lang="en-US" altLang="ja-JP" sz="3200" i="1" smtClean="0">
+                              <a:solidFill>
+                                <a:schemeClr val="tx1"/>
+                              </a:solidFill>
+                              <a:latin typeface="Cambria Math" panose="02040503050406030204" pitchFamily="18" charset="0"/>
+                              <a:ea typeface="Cambria Math" panose="02040503050406030204" pitchFamily="18" charset="0"/>
+                            </a:rPr>
+                          </m:ctrlPr>
+                        </m:sSubPr>
+                        <m:e>
+                          <m:r>
+                            <a:rPr lang="en-US" altLang="ja-JP" sz="3200" i="1">
+                              <a:solidFill>
+                                <a:schemeClr val="tx1"/>
+                              </a:solidFill>
+                              <a:latin typeface="Cambria Math" panose="02040503050406030204" pitchFamily="18" charset="0"/>
+                              <a:ea typeface="Cambria Math" panose="02040503050406030204" pitchFamily="18" charset="0"/>
+                            </a:rPr>
+                            <m:t>𝛽</m:t>
+                          </m:r>
+                        </m:e>
+                        <m:sub>
+                          <m:r>
+                            <a:rPr lang="en-US" altLang="ja-JP" sz="3200" i="1">
+                              <a:solidFill>
+                                <a:schemeClr val="tx1"/>
+                              </a:solidFill>
+                              <a:latin typeface="Cambria Math" panose="02040503050406030204" pitchFamily="18" charset="0"/>
+                              <a:ea typeface="Cambria Math" panose="02040503050406030204" pitchFamily="18" charset="0"/>
+                            </a:rPr>
+                            <m:t>𝑟𝑡</m:t>
+                          </m:r>
+                        </m:sub>
+                      </m:sSub>
+                    </m:oMath>
+                  </m:oMathPara>
+                </a14:m>
+                <a:endParaRPr lang="ja-JP" altLang="en-US" sz="3200">
+                  <a:solidFill>
+                    <a:schemeClr val="tx1"/>
+                  </a:solidFill>
+                </a:endParaRPr>
+              </a:p>
+            </p:txBody>
+          </p:sp>
+        </mc:Choice>
+        <mc:Fallback>
+          <p:sp>
+            <p:nvSpPr>
+              <p:cNvPr id="9" name="テキスト ボックス 8">
+                <a:extLst>
+                  <a:ext uri="{FF2B5EF4-FFF2-40B4-BE49-F238E27FC236}">
+                    <a16:creationId xmlns:a16="http://schemas.microsoft.com/office/drawing/2014/main" id="{AA02AEE9-1B5E-814F-AFD7-83A63ED9DD27}"/>
+                  </a:ext>
+                </a:extLst>
+              </p:cNvPr>
+              <p:cNvSpPr txBox="1">
+                <a:spLocks noRot="1" noChangeAspect="1" noMove="1" noResize="1" noEditPoints="1" noAdjustHandles="1" noChangeArrowheads="1" noChangeShapeType="1" noTextEdit="1"/>
+              </p:cNvSpPr>
+              <p:nvPr/>
+            </p:nvSpPr>
+            <p:spPr>
+              <a:xfrm>
+                <a:off x="415257" y="3136612"/>
+                <a:ext cx="1209908" cy="584775"/>
+              </a:xfrm>
+              <a:prstGeom prst="rect">
+                <a:avLst/>
+              </a:prstGeom>
+              <a:blipFill>
+                <a:blip r:embed="rId5"/>
+                <a:stretch>
+                  <a:fillRect b="-21739"/>
+                </a:stretch>
+              </a:blipFill>
+            </p:spPr>
+            <p:txBody>
+              <a:bodyPr/>
+              <a:lstStyle/>
+              <a:p>
+                <a:r>
+                  <a:rPr lang="ja-JP" altLang="en-US">
+                    <a:noFill/>
+                  </a:rPr>
+                  <a:t> </a:t>
+                </a:r>
+              </a:p>
+            </p:txBody>
+          </p:sp>
+        </mc:Fallback>
+      </mc:AlternateContent>
     </p:spTree>
     <p:extLst>
       <p:ext uri="{BB962C8B-B14F-4D97-AF65-F5344CB8AC3E}">
@@ -17303,7 +17292,7 @@
 </p:sld>
 </file>
 
-<file path=ppt/slides/slide14.xml><?xml version="1.0" encoding="utf-8"?>
+<file path=ppt/slides/slide13.xml><?xml version="1.0" encoding="utf-8"?>
 <p:sld xmlns:a="http://schemas.openxmlformats.org/drawingml/2006/main" xmlns:r="http://schemas.openxmlformats.org/officeDocument/2006/relationships" xmlns:p="http://schemas.openxmlformats.org/presentationml/2006/main">
   <p:cSld>
     <p:spTree>
@@ -17810,7 +17799,7 @@
 </p:sld>
 </file>
 
-<file path=ppt/slides/slide15.xml><?xml version="1.0" encoding="utf-8"?>
+<file path=ppt/slides/slide14.xml><?xml version="1.0" encoding="utf-8"?>
 <p:sld xmlns:a="http://schemas.openxmlformats.org/drawingml/2006/main" xmlns:r="http://schemas.openxmlformats.org/officeDocument/2006/relationships" xmlns:p="http://schemas.openxmlformats.org/presentationml/2006/main">
   <p:cSld>
     <p:spTree>
@@ -17856,949 +17845,2222 @@
           </a:p>
         </p:txBody>
       </p:sp>
-      <p:graphicFrame>
-        <p:nvGraphicFramePr>
-          <p:cNvPr id="4" name="表 4">
-            <a:extLst>
-              <a:ext uri="{FF2B5EF4-FFF2-40B4-BE49-F238E27FC236}">
-                <a16:creationId xmlns:a16="http://schemas.microsoft.com/office/drawing/2014/main" id="{5C25F1DB-31ED-E34A-B16B-339B661E9714}"/>
-              </a:ext>
-            </a:extLst>
-          </p:cNvPr>
-          <p:cNvGraphicFramePr>
-            <a:graphicFrameLocks noGrp="1"/>
-          </p:cNvGraphicFramePr>
-          <p:nvPr>
-            <p:ph idx="1"/>
-            <p:extLst>
-              <p:ext uri="{D42A27DB-BD31-4B8C-83A1-F6EECF244321}">
-                <p14:modId xmlns:p14="http://schemas.microsoft.com/office/powerpoint/2010/main" val="3141934411"/>
-              </p:ext>
-            </p:extLst>
-          </p:nvPr>
-        </p:nvGraphicFramePr>
-        <p:xfrm>
-          <a:off x="1802781" y="4317420"/>
-          <a:ext cx="8586438" cy="1111161"/>
-        </p:xfrm>
-        <a:graphic>
-          <a:graphicData uri="http://schemas.openxmlformats.org/drawingml/2006/table">
-            <a:tbl>
-              <a:tblPr firstRow="1" bandRow="1">
-                <a:tableStyleId>{5C22544A-7EE6-4342-B048-85BDC9FD1C3A}</a:tableStyleId>
-              </a:tblPr>
-              <a:tblGrid>
-                <a:gridCol w="771052">
-                  <a:extLst>
-                    <a:ext uri="{9D8B030D-6E8A-4147-A177-3AD203B41FA5}">
-                      <a16:colId xmlns:a16="http://schemas.microsoft.com/office/drawing/2014/main" val="1577797759"/>
-                    </a:ext>
-                  </a:extLst>
-                </a:gridCol>
-                <a:gridCol w="1375558">
-                  <a:extLst>
-                    <a:ext uri="{9D8B030D-6E8A-4147-A177-3AD203B41FA5}">
-                      <a16:colId xmlns:a16="http://schemas.microsoft.com/office/drawing/2014/main" val="3362389499"/>
-                    </a:ext>
-                  </a:extLst>
-                </a:gridCol>
-                <a:gridCol w="1609957">
-                  <a:extLst>
-                    <a:ext uri="{9D8B030D-6E8A-4147-A177-3AD203B41FA5}">
-                      <a16:colId xmlns:a16="http://schemas.microsoft.com/office/drawing/2014/main" val="598797701"/>
-                    </a:ext>
-                  </a:extLst>
-                </a:gridCol>
-                <a:gridCol w="1609957">
-                  <a:extLst>
-                    <a:ext uri="{9D8B030D-6E8A-4147-A177-3AD203B41FA5}">
-                      <a16:colId xmlns:a16="http://schemas.microsoft.com/office/drawing/2014/main" val="2631326619"/>
-                    </a:ext>
-                  </a:extLst>
-                </a:gridCol>
-                <a:gridCol w="1609957">
-                  <a:extLst>
-                    <a:ext uri="{9D8B030D-6E8A-4147-A177-3AD203B41FA5}">
-                      <a16:colId xmlns:a16="http://schemas.microsoft.com/office/drawing/2014/main" val="2123760642"/>
-                    </a:ext>
-                  </a:extLst>
-                </a:gridCol>
-                <a:gridCol w="1609957">
-                  <a:extLst>
-                    <a:ext uri="{9D8B030D-6E8A-4147-A177-3AD203B41FA5}">
-                      <a16:colId xmlns:a16="http://schemas.microsoft.com/office/drawing/2014/main" val="2101399842"/>
-                    </a:ext>
-                  </a:extLst>
-                </a:gridCol>
-              </a:tblGrid>
-              <a:tr h="370387">
-                <a:tc>
-                  <a:txBody>
-                    <a:bodyPr/>
-                    <a:lstStyle/>
-                    <a:p>
-                      <a:pPr algn="ctr"/>
-                      <a:endParaRPr kumimoji="1" lang="ja-JP" altLang="en-US"/>
-                    </a:p>
-                  </a:txBody>
-                  <a:tcPr/>
-                </a:tc>
-                <a:tc>
-                  <a:txBody>
-                    <a:bodyPr/>
-                    <a:lstStyle/>
-                    <a:p>
-                      <a:pPr algn="ctr"/>
-                      <a:r>
-                        <a:rPr kumimoji="1" lang="ja-JP" altLang="en-US"/>
-                        <a:t>既存モデル</a:t>
-                      </a:r>
-                    </a:p>
-                  </a:txBody>
-                  <a:tcPr/>
-                </a:tc>
-                <a:tc>
-                  <a:txBody>
-                    <a:bodyPr/>
-                    <a:lstStyle/>
-                    <a:p>
-                      <a:pPr algn="ctr"/>
-                      <a:r>
-                        <a:rPr kumimoji="1" lang="ja-JP" altLang="en-US"/>
-                        <a:t>比較モデル</a:t>
-                      </a:r>
-                      <a:r>
-                        <a:rPr kumimoji="1" lang="en-US" altLang="ja-JP" dirty="0"/>
-                        <a:t>1</a:t>
-                      </a:r>
-                      <a:endParaRPr kumimoji="1" lang="ja-JP" altLang="en-US"/>
-                    </a:p>
-                  </a:txBody>
-                  <a:tcPr/>
-                </a:tc>
-                <a:tc>
-                  <a:txBody>
-                    <a:bodyPr/>
-                    <a:lstStyle/>
-                    <a:p>
-                      <a:pPr algn="ctr"/>
-                      <a:r>
-                        <a:rPr kumimoji="1" lang="ja-JP" altLang="en-US"/>
-                        <a:t>比較モデル</a:t>
-                      </a:r>
-                      <a:r>
-                        <a:rPr kumimoji="1" lang="en-US" altLang="ja-JP" dirty="0"/>
-                        <a:t>2</a:t>
-                      </a:r>
-                      <a:endParaRPr kumimoji="1" lang="ja-JP" altLang="en-US"/>
-                    </a:p>
-                  </a:txBody>
-                  <a:tcPr/>
-                </a:tc>
-                <a:tc>
-                  <a:txBody>
-                    <a:bodyPr/>
-                    <a:lstStyle/>
-                    <a:p>
-                      <a:pPr algn="ctr"/>
-                      <a:r>
-                        <a:rPr kumimoji="1" lang="ja-JP" altLang="en-US"/>
-                        <a:t>比較モデル</a:t>
-                      </a:r>
-                      <a:r>
-                        <a:rPr kumimoji="1" lang="en-US" altLang="ja-JP" dirty="0"/>
-                        <a:t>3</a:t>
-                      </a:r>
-                      <a:endParaRPr kumimoji="1" lang="ja-JP" altLang="en-US"/>
-                    </a:p>
-                  </a:txBody>
-                  <a:tcPr/>
-                </a:tc>
-                <a:tc>
-                  <a:txBody>
-                    <a:bodyPr/>
-                    <a:lstStyle/>
-                    <a:p>
-                      <a:pPr algn="ctr"/>
-                      <a:r>
-                        <a:rPr kumimoji="1" lang="ja-JP" altLang="en-US"/>
-                        <a:t>提案モデル</a:t>
-                      </a:r>
-                    </a:p>
-                  </a:txBody>
-                  <a:tcPr/>
-                </a:tc>
+      <mc:AlternateContent xmlns:mc="http://schemas.openxmlformats.org/markup-compatibility/2006">
+        <mc:Choice xmlns:a14="http://schemas.microsoft.com/office/drawing/2010/main" Requires="a14">
+          <p:graphicFrame>
+            <p:nvGraphicFramePr>
+              <p:cNvPr id="4" name="表 4">
                 <a:extLst>
-                  <a:ext uri="{0D108BD9-81ED-4DB2-BD59-A6C34878D82A}">
-                    <a16:rowId xmlns:a16="http://schemas.microsoft.com/office/drawing/2014/main" val="1792722440"/>
+                  <a:ext uri="{FF2B5EF4-FFF2-40B4-BE49-F238E27FC236}">
+                    <a16:creationId xmlns:a16="http://schemas.microsoft.com/office/drawing/2014/main" id="{5C25F1DB-31ED-E34A-B16B-339B661E9714}"/>
                   </a:ext>
                 </a:extLst>
-              </a:tr>
-              <a:tr h="370387">
-                <a:tc>
-                  <a:txBody>
-                    <a:bodyPr/>
-                    <a:lstStyle/>
-                    <a:p>
-                      <a:pPr marL="0" marR="0" lvl="0" indent="0" algn="ctr" defTabSz="914400" rtl="0" eaLnBrk="1" fontAlgn="auto" latinLnBrk="0" hangingPunct="1">
-                        <a:lnSpc>
-                          <a:spcPct val="100000"/>
-                        </a:lnSpc>
-                        <a:spcBef>
-                          <a:spcPts val="0"/>
-                        </a:spcBef>
-                        <a:spcAft>
-                          <a:spcPts val="0"/>
-                        </a:spcAft>
-                        <a:buClrTx/>
-                        <a:buSzTx/>
-                        <a:buFontTx/>
-                        <a:buNone/>
-                        <a:tabLst/>
-                        <a:defRPr/>
-                      </a:pPr>
-                      <a:r>
-                        <a:rPr kumimoji="1" lang="en-US" altLang="ja-JP" dirty="0"/>
-                        <a:t>WAIC</a:t>
-                      </a:r>
-                      <a:endParaRPr kumimoji="1" lang="ja-JP" altLang="en-US"/>
-                    </a:p>
-                  </a:txBody>
-                  <a:tcPr/>
-                </a:tc>
-                <a:tc>
-                  <a:txBody>
-                    <a:bodyPr/>
-                    <a:lstStyle/>
-                    <a:p>
-                      <a:pPr algn="ctr"/>
-                      <a:r>
-                        <a:rPr kumimoji="1" lang="en-US" altLang="ja-JP" b="0" dirty="0">
-                          <a:solidFill>
-                            <a:schemeClr val="tx1"/>
-                          </a:solidFill>
-                        </a:rPr>
-                        <a:t>3279.444</a:t>
-                      </a:r>
-                      <a:endParaRPr kumimoji="1" lang="ja-JP" altLang="en-US" b="0">
-                        <a:solidFill>
-                          <a:schemeClr val="tx1"/>
-                        </a:solidFill>
-                      </a:endParaRPr>
-                    </a:p>
-                  </a:txBody>
-                  <a:tcPr/>
-                </a:tc>
-                <a:tc>
-                  <a:txBody>
-                    <a:bodyPr/>
-                    <a:lstStyle/>
-                    <a:p>
-                      <a:pPr algn="ctr"/>
-                      <a:r>
-                        <a:rPr kumimoji="1" lang="en-US" altLang="ja-JP" dirty="0">
-                          <a:solidFill>
-                            <a:schemeClr val="tx1"/>
-                          </a:solidFill>
-                        </a:rPr>
-                        <a:t>3190.802</a:t>
-                      </a:r>
-                      <a:endParaRPr kumimoji="1" lang="ja-JP" altLang="en-US">
-                        <a:solidFill>
-                          <a:schemeClr val="tx1"/>
-                        </a:solidFill>
-                      </a:endParaRPr>
-                    </a:p>
-                  </a:txBody>
-                  <a:tcPr/>
-                </a:tc>
-                <a:tc>
-                  <a:txBody>
-                    <a:bodyPr/>
-                    <a:lstStyle/>
-                    <a:p>
-                      <a:pPr algn="ctr"/>
-                      <a:r>
-                        <a:rPr kumimoji="1" lang="en-US" altLang="ja-JP" dirty="0">
-                          <a:solidFill>
-                            <a:schemeClr val="tx1"/>
-                          </a:solidFill>
-                        </a:rPr>
-                        <a:t>3154.331</a:t>
-                      </a:r>
-                      <a:endParaRPr kumimoji="1" lang="ja-JP" altLang="en-US">
-                        <a:solidFill>
-                          <a:schemeClr val="tx1"/>
-                        </a:solidFill>
-                      </a:endParaRPr>
-                    </a:p>
-                  </a:txBody>
-                  <a:tcPr/>
-                </a:tc>
-                <a:tc>
-                  <a:txBody>
-                    <a:bodyPr/>
-                    <a:lstStyle/>
-                    <a:p>
-                      <a:pPr algn="ctr"/>
-                      <a:r>
-                        <a:rPr kumimoji="1" lang="en-US" altLang="ja-JP" dirty="0">
-                          <a:solidFill>
-                            <a:schemeClr val="tx1"/>
-                          </a:solidFill>
-                        </a:rPr>
-                        <a:t>3137.137</a:t>
-                      </a:r>
-                      <a:endParaRPr kumimoji="1" lang="ja-JP" altLang="en-US">
-                        <a:solidFill>
-                          <a:schemeClr val="tx1"/>
-                        </a:solidFill>
-                      </a:endParaRPr>
-                    </a:p>
-                  </a:txBody>
-                  <a:tcPr/>
-                </a:tc>
-                <a:tc>
-                  <a:txBody>
-                    <a:bodyPr/>
-                    <a:lstStyle/>
-                    <a:p>
-                      <a:pPr algn="ctr"/>
-                      <a:r>
-                        <a:rPr kumimoji="1" lang="en-US" altLang="ja-JP" b="1" dirty="0">
-                          <a:solidFill>
-                            <a:srgbClr val="FF0000"/>
-                          </a:solidFill>
-                        </a:rPr>
-                        <a:t>3134.700</a:t>
-                      </a:r>
-                      <a:endParaRPr kumimoji="1" lang="ja-JP" altLang="en-US" b="1">
-                        <a:solidFill>
-                          <a:srgbClr val="FF0000"/>
-                        </a:solidFill>
-                      </a:endParaRPr>
-                    </a:p>
-                  </a:txBody>
-                  <a:tcPr/>
-                </a:tc>
+              </p:cNvPr>
+              <p:cNvGraphicFramePr>
+                <a:graphicFrameLocks noGrp="1"/>
+              </p:cNvGraphicFramePr>
+              <p:nvPr>
+                <p:ph idx="1"/>
+                <p:extLst>
+                  <p:ext uri="{D42A27DB-BD31-4B8C-83A1-F6EECF244321}">
+                    <p14:modId xmlns:p14="http://schemas.microsoft.com/office/powerpoint/2010/main" val="1875515071"/>
+                  </p:ext>
+                </p:extLst>
+              </p:nvPr>
+            </p:nvGraphicFramePr>
+            <p:xfrm>
+              <a:off x="641131" y="4317420"/>
+              <a:ext cx="10983309" cy="1380854"/>
+            </p:xfrm>
+            <a:graphic>
+              <a:graphicData uri="http://schemas.openxmlformats.org/drawingml/2006/table">
+                <a:tbl>
+                  <a:tblPr firstRow="1" bandRow="1">
+                    <a:tableStyleId>{5C22544A-7EE6-4342-B048-85BDC9FD1C3A}</a:tableStyleId>
+                  </a:tblPr>
+                  <a:tblGrid>
+                    <a:gridCol w="986289">
+                      <a:extLst>
+                        <a:ext uri="{9D8B030D-6E8A-4147-A177-3AD203B41FA5}">
+                          <a16:colId xmlns:a16="http://schemas.microsoft.com/office/drawing/2014/main" val="1577797759"/>
+                        </a:ext>
+                      </a:extLst>
+                    </a:gridCol>
+                    <a:gridCol w="1347008">
+                      <a:extLst>
+                        <a:ext uri="{9D8B030D-6E8A-4147-A177-3AD203B41FA5}">
+                          <a16:colId xmlns:a16="http://schemas.microsoft.com/office/drawing/2014/main" val="3362389499"/>
+                        </a:ext>
+                      </a:extLst>
+                    </a:gridCol>
+                    <a:gridCol w="2471902">
+                      <a:extLst>
+                        <a:ext uri="{9D8B030D-6E8A-4147-A177-3AD203B41FA5}">
+                          <a16:colId xmlns:a16="http://schemas.microsoft.com/office/drawing/2014/main" val="598797701"/>
+                        </a:ext>
+                      </a:extLst>
+                    </a:gridCol>
+                    <a:gridCol w="2699187">
+                      <a:extLst>
+                        <a:ext uri="{9D8B030D-6E8A-4147-A177-3AD203B41FA5}">
+                          <a16:colId xmlns:a16="http://schemas.microsoft.com/office/drawing/2014/main" val="2631326619"/>
+                        </a:ext>
+                      </a:extLst>
+                    </a:gridCol>
+                    <a:gridCol w="2017986">
+                      <a:extLst>
+                        <a:ext uri="{9D8B030D-6E8A-4147-A177-3AD203B41FA5}">
+                          <a16:colId xmlns:a16="http://schemas.microsoft.com/office/drawing/2014/main" val="2123760642"/>
+                        </a:ext>
+                      </a:extLst>
+                    </a:gridCol>
+                    <a:gridCol w="1460937">
+                      <a:extLst>
+                        <a:ext uri="{9D8B030D-6E8A-4147-A177-3AD203B41FA5}">
+                          <a16:colId xmlns:a16="http://schemas.microsoft.com/office/drawing/2014/main" val="2101399842"/>
+                        </a:ext>
+                      </a:extLst>
+                    </a:gridCol>
+                  </a:tblGrid>
+                  <a:tr h="370387">
+                    <a:tc>
+                      <a:txBody>
+                        <a:bodyPr/>
+                        <a:lstStyle/>
+                        <a:p>
+                          <a:pPr algn="ctr"/>
+                          <a:endParaRPr kumimoji="1" lang="ja-JP" altLang="en-US"/>
+                        </a:p>
+                      </a:txBody>
+                      <a:tcPr/>
+                    </a:tc>
+                    <a:tc>
+                      <a:txBody>
+                        <a:bodyPr/>
+                        <a:lstStyle/>
+                        <a:p>
+                          <a:pPr algn="ctr"/>
+                          <a:r>
+                            <a:rPr kumimoji="1" lang="ja-JP" altLang="en-US"/>
+                            <a:t>既存モデル</a:t>
+                          </a:r>
+                        </a:p>
+                      </a:txBody>
+                      <a:tcPr anchor="ctr"/>
+                    </a:tc>
+                    <a:tc>
+                      <a:txBody>
+                        <a:bodyPr/>
+                        <a:lstStyle/>
+                        <a:p>
+                          <a:pPr algn="ctr"/>
+                          <a:r>
+                            <a:rPr kumimoji="1" lang="ja-JP" altLang="en-US"/>
+                            <a:t>比較モデル</a:t>
+                          </a:r>
+                          <a:r>
+                            <a:rPr kumimoji="1" lang="en-US" altLang="ja-JP" dirty="0"/>
+                            <a:t>1</a:t>
+                          </a:r>
+                        </a:p>
+                        <a:p>
+                          <a:pPr algn="ctr"/>
+                          <a14:m>
+                            <m:oMath xmlns:m="http://schemas.openxmlformats.org/officeDocument/2006/math">
+                              <m:sSub>
+                                <m:sSubPr>
+                                  <m:ctrlPr>
+                                    <a:rPr kumimoji="1" lang="en-US" altLang="ja-JP" sz="1800" b="0" i="1" smtClean="0">
+                                      <a:latin typeface="Cambria Math" panose="02040503050406030204" pitchFamily="18" charset="0"/>
+                                    </a:rPr>
+                                  </m:ctrlPr>
+                                </m:sSubPr>
+                                <m:e>
+                                  <m:r>
+                                    <a:rPr kumimoji="1" lang="en-US" altLang="ja-JP" sz="1800" b="0" i="1" smtClean="0">
+                                      <a:latin typeface="Cambria Math" panose="02040503050406030204" pitchFamily="18" charset="0"/>
+                                    </a:rPr>
+                                    <m:t>𝑑</m:t>
+                                  </m:r>
+                                </m:e>
+                                <m:sub>
+                                  <m:r>
+                                    <a:rPr kumimoji="1" lang="en-US" altLang="ja-JP" sz="1800" b="0" i="1" smtClean="0">
+                                      <a:latin typeface="Cambria Math" panose="02040503050406030204" pitchFamily="18" charset="0"/>
+                                    </a:rPr>
+                                    <m:t>𝑟𝑘</m:t>
+                                  </m:r>
+                                </m:sub>
+                              </m:sSub>
+                            </m:oMath>
+                          </a14:m>
+                          <a:r>
+                            <a:rPr kumimoji="1" lang="ja-JP" altLang="en-US" sz="1800"/>
+                            <a:t>を</a:t>
+                          </a:r>
+                          <a14:m>
+                            <m:oMath xmlns:m="http://schemas.openxmlformats.org/officeDocument/2006/math">
+                              <m:sSub>
+                                <m:sSubPr>
+                                  <m:ctrlPr>
+                                    <a:rPr kumimoji="1" lang="en-US" altLang="ja-JP" sz="1800" b="0" i="1" smtClean="0">
+                                      <a:latin typeface="Cambria Math" panose="02040503050406030204" pitchFamily="18" charset="0"/>
+                                    </a:rPr>
+                                  </m:ctrlPr>
+                                </m:sSubPr>
+                                <m:e>
+                                  <m:r>
+                                    <a:rPr kumimoji="1" lang="en-US" altLang="ja-JP" sz="1800" b="0" i="1" smtClean="0">
+                                      <a:latin typeface="Cambria Math" panose="02040503050406030204" pitchFamily="18" charset="0"/>
+                                    </a:rPr>
+                                    <m:t>𝑑</m:t>
+                                  </m:r>
+                                </m:e>
+                                <m:sub>
+                                  <m:r>
+                                    <a:rPr kumimoji="1" lang="en-US" altLang="ja-JP" sz="1800" b="0" i="1" smtClean="0">
+                                      <a:latin typeface="Cambria Math" panose="02040503050406030204" pitchFamily="18" charset="0"/>
+                                    </a:rPr>
+                                    <m:t>𝑘</m:t>
+                                  </m:r>
+                                </m:sub>
+                              </m:sSub>
+                            </m:oMath>
+                          </a14:m>
+                          <a:r>
+                            <a:rPr kumimoji="1" lang="ja-JP" altLang="en-US" sz="1800"/>
+                            <a:t>に</a:t>
+                          </a:r>
+                          <a:r>
+                            <a:rPr kumimoji="1" lang="ja-JP" altLang="en-US" sz="1800" dirty="0"/>
+                            <a:t>変更</a:t>
+                          </a:r>
+                          <a:endParaRPr kumimoji="1" lang="ja-JP" altLang="en-US"/>
+                        </a:p>
+                      </a:txBody>
+                      <a:tcPr/>
+                    </a:tc>
+                    <a:tc>
+                      <a:txBody>
+                        <a:bodyPr/>
+                        <a:lstStyle/>
+                        <a:p>
+                          <a:pPr algn="ctr"/>
+                          <a:r>
+                            <a:rPr kumimoji="1" lang="ja-JP" altLang="en-US"/>
+                            <a:t>比較モデル</a:t>
+                          </a:r>
+                          <a:r>
+                            <a:rPr kumimoji="1" lang="en-US" altLang="ja-JP" dirty="0"/>
+                            <a:t>2</a:t>
+                          </a:r>
+                        </a:p>
+                        <a:p>
+                          <a:pPr algn="ctr"/>
+                          <a14:m>
+                            <m:oMath xmlns:m="http://schemas.openxmlformats.org/officeDocument/2006/math">
+                              <m:sSub>
+                                <m:sSubPr>
+                                  <m:ctrlPr>
+                                    <a:rPr kumimoji="1" lang="en-US" altLang="ja-JP" sz="1800" b="0" i="1" smtClean="0">
+                                      <a:latin typeface="Cambria Math" panose="02040503050406030204" pitchFamily="18" charset="0"/>
+                                    </a:rPr>
+                                  </m:ctrlPr>
+                                </m:sSubPr>
+                                <m:e>
+                                  <m:r>
+                                    <a:rPr kumimoji="1" lang="ja-JP" altLang="en-US" sz="1800" i="1" smtClean="0">
+                                      <a:latin typeface="Cambria Math" panose="02040503050406030204" pitchFamily="18" charset="0"/>
+                                    </a:rPr>
+                                    <m:t>𝛽</m:t>
+                                  </m:r>
+                                </m:e>
+                                <m:sub>
+                                  <m:r>
+                                    <a:rPr kumimoji="1" lang="en-US" altLang="ja-JP" sz="1800" b="0" i="1" smtClean="0">
+                                      <a:latin typeface="Cambria Math" panose="02040503050406030204" pitchFamily="18" charset="0"/>
+                                    </a:rPr>
+                                    <m:t>𝑟𝑡</m:t>
+                                  </m:r>
+                                </m:sub>
+                              </m:sSub>
+                            </m:oMath>
+                          </a14:m>
+                          <a:r>
+                            <a:rPr kumimoji="1" lang="ja-JP" altLang="en-US" sz="1800" dirty="0"/>
+                            <a:t>を</a:t>
+                          </a:r>
+                          <a:r>
+                            <a:rPr kumimoji="1" lang="ja-JP" altLang="en-US" sz="1800"/>
+                            <a:t>従来の形式に変更</a:t>
+                          </a:r>
+                          <a:endParaRPr kumimoji="1" lang="ja-JP" altLang="en-US"/>
+                        </a:p>
+                      </a:txBody>
+                      <a:tcPr/>
+                    </a:tc>
+                    <a:tc>
+                      <a:txBody>
+                        <a:bodyPr/>
+                        <a:lstStyle/>
+                        <a:p>
+                          <a:pPr algn="ctr"/>
+                          <a:r>
+                            <a:rPr kumimoji="1" lang="ja-JP" altLang="en-US"/>
+                            <a:t>比較モデル</a:t>
+                          </a:r>
+                          <a:r>
+                            <a:rPr kumimoji="1" lang="en-US" altLang="ja-JP" dirty="0"/>
+                            <a:t>3</a:t>
+                          </a:r>
+                        </a:p>
+                        <a:p>
+                          <a:pPr marL="0" marR="0" lvl="0" indent="0" algn="ctr" defTabSz="914400" rtl="0" eaLnBrk="1" fontAlgn="auto" latinLnBrk="0" hangingPunct="1">
+                            <a:lnSpc>
+                              <a:spcPct val="100000"/>
+                            </a:lnSpc>
+                            <a:spcBef>
+                              <a:spcPts val="0"/>
+                            </a:spcBef>
+                            <a:spcAft>
+                              <a:spcPts val="0"/>
+                            </a:spcAft>
+                            <a:buClrTx/>
+                            <a:buSzTx/>
+                            <a:buFontTx/>
+                            <a:buNone/>
+                            <a:tabLst/>
+                            <a:defRPr/>
+                          </a:pPr>
+                          <a14:m>
+                            <m:oMath xmlns:m="http://schemas.openxmlformats.org/officeDocument/2006/math">
+                              <m:sSub>
+                                <m:sSubPr>
+                                  <m:ctrlPr>
+                                    <a:rPr kumimoji="1" lang="en-US" altLang="ja-JP" sz="1800" b="0" i="1" smtClean="0">
+                                      <a:latin typeface="Cambria Math" panose="02040503050406030204" pitchFamily="18" charset="0"/>
+                                    </a:rPr>
+                                  </m:ctrlPr>
+                                </m:sSubPr>
+                                <m:e>
+                                  <m:r>
+                                    <a:rPr kumimoji="1" lang="ja-JP" altLang="en-US" sz="1800" i="1" smtClean="0">
+                                      <a:latin typeface="Cambria Math" panose="02040503050406030204" pitchFamily="18" charset="0"/>
+                                    </a:rPr>
+                                    <m:t>𝛼</m:t>
+                                  </m:r>
+                                </m:e>
+                                <m:sub>
+                                  <m:r>
+                                    <a:rPr kumimoji="1" lang="en-US" altLang="ja-JP" sz="1800" b="0" i="1" smtClean="0">
+                                      <a:latin typeface="Cambria Math" panose="02040503050406030204" pitchFamily="18" charset="0"/>
+                                    </a:rPr>
+                                    <m:t>𝑟</m:t>
+                                  </m:r>
+                                </m:sub>
+                              </m:sSub>
+                            </m:oMath>
+                          </a14:m>
+                          <a:r>
+                            <a:rPr kumimoji="1" lang="ja-JP" altLang="en-US" sz="1800"/>
+                            <a:t>を削除</a:t>
+                          </a:r>
+                          <a:endParaRPr kumimoji="1" lang="en-US" altLang="ja-JP" sz="1800" dirty="0"/>
+                        </a:p>
+                      </a:txBody>
+                      <a:tcPr/>
+                    </a:tc>
+                    <a:tc>
+                      <a:txBody>
+                        <a:bodyPr/>
+                        <a:lstStyle/>
+                        <a:p>
+                          <a:pPr algn="ctr"/>
+                          <a:r>
+                            <a:rPr kumimoji="1" lang="ja-JP" altLang="en-US"/>
+                            <a:t>提案モデル</a:t>
+                          </a:r>
+                        </a:p>
+                      </a:txBody>
+                      <a:tcPr anchor="ctr"/>
+                    </a:tc>
+                    <a:extLst>
+                      <a:ext uri="{0D108BD9-81ED-4DB2-BD59-A6C34878D82A}">
+                        <a16:rowId xmlns:a16="http://schemas.microsoft.com/office/drawing/2014/main" val="1792722440"/>
+                      </a:ext>
+                    </a:extLst>
+                  </a:tr>
+                  <a:tr h="370387">
+                    <a:tc>
+                      <a:txBody>
+                        <a:bodyPr/>
+                        <a:lstStyle/>
+                        <a:p>
+                          <a:pPr marL="0" marR="0" lvl="0" indent="0" algn="ctr" defTabSz="914400" rtl="0" eaLnBrk="1" fontAlgn="auto" latinLnBrk="0" hangingPunct="1">
+                            <a:lnSpc>
+                              <a:spcPct val="100000"/>
+                            </a:lnSpc>
+                            <a:spcBef>
+                              <a:spcPts val="0"/>
+                            </a:spcBef>
+                            <a:spcAft>
+                              <a:spcPts val="0"/>
+                            </a:spcAft>
+                            <a:buClrTx/>
+                            <a:buSzTx/>
+                            <a:buFontTx/>
+                            <a:buNone/>
+                            <a:tabLst/>
+                            <a:defRPr/>
+                          </a:pPr>
+                          <a:r>
+                            <a:rPr kumimoji="1" lang="en-US" altLang="ja-JP" dirty="0"/>
+                            <a:t>WAIC</a:t>
+                          </a:r>
+                          <a:endParaRPr kumimoji="1" lang="ja-JP" altLang="en-US"/>
+                        </a:p>
+                      </a:txBody>
+                      <a:tcPr/>
+                    </a:tc>
+                    <a:tc>
+                      <a:txBody>
+                        <a:bodyPr/>
+                        <a:lstStyle/>
+                        <a:p>
+                          <a:pPr algn="ctr"/>
+                          <a:r>
+                            <a:rPr kumimoji="1" lang="en-US" altLang="ja-JP" b="0" dirty="0">
+                              <a:solidFill>
+                                <a:schemeClr val="tx1"/>
+                              </a:solidFill>
+                            </a:rPr>
+                            <a:t>3279.444</a:t>
+                          </a:r>
+                          <a:endParaRPr kumimoji="1" lang="ja-JP" altLang="en-US" b="0">
+                            <a:solidFill>
+                              <a:schemeClr val="tx1"/>
+                            </a:solidFill>
+                          </a:endParaRPr>
+                        </a:p>
+                      </a:txBody>
+                      <a:tcPr/>
+                    </a:tc>
+                    <a:tc>
+                      <a:txBody>
+                        <a:bodyPr/>
+                        <a:lstStyle/>
+                        <a:p>
+                          <a:pPr algn="ctr"/>
+                          <a:r>
+                            <a:rPr kumimoji="1" lang="en-US" altLang="ja-JP" dirty="0">
+                              <a:solidFill>
+                                <a:schemeClr val="tx1"/>
+                              </a:solidFill>
+                            </a:rPr>
+                            <a:t>3190.802</a:t>
+                          </a:r>
+                          <a:endParaRPr kumimoji="1" lang="ja-JP" altLang="en-US">
+                            <a:solidFill>
+                              <a:schemeClr val="tx1"/>
+                            </a:solidFill>
+                          </a:endParaRPr>
+                        </a:p>
+                      </a:txBody>
+                      <a:tcPr/>
+                    </a:tc>
+                    <a:tc>
+                      <a:txBody>
+                        <a:bodyPr/>
+                        <a:lstStyle/>
+                        <a:p>
+                          <a:pPr algn="ctr"/>
+                          <a:r>
+                            <a:rPr kumimoji="1" lang="en-US" altLang="ja-JP" dirty="0">
+                              <a:solidFill>
+                                <a:schemeClr val="tx1"/>
+                              </a:solidFill>
+                            </a:rPr>
+                            <a:t>3154.331</a:t>
+                          </a:r>
+                          <a:endParaRPr kumimoji="1" lang="ja-JP" altLang="en-US">
+                            <a:solidFill>
+                              <a:schemeClr val="tx1"/>
+                            </a:solidFill>
+                          </a:endParaRPr>
+                        </a:p>
+                      </a:txBody>
+                      <a:tcPr/>
+                    </a:tc>
+                    <a:tc>
+                      <a:txBody>
+                        <a:bodyPr/>
+                        <a:lstStyle/>
+                        <a:p>
+                          <a:pPr algn="ctr"/>
+                          <a:r>
+                            <a:rPr kumimoji="1" lang="en-US" altLang="ja-JP" dirty="0">
+                              <a:solidFill>
+                                <a:schemeClr val="tx1"/>
+                              </a:solidFill>
+                            </a:rPr>
+                            <a:t>3137.137</a:t>
+                          </a:r>
+                          <a:endParaRPr kumimoji="1" lang="ja-JP" altLang="en-US">
+                            <a:solidFill>
+                              <a:schemeClr val="tx1"/>
+                            </a:solidFill>
+                          </a:endParaRPr>
+                        </a:p>
+                      </a:txBody>
+                      <a:tcPr/>
+                    </a:tc>
+                    <a:tc>
+                      <a:txBody>
+                        <a:bodyPr/>
+                        <a:lstStyle/>
+                        <a:p>
+                          <a:pPr algn="ctr"/>
+                          <a:r>
+                            <a:rPr kumimoji="1" lang="en-US" altLang="ja-JP" b="1" dirty="0">
+                              <a:solidFill>
+                                <a:srgbClr val="FF0000"/>
+                              </a:solidFill>
+                            </a:rPr>
+                            <a:t>3134.700</a:t>
+                          </a:r>
+                          <a:endParaRPr kumimoji="1" lang="ja-JP" altLang="en-US" b="1">
+                            <a:solidFill>
+                              <a:srgbClr val="FF0000"/>
+                            </a:solidFill>
+                          </a:endParaRPr>
+                        </a:p>
+                      </a:txBody>
+                      <a:tcPr/>
+                    </a:tc>
+                    <a:extLst>
+                      <a:ext uri="{0D108BD9-81ED-4DB2-BD59-A6C34878D82A}">
+                        <a16:rowId xmlns:a16="http://schemas.microsoft.com/office/drawing/2014/main" val="3268022677"/>
+                      </a:ext>
+                    </a:extLst>
+                  </a:tr>
+                  <a:tr h="370387">
+                    <a:tc>
+                      <a:txBody>
+                        <a:bodyPr/>
+                        <a:lstStyle/>
+                        <a:p>
+                          <a:pPr algn="ctr"/>
+                          <a:r>
+                            <a:rPr kumimoji="1" lang="en-US" altLang="ja-JP" dirty="0"/>
+                            <a:t>WBIC</a:t>
+                          </a:r>
+                          <a:endParaRPr kumimoji="1" lang="ja-JP" altLang="en-US"/>
+                        </a:p>
+                      </a:txBody>
+                      <a:tcPr/>
+                    </a:tc>
+                    <a:tc>
+                      <a:txBody>
+                        <a:bodyPr/>
+                        <a:lstStyle/>
+                        <a:p>
+                          <a:pPr algn="ctr"/>
+                          <a:r>
+                            <a:rPr kumimoji="1" lang="en-US" altLang="ja-JP" dirty="0">
+                              <a:solidFill>
+                                <a:schemeClr val="tx1"/>
+                              </a:solidFill>
+                            </a:rPr>
+                            <a:t>1927.215</a:t>
+                          </a:r>
+                          <a:endParaRPr kumimoji="1" lang="ja-JP" altLang="en-US">
+                            <a:solidFill>
+                              <a:schemeClr val="tx1"/>
+                            </a:solidFill>
+                          </a:endParaRPr>
+                        </a:p>
+                      </a:txBody>
+                      <a:tcPr/>
+                    </a:tc>
+                    <a:tc>
+                      <a:txBody>
+                        <a:bodyPr/>
+                        <a:lstStyle/>
+                        <a:p>
+                          <a:pPr algn="ctr"/>
+                          <a:r>
+                            <a:rPr kumimoji="1" lang="en-US" altLang="ja-JP" b="1" dirty="0">
+                              <a:solidFill>
+                                <a:srgbClr val="FF0000"/>
+                              </a:solidFill>
+                            </a:rPr>
+                            <a:t>1863.710</a:t>
+                          </a:r>
+                          <a:endParaRPr kumimoji="1" lang="ja-JP" altLang="en-US" b="1">
+                            <a:solidFill>
+                              <a:srgbClr val="FF0000"/>
+                            </a:solidFill>
+                          </a:endParaRPr>
+                        </a:p>
+                      </a:txBody>
+                      <a:tcPr/>
+                    </a:tc>
+                    <a:tc>
+                      <a:txBody>
+                        <a:bodyPr/>
+                        <a:lstStyle/>
+                        <a:p>
+                          <a:pPr algn="ctr"/>
+                          <a:r>
+                            <a:rPr kumimoji="1" lang="en-US" altLang="ja-JP" dirty="0">
+                              <a:solidFill>
+                                <a:schemeClr val="tx1"/>
+                              </a:solidFill>
+                            </a:rPr>
+                            <a:t>1924.210</a:t>
+                          </a:r>
+                          <a:endParaRPr kumimoji="1" lang="ja-JP" altLang="en-US">
+                            <a:solidFill>
+                              <a:schemeClr val="tx1"/>
+                            </a:solidFill>
+                          </a:endParaRPr>
+                        </a:p>
+                      </a:txBody>
+                      <a:tcPr/>
+                    </a:tc>
+                    <a:tc>
+                      <a:txBody>
+                        <a:bodyPr/>
+                        <a:lstStyle/>
+                        <a:p>
+                          <a:pPr algn="ctr"/>
+                          <a:r>
+                            <a:rPr kumimoji="1" lang="en-US" altLang="ja-JP" dirty="0">
+                              <a:solidFill>
+                                <a:schemeClr val="tx1"/>
+                              </a:solidFill>
+                            </a:rPr>
+                            <a:t>1910.699</a:t>
+                          </a:r>
+                          <a:endParaRPr kumimoji="1" lang="ja-JP" altLang="en-US">
+                            <a:solidFill>
+                              <a:schemeClr val="tx1"/>
+                            </a:solidFill>
+                          </a:endParaRPr>
+                        </a:p>
+                      </a:txBody>
+                      <a:tcPr/>
+                    </a:tc>
+                    <a:tc>
+                      <a:txBody>
+                        <a:bodyPr/>
+                        <a:lstStyle/>
+                        <a:p>
+                          <a:pPr algn="ctr"/>
+                          <a:r>
+                            <a:rPr kumimoji="1" lang="en-US" altLang="ja-JP" dirty="0">
+                              <a:solidFill>
+                                <a:schemeClr val="tx1"/>
+                              </a:solidFill>
+                            </a:rPr>
+                            <a:t>1900.211</a:t>
+                          </a:r>
+                          <a:endParaRPr kumimoji="1" lang="ja-JP" altLang="en-US">
+                            <a:solidFill>
+                              <a:schemeClr val="tx1"/>
+                            </a:solidFill>
+                          </a:endParaRPr>
+                        </a:p>
+                      </a:txBody>
+                      <a:tcPr/>
+                    </a:tc>
+                    <a:extLst>
+                      <a:ext uri="{0D108BD9-81ED-4DB2-BD59-A6C34878D82A}">
+                        <a16:rowId xmlns:a16="http://schemas.microsoft.com/office/drawing/2014/main" val="2242093626"/>
+                      </a:ext>
+                    </a:extLst>
+                  </a:tr>
+                </a:tbl>
+              </a:graphicData>
+            </a:graphic>
+          </p:graphicFrame>
+        </mc:Choice>
+        <mc:Fallback>
+          <p:graphicFrame>
+            <p:nvGraphicFramePr>
+              <p:cNvPr id="4" name="表 4">
                 <a:extLst>
-                  <a:ext uri="{0D108BD9-81ED-4DB2-BD59-A6C34878D82A}">
-                    <a16:rowId xmlns:a16="http://schemas.microsoft.com/office/drawing/2014/main" val="3268022677"/>
+                  <a:ext uri="{FF2B5EF4-FFF2-40B4-BE49-F238E27FC236}">
+                    <a16:creationId xmlns:a16="http://schemas.microsoft.com/office/drawing/2014/main" id="{5C25F1DB-31ED-E34A-B16B-339B661E9714}"/>
                   </a:ext>
                 </a:extLst>
-              </a:tr>
-              <a:tr h="370387">
-                <a:tc>
-                  <a:txBody>
-                    <a:bodyPr/>
-                    <a:lstStyle/>
-                    <a:p>
-                      <a:pPr algn="ctr"/>
-                      <a:r>
-                        <a:rPr kumimoji="1" lang="en-US" altLang="ja-JP" dirty="0"/>
-                        <a:t>WBIC</a:t>
-                      </a:r>
-                      <a:endParaRPr kumimoji="1" lang="ja-JP" altLang="en-US"/>
-                    </a:p>
-                  </a:txBody>
-                  <a:tcPr/>
-                </a:tc>
-                <a:tc>
-                  <a:txBody>
-                    <a:bodyPr/>
-                    <a:lstStyle/>
-                    <a:p>
-                      <a:pPr algn="ctr"/>
-                      <a:r>
-                        <a:rPr kumimoji="1" lang="en-US" altLang="ja-JP" dirty="0">
-                          <a:solidFill>
-                            <a:schemeClr val="tx1"/>
-                          </a:solidFill>
-                        </a:rPr>
-                        <a:t>1927.215</a:t>
-                      </a:r>
-                      <a:endParaRPr kumimoji="1" lang="ja-JP" altLang="en-US">
-                        <a:solidFill>
-                          <a:schemeClr val="tx1"/>
-                        </a:solidFill>
-                      </a:endParaRPr>
-                    </a:p>
-                  </a:txBody>
-                  <a:tcPr/>
-                </a:tc>
-                <a:tc>
-                  <a:txBody>
-                    <a:bodyPr/>
-                    <a:lstStyle/>
-                    <a:p>
-                      <a:pPr algn="ctr"/>
-                      <a:r>
-                        <a:rPr kumimoji="1" lang="en-US" altLang="ja-JP" b="1" dirty="0">
-                          <a:solidFill>
-                            <a:srgbClr val="FF0000"/>
-                          </a:solidFill>
-                        </a:rPr>
-                        <a:t>1863.710</a:t>
-                      </a:r>
-                      <a:endParaRPr kumimoji="1" lang="ja-JP" altLang="en-US" b="1">
-                        <a:solidFill>
-                          <a:srgbClr val="FF0000"/>
-                        </a:solidFill>
-                      </a:endParaRPr>
-                    </a:p>
-                  </a:txBody>
-                  <a:tcPr/>
-                </a:tc>
-                <a:tc>
-                  <a:txBody>
-                    <a:bodyPr/>
-                    <a:lstStyle/>
-                    <a:p>
-                      <a:pPr algn="ctr"/>
-                      <a:r>
-                        <a:rPr kumimoji="1" lang="en-US" altLang="ja-JP" dirty="0">
-                          <a:solidFill>
-                            <a:schemeClr val="tx1"/>
-                          </a:solidFill>
-                        </a:rPr>
-                        <a:t>1924.210</a:t>
-                      </a:r>
-                      <a:endParaRPr kumimoji="1" lang="ja-JP" altLang="en-US">
-                        <a:solidFill>
-                          <a:schemeClr val="tx1"/>
-                        </a:solidFill>
-                      </a:endParaRPr>
-                    </a:p>
-                  </a:txBody>
-                  <a:tcPr/>
-                </a:tc>
-                <a:tc>
-                  <a:txBody>
-                    <a:bodyPr/>
-                    <a:lstStyle/>
-                    <a:p>
-                      <a:pPr algn="ctr"/>
-                      <a:r>
-                        <a:rPr kumimoji="1" lang="en-US" altLang="ja-JP" dirty="0">
-                          <a:solidFill>
-                            <a:schemeClr val="tx1"/>
-                          </a:solidFill>
-                        </a:rPr>
-                        <a:t>1910.699</a:t>
-                      </a:r>
-                      <a:endParaRPr kumimoji="1" lang="ja-JP" altLang="en-US">
-                        <a:solidFill>
-                          <a:schemeClr val="tx1"/>
-                        </a:solidFill>
-                      </a:endParaRPr>
-                    </a:p>
-                  </a:txBody>
-                  <a:tcPr/>
-                </a:tc>
-                <a:tc>
-                  <a:txBody>
-                    <a:bodyPr/>
-                    <a:lstStyle/>
-                    <a:p>
-                      <a:pPr algn="ctr"/>
-                      <a:r>
-                        <a:rPr kumimoji="1" lang="en-US" altLang="ja-JP" dirty="0">
-                          <a:solidFill>
-                            <a:schemeClr val="tx1"/>
-                          </a:solidFill>
-                        </a:rPr>
-                        <a:t>1900.211</a:t>
-                      </a:r>
-                      <a:endParaRPr kumimoji="1" lang="ja-JP" altLang="en-US">
-                        <a:solidFill>
-                          <a:schemeClr val="tx1"/>
-                        </a:solidFill>
-                      </a:endParaRPr>
-                    </a:p>
-                  </a:txBody>
-                  <a:tcPr/>
-                </a:tc>
+              </p:cNvPr>
+              <p:cNvGraphicFramePr>
+                <a:graphicFrameLocks noGrp="1"/>
+              </p:cNvGraphicFramePr>
+              <p:nvPr>
+                <p:ph idx="1"/>
+                <p:extLst>
+                  <p:ext uri="{D42A27DB-BD31-4B8C-83A1-F6EECF244321}">
+                    <p14:modId xmlns:p14="http://schemas.microsoft.com/office/powerpoint/2010/main" val="1875515071"/>
+                  </p:ext>
+                </p:extLst>
+              </p:nvPr>
+            </p:nvGraphicFramePr>
+            <p:xfrm>
+              <a:off x="641131" y="4317420"/>
+              <a:ext cx="10983309" cy="1380854"/>
+            </p:xfrm>
+            <a:graphic>
+              <a:graphicData uri="http://schemas.openxmlformats.org/drawingml/2006/table">
+                <a:tbl>
+                  <a:tblPr firstRow="1" bandRow="1">
+                    <a:tableStyleId>{5C22544A-7EE6-4342-B048-85BDC9FD1C3A}</a:tableStyleId>
+                  </a:tblPr>
+                  <a:tblGrid>
+                    <a:gridCol w="986289">
+                      <a:extLst>
+                        <a:ext uri="{9D8B030D-6E8A-4147-A177-3AD203B41FA5}">
+                          <a16:colId xmlns:a16="http://schemas.microsoft.com/office/drawing/2014/main" val="1577797759"/>
+                        </a:ext>
+                      </a:extLst>
+                    </a:gridCol>
+                    <a:gridCol w="1347008">
+                      <a:extLst>
+                        <a:ext uri="{9D8B030D-6E8A-4147-A177-3AD203B41FA5}">
+                          <a16:colId xmlns:a16="http://schemas.microsoft.com/office/drawing/2014/main" val="3362389499"/>
+                        </a:ext>
+                      </a:extLst>
+                    </a:gridCol>
+                    <a:gridCol w="2471902">
+                      <a:extLst>
+                        <a:ext uri="{9D8B030D-6E8A-4147-A177-3AD203B41FA5}">
+                          <a16:colId xmlns:a16="http://schemas.microsoft.com/office/drawing/2014/main" val="598797701"/>
+                        </a:ext>
+                      </a:extLst>
+                    </a:gridCol>
+                    <a:gridCol w="2699187">
+                      <a:extLst>
+                        <a:ext uri="{9D8B030D-6E8A-4147-A177-3AD203B41FA5}">
+                          <a16:colId xmlns:a16="http://schemas.microsoft.com/office/drawing/2014/main" val="2631326619"/>
+                        </a:ext>
+                      </a:extLst>
+                    </a:gridCol>
+                    <a:gridCol w="2017986">
+                      <a:extLst>
+                        <a:ext uri="{9D8B030D-6E8A-4147-A177-3AD203B41FA5}">
+                          <a16:colId xmlns:a16="http://schemas.microsoft.com/office/drawing/2014/main" val="2123760642"/>
+                        </a:ext>
+                      </a:extLst>
+                    </a:gridCol>
+                    <a:gridCol w="1460937">
+                      <a:extLst>
+                        <a:ext uri="{9D8B030D-6E8A-4147-A177-3AD203B41FA5}">
+                          <a16:colId xmlns:a16="http://schemas.microsoft.com/office/drawing/2014/main" val="2101399842"/>
+                        </a:ext>
+                      </a:extLst>
+                    </a:gridCol>
+                  </a:tblGrid>
+                  <a:tr h="640080">
+                    <a:tc>
+                      <a:txBody>
+                        <a:bodyPr/>
+                        <a:lstStyle/>
+                        <a:p>
+                          <a:pPr algn="ctr"/>
+                          <a:endParaRPr kumimoji="1" lang="ja-JP" altLang="en-US"/>
+                        </a:p>
+                      </a:txBody>
+                      <a:tcPr/>
+                    </a:tc>
+                    <a:tc>
+                      <a:txBody>
+                        <a:bodyPr/>
+                        <a:lstStyle/>
+                        <a:p>
+                          <a:pPr algn="ctr"/>
+                          <a:r>
+                            <a:rPr kumimoji="1" lang="ja-JP" altLang="en-US"/>
+                            <a:t>既存モデル</a:t>
+                          </a:r>
+                        </a:p>
+                      </a:txBody>
+                      <a:tcPr anchor="ctr"/>
+                    </a:tc>
+                    <a:tc>
+                      <a:txBody>
+                        <a:bodyPr/>
+                        <a:lstStyle/>
+                        <a:p>
+                          <a:endParaRPr lang="ja-JP"/>
+                        </a:p>
+                      </a:txBody>
+                      <a:tcPr>
+                        <a:blipFill>
+                          <a:blip r:embed="rId3"/>
+                          <a:stretch>
+                            <a:fillRect l="-94872" t="-3922" r="-250769" b="-131373"/>
+                          </a:stretch>
+                        </a:blipFill>
+                      </a:tcPr>
+                    </a:tc>
+                    <a:tc>
+                      <a:txBody>
+                        <a:bodyPr/>
+                        <a:lstStyle/>
+                        <a:p>
+                          <a:endParaRPr lang="ja-JP"/>
+                        </a:p>
+                      </a:txBody>
+                      <a:tcPr>
+                        <a:blipFill>
+                          <a:blip r:embed="rId3"/>
+                          <a:stretch>
+                            <a:fillRect l="-178404" t="-3922" r="-129577" b="-131373"/>
+                          </a:stretch>
+                        </a:blipFill>
+                      </a:tcPr>
+                    </a:tc>
+                    <a:tc>
+                      <a:txBody>
+                        <a:bodyPr/>
+                        <a:lstStyle/>
+                        <a:p>
+                          <a:endParaRPr lang="ja-JP"/>
+                        </a:p>
+                      </a:txBody>
+                      <a:tcPr>
+                        <a:blipFill>
+                          <a:blip r:embed="rId3"/>
+                          <a:stretch>
+                            <a:fillRect l="-372956" t="-3922" r="-73585" b="-131373"/>
+                          </a:stretch>
+                        </a:blipFill>
+                      </a:tcPr>
+                    </a:tc>
+                    <a:tc>
+                      <a:txBody>
+                        <a:bodyPr/>
+                        <a:lstStyle/>
+                        <a:p>
+                          <a:pPr algn="ctr"/>
+                          <a:r>
+                            <a:rPr kumimoji="1" lang="ja-JP" altLang="en-US"/>
+                            <a:t>提案モデル</a:t>
+                          </a:r>
+                        </a:p>
+                      </a:txBody>
+                      <a:tcPr anchor="ctr"/>
+                    </a:tc>
+                    <a:extLst>
+                      <a:ext uri="{0D108BD9-81ED-4DB2-BD59-A6C34878D82A}">
+                        <a16:rowId xmlns:a16="http://schemas.microsoft.com/office/drawing/2014/main" val="1792722440"/>
+                      </a:ext>
+                    </a:extLst>
+                  </a:tr>
+                  <a:tr h="370387">
+                    <a:tc>
+                      <a:txBody>
+                        <a:bodyPr/>
+                        <a:lstStyle/>
+                        <a:p>
+                          <a:pPr marL="0" marR="0" lvl="0" indent="0" algn="ctr" defTabSz="914400" rtl="0" eaLnBrk="1" fontAlgn="auto" latinLnBrk="0" hangingPunct="1">
+                            <a:lnSpc>
+                              <a:spcPct val="100000"/>
+                            </a:lnSpc>
+                            <a:spcBef>
+                              <a:spcPts val="0"/>
+                            </a:spcBef>
+                            <a:spcAft>
+                              <a:spcPts val="0"/>
+                            </a:spcAft>
+                            <a:buClrTx/>
+                            <a:buSzTx/>
+                            <a:buFontTx/>
+                            <a:buNone/>
+                            <a:tabLst/>
+                            <a:defRPr/>
+                          </a:pPr>
+                          <a:r>
+                            <a:rPr kumimoji="1" lang="en-US" altLang="ja-JP" dirty="0"/>
+                            <a:t>WAIC</a:t>
+                          </a:r>
+                          <a:endParaRPr kumimoji="1" lang="ja-JP" altLang="en-US"/>
+                        </a:p>
+                      </a:txBody>
+                      <a:tcPr/>
+                    </a:tc>
+                    <a:tc>
+                      <a:txBody>
+                        <a:bodyPr/>
+                        <a:lstStyle/>
+                        <a:p>
+                          <a:pPr algn="ctr"/>
+                          <a:r>
+                            <a:rPr kumimoji="1" lang="en-US" altLang="ja-JP" b="0" dirty="0">
+                              <a:solidFill>
+                                <a:schemeClr val="tx1"/>
+                              </a:solidFill>
+                            </a:rPr>
+                            <a:t>3279.444</a:t>
+                          </a:r>
+                          <a:endParaRPr kumimoji="1" lang="ja-JP" altLang="en-US" b="0">
+                            <a:solidFill>
+                              <a:schemeClr val="tx1"/>
+                            </a:solidFill>
+                          </a:endParaRPr>
+                        </a:p>
+                      </a:txBody>
+                      <a:tcPr/>
+                    </a:tc>
+                    <a:tc>
+                      <a:txBody>
+                        <a:bodyPr/>
+                        <a:lstStyle/>
+                        <a:p>
+                          <a:pPr algn="ctr"/>
+                          <a:r>
+                            <a:rPr kumimoji="1" lang="en-US" altLang="ja-JP" dirty="0">
+                              <a:solidFill>
+                                <a:schemeClr val="tx1"/>
+                              </a:solidFill>
+                            </a:rPr>
+                            <a:t>3190.802</a:t>
+                          </a:r>
+                          <a:endParaRPr kumimoji="1" lang="ja-JP" altLang="en-US">
+                            <a:solidFill>
+                              <a:schemeClr val="tx1"/>
+                            </a:solidFill>
+                          </a:endParaRPr>
+                        </a:p>
+                      </a:txBody>
+                      <a:tcPr/>
+                    </a:tc>
+                    <a:tc>
+                      <a:txBody>
+                        <a:bodyPr/>
+                        <a:lstStyle/>
+                        <a:p>
+                          <a:pPr algn="ctr"/>
+                          <a:r>
+                            <a:rPr kumimoji="1" lang="en-US" altLang="ja-JP" dirty="0">
+                              <a:solidFill>
+                                <a:schemeClr val="tx1"/>
+                              </a:solidFill>
+                            </a:rPr>
+                            <a:t>3154.331</a:t>
+                          </a:r>
+                          <a:endParaRPr kumimoji="1" lang="ja-JP" altLang="en-US">
+                            <a:solidFill>
+                              <a:schemeClr val="tx1"/>
+                            </a:solidFill>
+                          </a:endParaRPr>
+                        </a:p>
+                      </a:txBody>
+                      <a:tcPr/>
+                    </a:tc>
+                    <a:tc>
+                      <a:txBody>
+                        <a:bodyPr/>
+                        <a:lstStyle/>
+                        <a:p>
+                          <a:pPr algn="ctr"/>
+                          <a:r>
+                            <a:rPr kumimoji="1" lang="en-US" altLang="ja-JP" dirty="0">
+                              <a:solidFill>
+                                <a:schemeClr val="tx1"/>
+                              </a:solidFill>
+                            </a:rPr>
+                            <a:t>3137.137</a:t>
+                          </a:r>
+                          <a:endParaRPr kumimoji="1" lang="ja-JP" altLang="en-US">
+                            <a:solidFill>
+                              <a:schemeClr val="tx1"/>
+                            </a:solidFill>
+                          </a:endParaRPr>
+                        </a:p>
+                      </a:txBody>
+                      <a:tcPr/>
+                    </a:tc>
+                    <a:tc>
+                      <a:txBody>
+                        <a:bodyPr/>
+                        <a:lstStyle/>
+                        <a:p>
+                          <a:pPr algn="ctr"/>
+                          <a:r>
+                            <a:rPr kumimoji="1" lang="en-US" altLang="ja-JP" b="1" dirty="0">
+                              <a:solidFill>
+                                <a:srgbClr val="FF0000"/>
+                              </a:solidFill>
+                            </a:rPr>
+                            <a:t>3134.700</a:t>
+                          </a:r>
+                          <a:endParaRPr kumimoji="1" lang="ja-JP" altLang="en-US" b="1">
+                            <a:solidFill>
+                              <a:srgbClr val="FF0000"/>
+                            </a:solidFill>
+                          </a:endParaRPr>
+                        </a:p>
+                      </a:txBody>
+                      <a:tcPr/>
+                    </a:tc>
+                    <a:extLst>
+                      <a:ext uri="{0D108BD9-81ED-4DB2-BD59-A6C34878D82A}">
+                        <a16:rowId xmlns:a16="http://schemas.microsoft.com/office/drawing/2014/main" val="3268022677"/>
+                      </a:ext>
+                    </a:extLst>
+                  </a:tr>
+                  <a:tr h="370387">
+                    <a:tc>
+                      <a:txBody>
+                        <a:bodyPr/>
+                        <a:lstStyle/>
+                        <a:p>
+                          <a:pPr algn="ctr"/>
+                          <a:r>
+                            <a:rPr kumimoji="1" lang="en-US" altLang="ja-JP" dirty="0"/>
+                            <a:t>WBIC</a:t>
+                          </a:r>
+                          <a:endParaRPr kumimoji="1" lang="ja-JP" altLang="en-US"/>
+                        </a:p>
+                      </a:txBody>
+                      <a:tcPr/>
+                    </a:tc>
+                    <a:tc>
+                      <a:txBody>
+                        <a:bodyPr/>
+                        <a:lstStyle/>
+                        <a:p>
+                          <a:pPr algn="ctr"/>
+                          <a:r>
+                            <a:rPr kumimoji="1" lang="en-US" altLang="ja-JP" dirty="0">
+                              <a:solidFill>
+                                <a:schemeClr val="tx1"/>
+                              </a:solidFill>
+                            </a:rPr>
+                            <a:t>1927.215</a:t>
+                          </a:r>
+                          <a:endParaRPr kumimoji="1" lang="ja-JP" altLang="en-US">
+                            <a:solidFill>
+                              <a:schemeClr val="tx1"/>
+                            </a:solidFill>
+                          </a:endParaRPr>
+                        </a:p>
+                      </a:txBody>
+                      <a:tcPr/>
+                    </a:tc>
+                    <a:tc>
+                      <a:txBody>
+                        <a:bodyPr/>
+                        <a:lstStyle/>
+                        <a:p>
+                          <a:pPr algn="ctr"/>
+                          <a:r>
+                            <a:rPr kumimoji="1" lang="en-US" altLang="ja-JP" b="1" dirty="0">
+                              <a:solidFill>
+                                <a:srgbClr val="FF0000"/>
+                              </a:solidFill>
+                            </a:rPr>
+                            <a:t>1863.710</a:t>
+                          </a:r>
+                          <a:endParaRPr kumimoji="1" lang="ja-JP" altLang="en-US" b="1">
+                            <a:solidFill>
+                              <a:srgbClr val="FF0000"/>
+                            </a:solidFill>
+                          </a:endParaRPr>
+                        </a:p>
+                      </a:txBody>
+                      <a:tcPr/>
+                    </a:tc>
+                    <a:tc>
+                      <a:txBody>
+                        <a:bodyPr/>
+                        <a:lstStyle/>
+                        <a:p>
+                          <a:pPr algn="ctr"/>
+                          <a:r>
+                            <a:rPr kumimoji="1" lang="en-US" altLang="ja-JP" dirty="0">
+                              <a:solidFill>
+                                <a:schemeClr val="tx1"/>
+                              </a:solidFill>
+                            </a:rPr>
+                            <a:t>1924.210</a:t>
+                          </a:r>
+                          <a:endParaRPr kumimoji="1" lang="ja-JP" altLang="en-US">
+                            <a:solidFill>
+                              <a:schemeClr val="tx1"/>
+                            </a:solidFill>
+                          </a:endParaRPr>
+                        </a:p>
+                      </a:txBody>
+                      <a:tcPr/>
+                    </a:tc>
+                    <a:tc>
+                      <a:txBody>
+                        <a:bodyPr/>
+                        <a:lstStyle/>
+                        <a:p>
+                          <a:pPr algn="ctr"/>
+                          <a:r>
+                            <a:rPr kumimoji="1" lang="en-US" altLang="ja-JP" dirty="0">
+                              <a:solidFill>
+                                <a:schemeClr val="tx1"/>
+                              </a:solidFill>
+                            </a:rPr>
+                            <a:t>1910.699</a:t>
+                          </a:r>
+                          <a:endParaRPr kumimoji="1" lang="ja-JP" altLang="en-US">
+                            <a:solidFill>
+                              <a:schemeClr val="tx1"/>
+                            </a:solidFill>
+                          </a:endParaRPr>
+                        </a:p>
+                      </a:txBody>
+                      <a:tcPr/>
+                    </a:tc>
+                    <a:tc>
+                      <a:txBody>
+                        <a:bodyPr/>
+                        <a:lstStyle/>
+                        <a:p>
+                          <a:pPr algn="ctr"/>
+                          <a:r>
+                            <a:rPr kumimoji="1" lang="en-US" altLang="ja-JP" dirty="0">
+                              <a:solidFill>
+                                <a:schemeClr val="tx1"/>
+                              </a:solidFill>
+                            </a:rPr>
+                            <a:t>1900.211</a:t>
+                          </a:r>
+                          <a:endParaRPr kumimoji="1" lang="ja-JP" altLang="en-US">
+                            <a:solidFill>
+                              <a:schemeClr val="tx1"/>
+                            </a:solidFill>
+                          </a:endParaRPr>
+                        </a:p>
+                      </a:txBody>
+                      <a:tcPr/>
+                    </a:tc>
+                    <a:extLst>
+                      <a:ext uri="{0D108BD9-81ED-4DB2-BD59-A6C34878D82A}">
+                        <a16:rowId xmlns:a16="http://schemas.microsoft.com/office/drawing/2014/main" val="2242093626"/>
+                      </a:ext>
+                    </a:extLst>
+                  </a:tr>
+                </a:tbl>
+              </a:graphicData>
+            </a:graphic>
+          </p:graphicFrame>
+        </mc:Fallback>
+      </mc:AlternateContent>
+      <mc:AlternateContent xmlns:mc="http://schemas.openxmlformats.org/markup-compatibility/2006">
+        <mc:Choice xmlns:a14="http://schemas.microsoft.com/office/drawing/2010/main" Requires="a14">
+          <p:graphicFrame>
+            <p:nvGraphicFramePr>
+              <p:cNvPr id="3" name="表 2">
                 <a:extLst>
-                  <a:ext uri="{0D108BD9-81ED-4DB2-BD59-A6C34878D82A}">
-                    <a16:rowId xmlns:a16="http://schemas.microsoft.com/office/drawing/2014/main" val="2242093626"/>
+                  <a:ext uri="{FF2B5EF4-FFF2-40B4-BE49-F238E27FC236}">
+                    <a16:creationId xmlns:a16="http://schemas.microsoft.com/office/drawing/2014/main" id="{E553872B-D798-F341-9591-14EB5D5D81C2}"/>
                   </a:ext>
                 </a:extLst>
-              </a:tr>
-            </a:tbl>
-          </a:graphicData>
-        </a:graphic>
-      </p:graphicFrame>
-      <p:graphicFrame>
-        <p:nvGraphicFramePr>
-          <p:cNvPr id="3" name="表 2">
-            <a:extLst>
-              <a:ext uri="{FF2B5EF4-FFF2-40B4-BE49-F238E27FC236}">
-                <a16:creationId xmlns:a16="http://schemas.microsoft.com/office/drawing/2014/main" id="{E553872B-D798-F341-9591-14EB5D5D81C2}"/>
-              </a:ext>
-            </a:extLst>
-          </p:cNvPr>
-          <p:cNvGraphicFramePr>
-            <a:graphicFrameLocks noGrp="1"/>
-          </p:cNvGraphicFramePr>
-          <p:nvPr>
-            <p:extLst>
-              <p:ext uri="{D42A27DB-BD31-4B8C-83A1-F6EECF244321}">
-                <p14:modId xmlns:p14="http://schemas.microsoft.com/office/powerpoint/2010/main" val="2386788362"/>
-              </p:ext>
-            </p:extLst>
-          </p:nvPr>
-        </p:nvGraphicFramePr>
-        <p:xfrm>
-          <a:off x="1802781" y="2149009"/>
-          <a:ext cx="8586438" cy="1097280"/>
-        </p:xfrm>
-        <a:graphic>
-          <a:graphicData uri="http://schemas.openxmlformats.org/drawingml/2006/table">
-            <a:tbl>
-              <a:tblPr firstRow="1" bandRow="1">
-                <a:tableStyleId>{5C22544A-7EE6-4342-B048-85BDC9FD1C3A}</a:tableStyleId>
-              </a:tblPr>
-              <a:tblGrid>
-                <a:gridCol w="771052">
-                  <a:extLst>
-                    <a:ext uri="{9D8B030D-6E8A-4147-A177-3AD203B41FA5}">
-                      <a16:colId xmlns:a16="http://schemas.microsoft.com/office/drawing/2014/main" val="588760288"/>
-                    </a:ext>
-                  </a:extLst>
-                </a:gridCol>
-                <a:gridCol w="1375558">
-                  <a:extLst>
-                    <a:ext uri="{9D8B030D-6E8A-4147-A177-3AD203B41FA5}">
-                      <a16:colId xmlns:a16="http://schemas.microsoft.com/office/drawing/2014/main" val="495979636"/>
-                    </a:ext>
-                  </a:extLst>
-                </a:gridCol>
-                <a:gridCol w="1609957">
-                  <a:extLst>
-                    <a:ext uri="{9D8B030D-6E8A-4147-A177-3AD203B41FA5}">
-                      <a16:colId xmlns:a16="http://schemas.microsoft.com/office/drawing/2014/main" val="3441212389"/>
-                    </a:ext>
-                  </a:extLst>
-                </a:gridCol>
-                <a:gridCol w="1609957">
-                  <a:extLst>
-                    <a:ext uri="{9D8B030D-6E8A-4147-A177-3AD203B41FA5}">
-                      <a16:colId xmlns:a16="http://schemas.microsoft.com/office/drawing/2014/main" val="2099251256"/>
-                    </a:ext>
-                  </a:extLst>
-                </a:gridCol>
-                <a:gridCol w="1609957">
-                  <a:extLst>
-                    <a:ext uri="{9D8B030D-6E8A-4147-A177-3AD203B41FA5}">
-                      <a16:colId xmlns:a16="http://schemas.microsoft.com/office/drawing/2014/main" val="3097509011"/>
-                    </a:ext>
-                  </a:extLst>
-                </a:gridCol>
-                <a:gridCol w="1609957">
-                  <a:extLst>
-                    <a:ext uri="{9D8B030D-6E8A-4147-A177-3AD203B41FA5}">
-                      <a16:colId xmlns:a16="http://schemas.microsoft.com/office/drawing/2014/main" val="2559676314"/>
-                    </a:ext>
-                  </a:extLst>
-                </a:gridCol>
-              </a:tblGrid>
-              <a:tr h="304562">
-                <a:tc>
-                  <a:txBody>
-                    <a:bodyPr/>
-                    <a:lstStyle/>
-                    <a:p>
-                      <a:pPr algn="ctr"/>
-                      <a:endParaRPr kumimoji="1" lang="ja-JP" altLang="en-US"/>
-                    </a:p>
-                  </a:txBody>
-                  <a:tcPr/>
-                </a:tc>
-                <a:tc>
-                  <a:txBody>
-                    <a:bodyPr/>
-                    <a:lstStyle/>
-                    <a:p>
-                      <a:pPr algn="ctr"/>
-                      <a:r>
-                        <a:rPr kumimoji="1" lang="ja-JP" altLang="en-US"/>
-                        <a:t>既存モデル</a:t>
-                      </a:r>
-                    </a:p>
-                  </a:txBody>
-                  <a:tcPr/>
-                </a:tc>
-                <a:tc>
-                  <a:txBody>
-                    <a:bodyPr/>
-                    <a:lstStyle/>
-                    <a:p>
-                      <a:pPr algn="ctr"/>
-                      <a:r>
-                        <a:rPr kumimoji="1" lang="ja-JP" altLang="en-US"/>
-                        <a:t>比較モデル</a:t>
-                      </a:r>
-                      <a:r>
-                        <a:rPr kumimoji="1" lang="en-US" altLang="ja-JP" dirty="0"/>
-                        <a:t>1</a:t>
-                      </a:r>
-                      <a:endParaRPr kumimoji="1" lang="ja-JP" altLang="en-US"/>
-                    </a:p>
-                  </a:txBody>
-                  <a:tcPr/>
-                </a:tc>
-                <a:tc>
-                  <a:txBody>
-                    <a:bodyPr/>
-                    <a:lstStyle/>
-                    <a:p>
-                      <a:pPr algn="ctr"/>
-                      <a:r>
-                        <a:rPr kumimoji="1" lang="ja-JP" altLang="en-US"/>
-                        <a:t>比較モデル</a:t>
-                      </a:r>
-                      <a:r>
-                        <a:rPr kumimoji="1" lang="en-US" altLang="ja-JP" dirty="0"/>
-                        <a:t>2</a:t>
-                      </a:r>
-                      <a:endParaRPr kumimoji="1" lang="ja-JP" altLang="en-US"/>
-                    </a:p>
-                  </a:txBody>
-                  <a:tcPr/>
-                </a:tc>
-                <a:tc>
-                  <a:txBody>
-                    <a:bodyPr/>
-                    <a:lstStyle/>
-                    <a:p>
-                      <a:pPr algn="ctr"/>
-                      <a:r>
-                        <a:rPr kumimoji="1" lang="ja-JP" altLang="en-US"/>
-                        <a:t>比較モデル</a:t>
-                      </a:r>
-                      <a:r>
-                        <a:rPr kumimoji="1" lang="en-US" altLang="ja-JP" dirty="0"/>
-                        <a:t>3</a:t>
-                      </a:r>
-                      <a:endParaRPr kumimoji="1" lang="ja-JP" altLang="en-US"/>
-                    </a:p>
-                  </a:txBody>
-                  <a:tcPr/>
-                </a:tc>
-                <a:tc>
-                  <a:txBody>
-                    <a:bodyPr/>
-                    <a:lstStyle/>
-                    <a:p>
-                      <a:pPr algn="ctr"/>
-                      <a:r>
-                        <a:rPr kumimoji="1" lang="ja-JP" altLang="en-US"/>
-                        <a:t>提案モデル</a:t>
-                      </a:r>
-                    </a:p>
-                  </a:txBody>
-                  <a:tcPr/>
-                </a:tc>
+              </p:cNvPr>
+              <p:cNvGraphicFramePr>
+                <a:graphicFrameLocks noGrp="1"/>
+              </p:cNvGraphicFramePr>
+              <p:nvPr>
+                <p:extLst>
+                  <p:ext uri="{D42A27DB-BD31-4B8C-83A1-F6EECF244321}">
+                    <p14:modId xmlns:p14="http://schemas.microsoft.com/office/powerpoint/2010/main" val="3667552264"/>
+                  </p:ext>
+                </p:extLst>
+              </p:nvPr>
+            </p:nvGraphicFramePr>
+            <p:xfrm>
+              <a:off x="641131" y="2149009"/>
+              <a:ext cx="10983309" cy="1371600"/>
+            </p:xfrm>
+            <a:graphic>
+              <a:graphicData uri="http://schemas.openxmlformats.org/drawingml/2006/table">
+                <a:tbl>
+                  <a:tblPr firstRow="1" bandRow="1">
+                    <a:tableStyleId>{5C22544A-7EE6-4342-B048-85BDC9FD1C3A}</a:tableStyleId>
+                  </a:tblPr>
+                  <a:tblGrid>
+                    <a:gridCol w="986289">
+                      <a:extLst>
+                        <a:ext uri="{9D8B030D-6E8A-4147-A177-3AD203B41FA5}">
+                          <a16:colId xmlns:a16="http://schemas.microsoft.com/office/drawing/2014/main" val="588760288"/>
+                        </a:ext>
+                      </a:extLst>
+                    </a:gridCol>
+                    <a:gridCol w="1368028">
+                      <a:extLst>
+                        <a:ext uri="{9D8B030D-6E8A-4147-A177-3AD203B41FA5}">
+                          <a16:colId xmlns:a16="http://schemas.microsoft.com/office/drawing/2014/main" val="495979636"/>
+                        </a:ext>
+                      </a:extLst>
+                    </a:gridCol>
+                    <a:gridCol w="2450882">
+                      <a:extLst>
+                        <a:ext uri="{9D8B030D-6E8A-4147-A177-3AD203B41FA5}">
+                          <a16:colId xmlns:a16="http://schemas.microsoft.com/office/drawing/2014/main" val="3441212389"/>
+                        </a:ext>
+                      </a:extLst>
+                    </a:gridCol>
+                    <a:gridCol w="2646636">
+                      <a:extLst>
+                        <a:ext uri="{9D8B030D-6E8A-4147-A177-3AD203B41FA5}">
+                          <a16:colId xmlns:a16="http://schemas.microsoft.com/office/drawing/2014/main" val="2099251256"/>
+                        </a:ext>
+                      </a:extLst>
+                    </a:gridCol>
+                    <a:gridCol w="2028496">
+                      <a:extLst>
+                        <a:ext uri="{9D8B030D-6E8A-4147-A177-3AD203B41FA5}">
+                          <a16:colId xmlns:a16="http://schemas.microsoft.com/office/drawing/2014/main" val="3097509011"/>
+                        </a:ext>
+                      </a:extLst>
+                    </a:gridCol>
+                    <a:gridCol w="1502978">
+                      <a:extLst>
+                        <a:ext uri="{9D8B030D-6E8A-4147-A177-3AD203B41FA5}">
+                          <a16:colId xmlns:a16="http://schemas.microsoft.com/office/drawing/2014/main" val="2559676314"/>
+                        </a:ext>
+                      </a:extLst>
+                    </a:gridCol>
+                  </a:tblGrid>
+                  <a:tr h="304562">
+                    <a:tc>
+                      <a:txBody>
+                        <a:bodyPr/>
+                        <a:lstStyle/>
+                        <a:p>
+                          <a:pPr algn="ctr"/>
+                          <a:endParaRPr kumimoji="1" lang="ja-JP" altLang="en-US"/>
+                        </a:p>
+                      </a:txBody>
+                      <a:tcPr/>
+                    </a:tc>
+                    <a:tc>
+                      <a:txBody>
+                        <a:bodyPr/>
+                        <a:lstStyle/>
+                        <a:p>
+                          <a:pPr algn="ctr"/>
+                          <a:r>
+                            <a:rPr kumimoji="1" lang="ja-JP" altLang="en-US"/>
+                            <a:t>既存モデル</a:t>
+                          </a:r>
+                        </a:p>
+                      </a:txBody>
+                      <a:tcPr anchor="ctr"/>
+                    </a:tc>
+                    <a:tc>
+                      <a:txBody>
+                        <a:bodyPr/>
+                        <a:lstStyle/>
+                        <a:p>
+                          <a:pPr algn="ctr"/>
+                          <a:r>
+                            <a:rPr kumimoji="1" lang="ja-JP" altLang="en-US"/>
+                            <a:t>比較モデル</a:t>
+                          </a:r>
+                          <a:r>
+                            <a:rPr kumimoji="1" lang="en-US" altLang="ja-JP" dirty="0"/>
+                            <a:t>1</a:t>
+                          </a:r>
+                        </a:p>
+                        <a:p>
+                          <a:pPr algn="ctr"/>
+                          <a14:m>
+                            <m:oMath xmlns:m="http://schemas.openxmlformats.org/officeDocument/2006/math">
+                              <m:sSub>
+                                <m:sSubPr>
+                                  <m:ctrlPr>
+                                    <a:rPr kumimoji="1" lang="en-US" altLang="ja-JP" sz="1800" b="0" i="1" smtClean="0">
+                                      <a:latin typeface="Cambria Math" panose="02040503050406030204" pitchFamily="18" charset="0"/>
+                                    </a:rPr>
+                                  </m:ctrlPr>
+                                </m:sSubPr>
+                                <m:e>
+                                  <m:r>
+                                    <a:rPr kumimoji="1" lang="en-US" altLang="ja-JP" sz="1800" b="0" i="1" smtClean="0">
+                                      <a:latin typeface="Cambria Math" panose="02040503050406030204" pitchFamily="18" charset="0"/>
+                                    </a:rPr>
+                                    <m:t>𝑑</m:t>
+                                  </m:r>
+                                </m:e>
+                                <m:sub>
+                                  <m:r>
+                                    <a:rPr kumimoji="1" lang="en-US" altLang="ja-JP" sz="1800" b="0" i="1" smtClean="0">
+                                      <a:latin typeface="Cambria Math" panose="02040503050406030204" pitchFamily="18" charset="0"/>
+                                    </a:rPr>
+                                    <m:t>𝑟𝑘</m:t>
+                                  </m:r>
+                                </m:sub>
+                              </m:sSub>
+                            </m:oMath>
+                          </a14:m>
+                          <a:r>
+                            <a:rPr kumimoji="1" lang="ja-JP" altLang="en-US" sz="1800"/>
+                            <a:t>を</a:t>
+                          </a:r>
+                          <a14:m>
+                            <m:oMath xmlns:m="http://schemas.openxmlformats.org/officeDocument/2006/math">
+                              <m:sSub>
+                                <m:sSubPr>
+                                  <m:ctrlPr>
+                                    <a:rPr kumimoji="1" lang="en-US" altLang="ja-JP" sz="1800" b="0" i="1" smtClean="0">
+                                      <a:latin typeface="Cambria Math" panose="02040503050406030204" pitchFamily="18" charset="0"/>
+                                    </a:rPr>
+                                  </m:ctrlPr>
+                                </m:sSubPr>
+                                <m:e>
+                                  <m:r>
+                                    <a:rPr kumimoji="1" lang="en-US" altLang="ja-JP" sz="1800" b="0" i="1" smtClean="0">
+                                      <a:latin typeface="Cambria Math" panose="02040503050406030204" pitchFamily="18" charset="0"/>
+                                    </a:rPr>
+                                    <m:t>𝑑</m:t>
+                                  </m:r>
+                                </m:e>
+                                <m:sub>
+                                  <m:r>
+                                    <a:rPr kumimoji="1" lang="en-US" altLang="ja-JP" sz="1800" b="0" i="1" smtClean="0">
+                                      <a:latin typeface="Cambria Math" panose="02040503050406030204" pitchFamily="18" charset="0"/>
+                                    </a:rPr>
+                                    <m:t>𝑘</m:t>
+                                  </m:r>
+                                </m:sub>
+                              </m:sSub>
+                            </m:oMath>
+                          </a14:m>
+                          <a:r>
+                            <a:rPr kumimoji="1" lang="ja-JP" altLang="en-US" sz="1800"/>
+                            <a:t>に</a:t>
+                          </a:r>
+                          <a:r>
+                            <a:rPr kumimoji="1" lang="ja-JP" altLang="en-US" sz="1800" dirty="0"/>
+                            <a:t>変更</a:t>
+                          </a:r>
+                          <a:endParaRPr kumimoji="1" lang="ja-JP" altLang="en-US"/>
+                        </a:p>
+                      </a:txBody>
+                      <a:tcPr/>
+                    </a:tc>
+                    <a:tc>
+                      <a:txBody>
+                        <a:bodyPr/>
+                        <a:lstStyle/>
+                        <a:p>
+                          <a:pPr algn="ctr"/>
+                          <a:r>
+                            <a:rPr kumimoji="1" lang="ja-JP" altLang="en-US"/>
+                            <a:t>比較モデル</a:t>
+                          </a:r>
+                          <a:r>
+                            <a:rPr kumimoji="1" lang="en-US" altLang="ja-JP" dirty="0"/>
+                            <a:t>2</a:t>
+                          </a:r>
+                        </a:p>
+                        <a:p>
+                          <a:pPr algn="ctr"/>
+                          <a14:m>
+                            <m:oMath xmlns:m="http://schemas.openxmlformats.org/officeDocument/2006/math">
+                              <m:sSub>
+                                <m:sSubPr>
+                                  <m:ctrlPr>
+                                    <a:rPr kumimoji="1" lang="en-US" altLang="ja-JP" sz="1800" b="0" i="1" smtClean="0">
+                                      <a:latin typeface="Cambria Math" panose="02040503050406030204" pitchFamily="18" charset="0"/>
+                                    </a:rPr>
+                                  </m:ctrlPr>
+                                </m:sSubPr>
+                                <m:e>
+                                  <m:r>
+                                    <a:rPr kumimoji="1" lang="ja-JP" altLang="en-US" sz="1800" i="1" smtClean="0">
+                                      <a:latin typeface="Cambria Math" panose="02040503050406030204" pitchFamily="18" charset="0"/>
+                                    </a:rPr>
+                                    <m:t>𝛽</m:t>
+                                  </m:r>
+                                </m:e>
+                                <m:sub>
+                                  <m:r>
+                                    <a:rPr kumimoji="1" lang="en-US" altLang="ja-JP" sz="1800" b="0" i="1" smtClean="0">
+                                      <a:latin typeface="Cambria Math" panose="02040503050406030204" pitchFamily="18" charset="0"/>
+                                    </a:rPr>
+                                    <m:t>𝑟𝑡</m:t>
+                                  </m:r>
+                                </m:sub>
+                              </m:sSub>
+                            </m:oMath>
+                          </a14:m>
+                          <a:r>
+                            <a:rPr kumimoji="1" lang="ja-JP" altLang="en-US" sz="1800" dirty="0"/>
+                            <a:t>を</a:t>
+                          </a:r>
+                          <a:r>
+                            <a:rPr kumimoji="1" lang="ja-JP" altLang="en-US" sz="1800"/>
+                            <a:t>従来の形式に変更</a:t>
+                          </a:r>
+                          <a:endParaRPr kumimoji="1" lang="ja-JP" altLang="en-US"/>
+                        </a:p>
+                      </a:txBody>
+                      <a:tcPr/>
+                    </a:tc>
+                    <a:tc>
+                      <a:txBody>
+                        <a:bodyPr/>
+                        <a:lstStyle/>
+                        <a:p>
+                          <a:pPr algn="ctr"/>
+                          <a:r>
+                            <a:rPr kumimoji="1" lang="ja-JP" altLang="en-US"/>
+                            <a:t>比較モデル</a:t>
+                          </a:r>
+                          <a:r>
+                            <a:rPr kumimoji="1" lang="en-US" altLang="ja-JP" dirty="0"/>
+                            <a:t>3</a:t>
+                          </a:r>
+                        </a:p>
+                        <a:p>
+                          <a:pPr marL="0" marR="0" lvl="0" indent="0" algn="ctr" defTabSz="914400" rtl="0" eaLnBrk="1" fontAlgn="auto" latinLnBrk="0" hangingPunct="1">
+                            <a:lnSpc>
+                              <a:spcPct val="100000"/>
+                            </a:lnSpc>
+                            <a:spcBef>
+                              <a:spcPts val="0"/>
+                            </a:spcBef>
+                            <a:spcAft>
+                              <a:spcPts val="0"/>
+                            </a:spcAft>
+                            <a:buClrTx/>
+                            <a:buSzTx/>
+                            <a:buFontTx/>
+                            <a:buNone/>
+                            <a:tabLst/>
+                            <a:defRPr/>
+                          </a:pPr>
+                          <a14:m>
+                            <m:oMath xmlns:m="http://schemas.openxmlformats.org/officeDocument/2006/math">
+                              <m:sSub>
+                                <m:sSubPr>
+                                  <m:ctrlPr>
+                                    <a:rPr kumimoji="1" lang="en-US" altLang="ja-JP" sz="1800" b="0" i="1" smtClean="0">
+                                      <a:latin typeface="Cambria Math" panose="02040503050406030204" pitchFamily="18" charset="0"/>
+                                    </a:rPr>
+                                  </m:ctrlPr>
+                                </m:sSubPr>
+                                <m:e>
+                                  <m:r>
+                                    <a:rPr kumimoji="1" lang="ja-JP" altLang="en-US" sz="1800" i="1" smtClean="0">
+                                      <a:latin typeface="Cambria Math" panose="02040503050406030204" pitchFamily="18" charset="0"/>
+                                    </a:rPr>
+                                    <m:t>𝛼</m:t>
+                                  </m:r>
+                                </m:e>
+                                <m:sub>
+                                  <m:r>
+                                    <a:rPr kumimoji="1" lang="en-US" altLang="ja-JP" sz="1800" b="0" i="1" smtClean="0">
+                                      <a:latin typeface="Cambria Math" panose="02040503050406030204" pitchFamily="18" charset="0"/>
+                                    </a:rPr>
+                                    <m:t>𝑟</m:t>
+                                  </m:r>
+                                </m:sub>
+                              </m:sSub>
+                            </m:oMath>
+                          </a14:m>
+                          <a:r>
+                            <a:rPr kumimoji="1" lang="ja-JP" altLang="en-US" sz="1800"/>
+                            <a:t>を削除</a:t>
+                          </a:r>
+                          <a:endParaRPr kumimoji="1" lang="en-US" altLang="ja-JP" sz="1800" dirty="0"/>
+                        </a:p>
+                      </a:txBody>
+                      <a:tcPr/>
+                    </a:tc>
+                    <a:tc>
+                      <a:txBody>
+                        <a:bodyPr/>
+                        <a:lstStyle/>
+                        <a:p>
+                          <a:pPr algn="ctr"/>
+                          <a:r>
+                            <a:rPr kumimoji="1" lang="ja-JP" altLang="en-US"/>
+                            <a:t>提案モデル</a:t>
+                          </a:r>
+                        </a:p>
+                      </a:txBody>
+                      <a:tcPr anchor="ctr"/>
+                    </a:tc>
+                    <a:extLst>
+                      <a:ext uri="{0D108BD9-81ED-4DB2-BD59-A6C34878D82A}">
+                        <a16:rowId xmlns:a16="http://schemas.microsoft.com/office/drawing/2014/main" val="1769414338"/>
+                      </a:ext>
+                    </a:extLst>
+                  </a:tr>
+                  <a:tr h="258119">
+                    <a:tc>
+                      <a:txBody>
+                        <a:bodyPr/>
+                        <a:lstStyle/>
+                        <a:p>
+                          <a:pPr algn="ctr"/>
+                          <a:r>
+                            <a:rPr kumimoji="1" lang="en-US" altLang="ja-JP" dirty="0"/>
+                            <a:t>WAIC</a:t>
+                          </a:r>
+                          <a:endParaRPr kumimoji="1" lang="ja-JP" altLang="en-US"/>
+                        </a:p>
+                      </a:txBody>
+                      <a:tcPr/>
+                    </a:tc>
+                    <a:tc>
+                      <a:txBody>
+                        <a:bodyPr/>
+                        <a:lstStyle/>
+                        <a:p>
+                          <a:pPr algn="ctr"/>
+                          <a:r>
+                            <a:rPr kumimoji="1" lang="en-US" altLang="ja-JP" b="0" dirty="0">
+                              <a:solidFill>
+                                <a:schemeClr val="tx1"/>
+                              </a:solidFill>
+                            </a:rPr>
+                            <a:t>5361.581</a:t>
+                          </a:r>
+                          <a:endParaRPr kumimoji="1" lang="ja-JP" altLang="en-US" b="0">
+                            <a:solidFill>
+                              <a:schemeClr val="tx1"/>
+                            </a:solidFill>
+                          </a:endParaRPr>
+                        </a:p>
+                      </a:txBody>
+                      <a:tcPr/>
+                    </a:tc>
+                    <a:tc>
+                      <a:txBody>
+                        <a:bodyPr/>
+                        <a:lstStyle/>
+                        <a:p>
+                          <a:pPr marL="0" marR="0" lvl="0" indent="0" algn="ctr" defTabSz="914400" rtl="0" eaLnBrk="1" fontAlgn="auto" latinLnBrk="0" hangingPunct="1">
+                            <a:lnSpc>
+                              <a:spcPct val="100000"/>
+                            </a:lnSpc>
+                            <a:spcBef>
+                              <a:spcPts val="0"/>
+                            </a:spcBef>
+                            <a:spcAft>
+                              <a:spcPts val="0"/>
+                            </a:spcAft>
+                            <a:buClrTx/>
+                            <a:buSzTx/>
+                            <a:buFontTx/>
+                            <a:buNone/>
+                            <a:tabLst/>
+                            <a:defRPr/>
+                          </a:pPr>
+                          <a:r>
+                            <a:rPr kumimoji="1" lang="en-US" altLang="ja-JP" dirty="0">
+                              <a:solidFill>
+                                <a:schemeClr val="tx1"/>
+                              </a:solidFill>
+                            </a:rPr>
+                            <a:t>5225.050</a:t>
+                          </a:r>
+                          <a:endParaRPr kumimoji="1" lang="ja-JP" altLang="en-US">
+                            <a:solidFill>
+                              <a:schemeClr val="tx1"/>
+                            </a:solidFill>
+                          </a:endParaRPr>
+                        </a:p>
+                      </a:txBody>
+                      <a:tcPr/>
+                    </a:tc>
+                    <a:tc>
+                      <a:txBody>
+                        <a:bodyPr/>
+                        <a:lstStyle/>
+                        <a:p>
+                          <a:pPr algn="ctr"/>
+                          <a:r>
+                            <a:rPr kumimoji="1" lang="en-US" altLang="ja-JP" dirty="0">
+                              <a:solidFill>
+                                <a:schemeClr val="tx1"/>
+                              </a:solidFill>
+                            </a:rPr>
+                            <a:t>5104.463</a:t>
+                          </a:r>
+                          <a:endParaRPr kumimoji="1" lang="ja-JP" altLang="en-US">
+                            <a:solidFill>
+                              <a:schemeClr val="tx1"/>
+                            </a:solidFill>
+                          </a:endParaRPr>
+                        </a:p>
+                      </a:txBody>
+                      <a:tcPr/>
+                    </a:tc>
+                    <a:tc>
+                      <a:txBody>
+                        <a:bodyPr/>
+                        <a:lstStyle/>
+                        <a:p>
+                          <a:pPr algn="ctr"/>
+                          <a:r>
+                            <a:rPr kumimoji="1" lang="en-US" altLang="ja-JP" dirty="0">
+                              <a:solidFill>
+                                <a:schemeClr val="tx1"/>
+                              </a:solidFill>
+                            </a:rPr>
+                            <a:t>5032.362</a:t>
+                          </a:r>
+                          <a:endParaRPr kumimoji="1" lang="ja-JP" altLang="en-US">
+                            <a:solidFill>
+                              <a:schemeClr val="tx1"/>
+                            </a:solidFill>
+                          </a:endParaRPr>
+                        </a:p>
+                      </a:txBody>
+                      <a:tcPr/>
+                    </a:tc>
+                    <a:tc>
+                      <a:txBody>
+                        <a:bodyPr/>
+                        <a:lstStyle/>
+                        <a:p>
+                          <a:pPr algn="ctr"/>
+                          <a:r>
+                            <a:rPr kumimoji="1" lang="en-US" altLang="ja-JP" b="1" dirty="0">
+                              <a:solidFill>
+                                <a:srgbClr val="FF0000"/>
+                              </a:solidFill>
+                            </a:rPr>
+                            <a:t>5027.951</a:t>
+                          </a:r>
+                          <a:endParaRPr kumimoji="1" lang="ja-JP" altLang="en-US" b="1">
+                            <a:solidFill>
+                              <a:srgbClr val="FF0000"/>
+                            </a:solidFill>
+                          </a:endParaRPr>
+                        </a:p>
+                      </a:txBody>
+                      <a:tcPr/>
+                    </a:tc>
+                    <a:extLst>
+                      <a:ext uri="{0D108BD9-81ED-4DB2-BD59-A6C34878D82A}">
+                        <a16:rowId xmlns:a16="http://schemas.microsoft.com/office/drawing/2014/main" val="643480186"/>
+                      </a:ext>
+                    </a:extLst>
+                  </a:tr>
+                  <a:tr h="304562">
+                    <a:tc>
+                      <a:txBody>
+                        <a:bodyPr/>
+                        <a:lstStyle/>
+                        <a:p>
+                          <a:pPr algn="ctr"/>
+                          <a:r>
+                            <a:rPr kumimoji="1" lang="en-US" altLang="ja-JP" dirty="0"/>
+                            <a:t>WBIC</a:t>
+                          </a:r>
+                          <a:endParaRPr kumimoji="1" lang="ja-JP" altLang="en-US"/>
+                        </a:p>
+                      </a:txBody>
+                      <a:tcPr/>
+                    </a:tc>
+                    <a:tc>
+                      <a:txBody>
+                        <a:bodyPr/>
+                        <a:lstStyle/>
+                        <a:p>
+                          <a:pPr algn="ctr"/>
+                          <a:r>
+                            <a:rPr kumimoji="1" lang="en-US" altLang="ja-JP" dirty="0">
+                              <a:solidFill>
+                                <a:schemeClr val="tx1"/>
+                              </a:solidFill>
+                            </a:rPr>
+                            <a:t>3071.706</a:t>
+                          </a:r>
+                          <a:endParaRPr kumimoji="1" lang="ja-JP" altLang="en-US">
+                            <a:solidFill>
+                              <a:schemeClr val="tx1"/>
+                            </a:solidFill>
+                          </a:endParaRPr>
+                        </a:p>
+                      </a:txBody>
+                      <a:tcPr/>
+                    </a:tc>
+                    <a:tc>
+                      <a:txBody>
+                        <a:bodyPr/>
+                        <a:lstStyle/>
+                        <a:p>
+                          <a:pPr algn="ctr"/>
+                          <a:r>
+                            <a:rPr kumimoji="1" lang="en-US" altLang="ja-JP" dirty="0">
+                              <a:solidFill>
+                                <a:schemeClr val="tx1"/>
+                              </a:solidFill>
+                            </a:rPr>
+                            <a:t>3038.600</a:t>
+                          </a:r>
+                          <a:endParaRPr kumimoji="1" lang="ja-JP" altLang="en-US">
+                            <a:solidFill>
+                              <a:schemeClr val="tx1"/>
+                            </a:solidFill>
+                          </a:endParaRPr>
+                        </a:p>
+                      </a:txBody>
+                      <a:tcPr/>
+                    </a:tc>
+                    <a:tc>
+                      <a:txBody>
+                        <a:bodyPr/>
+                        <a:lstStyle/>
+                        <a:p>
+                          <a:pPr algn="ctr"/>
+                          <a:r>
+                            <a:rPr kumimoji="1" lang="en-US" altLang="ja-JP" dirty="0">
+                              <a:solidFill>
+                                <a:schemeClr val="tx1"/>
+                              </a:solidFill>
+                            </a:rPr>
+                            <a:t>3056.349</a:t>
+                          </a:r>
+                          <a:endParaRPr kumimoji="1" lang="ja-JP" altLang="en-US">
+                            <a:solidFill>
+                              <a:schemeClr val="tx1"/>
+                            </a:solidFill>
+                          </a:endParaRPr>
+                        </a:p>
+                      </a:txBody>
+                      <a:tcPr/>
+                    </a:tc>
+                    <a:tc>
+                      <a:txBody>
+                        <a:bodyPr/>
+                        <a:lstStyle/>
+                        <a:p>
+                          <a:pPr algn="ctr"/>
+                          <a:r>
+                            <a:rPr kumimoji="1" lang="en-US" altLang="ja-JP" b="1" dirty="0">
+                              <a:solidFill>
+                                <a:srgbClr val="FF0000"/>
+                              </a:solidFill>
+                            </a:rPr>
+                            <a:t>3028.649</a:t>
+                          </a:r>
+                          <a:endParaRPr kumimoji="1" lang="ja-JP" altLang="en-US" b="1">
+                            <a:solidFill>
+                              <a:srgbClr val="FF0000"/>
+                            </a:solidFill>
+                          </a:endParaRPr>
+                        </a:p>
+                      </a:txBody>
+                      <a:tcPr/>
+                    </a:tc>
+                    <a:tc>
+                      <a:txBody>
+                        <a:bodyPr/>
+                        <a:lstStyle/>
+                        <a:p>
+                          <a:pPr algn="ctr"/>
+                          <a:r>
+                            <a:rPr kumimoji="1" lang="en-US" altLang="ja-JP" dirty="0">
+                              <a:solidFill>
+                                <a:schemeClr val="tx1"/>
+                              </a:solidFill>
+                            </a:rPr>
+                            <a:t>3033.753</a:t>
+                          </a:r>
+                          <a:endParaRPr kumimoji="1" lang="ja-JP" altLang="en-US">
+                            <a:solidFill>
+                              <a:schemeClr val="tx1"/>
+                            </a:solidFill>
+                          </a:endParaRPr>
+                        </a:p>
+                      </a:txBody>
+                      <a:tcPr/>
+                    </a:tc>
+                    <a:extLst>
+                      <a:ext uri="{0D108BD9-81ED-4DB2-BD59-A6C34878D82A}">
+                        <a16:rowId xmlns:a16="http://schemas.microsoft.com/office/drawing/2014/main" val="3440220993"/>
+                      </a:ext>
+                    </a:extLst>
+                  </a:tr>
+                </a:tbl>
+              </a:graphicData>
+            </a:graphic>
+          </p:graphicFrame>
+        </mc:Choice>
+        <mc:Fallback>
+          <p:graphicFrame>
+            <p:nvGraphicFramePr>
+              <p:cNvPr id="3" name="表 2">
                 <a:extLst>
-                  <a:ext uri="{0D108BD9-81ED-4DB2-BD59-A6C34878D82A}">
-                    <a16:rowId xmlns:a16="http://schemas.microsoft.com/office/drawing/2014/main" val="1769414338"/>
+                  <a:ext uri="{FF2B5EF4-FFF2-40B4-BE49-F238E27FC236}">
+                    <a16:creationId xmlns:a16="http://schemas.microsoft.com/office/drawing/2014/main" id="{E553872B-D798-F341-9591-14EB5D5D81C2}"/>
                   </a:ext>
                 </a:extLst>
-              </a:tr>
-              <a:tr h="258119">
-                <a:tc>
-                  <a:txBody>
-                    <a:bodyPr/>
-                    <a:lstStyle/>
-                    <a:p>
-                      <a:pPr algn="ctr"/>
-                      <a:r>
-                        <a:rPr kumimoji="1" lang="en-US" altLang="ja-JP" dirty="0"/>
-                        <a:t>WAIC</a:t>
-                      </a:r>
-                      <a:endParaRPr kumimoji="1" lang="ja-JP" altLang="en-US"/>
-                    </a:p>
-                  </a:txBody>
-                  <a:tcPr/>
-                </a:tc>
-                <a:tc>
-                  <a:txBody>
-                    <a:bodyPr/>
-                    <a:lstStyle/>
-                    <a:p>
-                      <a:pPr algn="ctr"/>
-                      <a:r>
-                        <a:rPr kumimoji="1" lang="en-US" altLang="ja-JP" b="0" dirty="0">
-                          <a:solidFill>
-                            <a:schemeClr val="tx1"/>
-                          </a:solidFill>
-                        </a:rPr>
-                        <a:t>5361.581</a:t>
-                      </a:r>
-                      <a:endParaRPr kumimoji="1" lang="ja-JP" altLang="en-US" b="0">
-                        <a:solidFill>
-                          <a:schemeClr val="tx1"/>
-                        </a:solidFill>
-                      </a:endParaRPr>
-                    </a:p>
-                  </a:txBody>
-                  <a:tcPr/>
-                </a:tc>
-                <a:tc>
-                  <a:txBody>
-                    <a:bodyPr/>
-                    <a:lstStyle/>
-                    <a:p>
-                      <a:pPr marL="0" marR="0" lvl="0" indent="0" algn="ctr" defTabSz="914400" rtl="0" eaLnBrk="1" fontAlgn="auto" latinLnBrk="0" hangingPunct="1">
-                        <a:lnSpc>
-                          <a:spcPct val="100000"/>
-                        </a:lnSpc>
-                        <a:spcBef>
-                          <a:spcPts val="0"/>
-                        </a:spcBef>
-                        <a:spcAft>
-                          <a:spcPts val="0"/>
-                        </a:spcAft>
-                        <a:buClrTx/>
-                        <a:buSzTx/>
-                        <a:buFontTx/>
-                        <a:buNone/>
-                        <a:tabLst/>
-                        <a:defRPr/>
-                      </a:pPr>
-                      <a:r>
-                        <a:rPr kumimoji="1" lang="en-US" altLang="ja-JP" dirty="0">
-                          <a:solidFill>
-                            <a:schemeClr val="tx1"/>
-                          </a:solidFill>
-                        </a:rPr>
-                        <a:t>5225.050</a:t>
-                      </a:r>
-                      <a:endParaRPr kumimoji="1" lang="ja-JP" altLang="en-US">
-                        <a:solidFill>
-                          <a:schemeClr val="tx1"/>
-                        </a:solidFill>
-                      </a:endParaRPr>
-                    </a:p>
-                  </a:txBody>
-                  <a:tcPr/>
-                </a:tc>
-                <a:tc>
-                  <a:txBody>
-                    <a:bodyPr/>
-                    <a:lstStyle/>
-                    <a:p>
-                      <a:pPr algn="ctr"/>
-                      <a:r>
-                        <a:rPr kumimoji="1" lang="en-US" altLang="ja-JP" dirty="0">
-                          <a:solidFill>
-                            <a:schemeClr val="tx1"/>
-                          </a:solidFill>
-                        </a:rPr>
-                        <a:t>5104.463</a:t>
-                      </a:r>
-                      <a:endParaRPr kumimoji="1" lang="ja-JP" altLang="en-US">
-                        <a:solidFill>
-                          <a:schemeClr val="tx1"/>
-                        </a:solidFill>
-                      </a:endParaRPr>
-                    </a:p>
-                  </a:txBody>
-                  <a:tcPr/>
-                </a:tc>
-                <a:tc>
-                  <a:txBody>
-                    <a:bodyPr/>
-                    <a:lstStyle/>
-                    <a:p>
-                      <a:pPr algn="ctr"/>
-                      <a:r>
-                        <a:rPr kumimoji="1" lang="en-US" altLang="ja-JP" dirty="0">
-                          <a:solidFill>
-                            <a:schemeClr val="tx1"/>
-                          </a:solidFill>
-                        </a:rPr>
-                        <a:t>5032.362</a:t>
-                      </a:r>
-                      <a:endParaRPr kumimoji="1" lang="ja-JP" altLang="en-US">
-                        <a:solidFill>
-                          <a:schemeClr val="tx1"/>
-                        </a:solidFill>
-                      </a:endParaRPr>
-                    </a:p>
-                  </a:txBody>
-                  <a:tcPr/>
-                </a:tc>
-                <a:tc>
-                  <a:txBody>
-                    <a:bodyPr/>
-                    <a:lstStyle/>
-                    <a:p>
-                      <a:pPr algn="ctr"/>
-                      <a:r>
-                        <a:rPr kumimoji="1" lang="en-US" altLang="ja-JP" b="1" dirty="0">
-                          <a:solidFill>
-                            <a:srgbClr val="FF0000"/>
-                          </a:solidFill>
-                        </a:rPr>
-                        <a:t>5027.951</a:t>
-                      </a:r>
-                      <a:endParaRPr kumimoji="1" lang="ja-JP" altLang="en-US" b="1">
-                        <a:solidFill>
-                          <a:srgbClr val="FF0000"/>
-                        </a:solidFill>
-                      </a:endParaRPr>
-                    </a:p>
-                  </a:txBody>
-                  <a:tcPr/>
-                </a:tc>
-                <a:extLst>
-                  <a:ext uri="{0D108BD9-81ED-4DB2-BD59-A6C34878D82A}">
-                    <a16:rowId xmlns:a16="http://schemas.microsoft.com/office/drawing/2014/main" val="643480186"/>
-                  </a:ext>
-                </a:extLst>
-              </a:tr>
-              <a:tr h="304562">
-                <a:tc>
-                  <a:txBody>
-                    <a:bodyPr/>
-                    <a:lstStyle/>
-                    <a:p>
-                      <a:pPr algn="ctr"/>
-                      <a:r>
-                        <a:rPr kumimoji="1" lang="en-US" altLang="ja-JP" dirty="0"/>
-                        <a:t>WBIC</a:t>
-                      </a:r>
-                      <a:endParaRPr kumimoji="1" lang="ja-JP" altLang="en-US"/>
-                    </a:p>
-                  </a:txBody>
-                  <a:tcPr/>
-                </a:tc>
-                <a:tc>
-                  <a:txBody>
-                    <a:bodyPr/>
-                    <a:lstStyle/>
-                    <a:p>
-                      <a:pPr algn="ctr"/>
-                      <a:r>
-                        <a:rPr kumimoji="1" lang="en-US" altLang="ja-JP" dirty="0">
-                          <a:solidFill>
-                            <a:schemeClr val="tx1"/>
-                          </a:solidFill>
-                        </a:rPr>
-                        <a:t>3071.706</a:t>
-                      </a:r>
-                      <a:endParaRPr kumimoji="1" lang="ja-JP" altLang="en-US">
-                        <a:solidFill>
-                          <a:schemeClr val="tx1"/>
-                        </a:solidFill>
-                      </a:endParaRPr>
-                    </a:p>
-                  </a:txBody>
-                  <a:tcPr/>
-                </a:tc>
-                <a:tc>
-                  <a:txBody>
-                    <a:bodyPr/>
-                    <a:lstStyle/>
-                    <a:p>
-                      <a:pPr algn="ctr"/>
-                      <a:r>
-                        <a:rPr kumimoji="1" lang="en-US" altLang="ja-JP" dirty="0">
-                          <a:solidFill>
-                            <a:schemeClr val="tx1"/>
-                          </a:solidFill>
-                        </a:rPr>
-                        <a:t>3038.600</a:t>
-                      </a:r>
-                      <a:endParaRPr kumimoji="1" lang="ja-JP" altLang="en-US">
-                        <a:solidFill>
-                          <a:schemeClr val="tx1"/>
-                        </a:solidFill>
-                      </a:endParaRPr>
-                    </a:p>
-                  </a:txBody>
-                  <a:tcPr/>
-                </a:tc>
-                <a:tc>
-                  <a:txBody>
-                    <a:bodyPr/>
-                    <a:lstStyle/>
-                    <a:p>
-                      <a:pPr algn="ctr"/>
-                      <a:r>
-                        <a:rPr kumimoji="1" lang="en-US" altLang="ja-JP" dirty="0">
-                          <a:solidFill>
-                            <a:schemeClr val="tx1"/>
-                          </a:solidFill>
-                        </a:rPr>
-                        <a:t>3056.349</a:t>
-                      </a:r>
-                      <a:endParaRPr kumimoji="1" lang="ja-JP" altLang="en-US">
-                        <a:solidFill>
-                          <a:schemeClr val="tx1"/>
-                        </a:solidFill>
-                      </a:endParaRPr>
-                    </a:p>
-                  </a:txBody>
-                  <a:tcPr/>
-                </a:tc>
-                <a:tc>
-                  <a:txBody>
-                    <a:bodyPr/>
-                    <a:lstStyle/>
-                    <a:p>
-                      <a:pPr algn="ctr"/>
-                      <a:r>
-                        <a:rPr kumimoji="1" lang="en-US" altLang="ja-JP" b="1" dirty="0">
-                          <a:solidFill>
-                            <a:srgbClr val="FF0000"/>
-                          </a:solidFill>
-                        </a:rPr>
-                        <a:t>3028.649</a:t>
-                      </a:r>
-                      <a:endParaRPr kumimoji="1" lang="ja-JP" altLang="en-US" b="1">
-                        <a:solidFill>
-                          <a:srgbClr val="FF0000"/>
-                        </a:solidFill>
-                      </a:endParaRPr>
-                    </a:p>
-                  </a:txBody>
-                  <a:tcPr/>
-                </a:tc>
-                <a:tc>
-                  <a:txBody>
-                    <a:bodyPr/>
-                    <a:lstStyle/>
-                    <a:p>
-                      <a:pPr algn="ctr"/>
-                      <a:r>
-                        <a:rPr kumimoji="1" lang="en-US" altLang="ja-JP" dirty="0">
-                          <a:solidFill>
-                            <a:schemeClr val="tx1"/>
-                          </a:solidFill>
-                        </a:rPr>
-                        <a:t>3033.753</a:t>
-                      </a:r>
-                      <a:endParaRPr kumimoji="1" lang="ja-JP" altLang="en-US">
-                        <a:solidFill>
-                          <a:schemeClr val="tx1"/>
-                        </a:solidFill>
-                      </a:endParaRPr>
-                    </a:p>
-                  </a:txBody>
-                  <a:tcPr/>
-                </a:tc>
-                <a:extLst>
-                  <a:ext uri="{0D108BD9-81ED-4DB2-BD59-A6C34878D82A}">
-                    <a16:rowId xmlns:a16="http://schemas.microsoft.com/office/drawing/2014/main" val="3440220993"/>
-                  </a:ext>
-                </a:extLst>
-              </a:tr>
-            </a:tbl>
-          </a:graphicData>
-        </a:graphic>
-      </p:graphicFrame>
+              </p:cNvPr>
+              <p:cNvGraphicFramePr>
+                <a:graphicFrameLocks noGrp="1"/>
+              </p:cNvGraphicFramePr>
+              <p:nvPr>
+                <p:extLst>
+                  <p:ext uri="{D42A27DB-BD31-4B8C-83A1-F6EECF244321}">
+                    <p14:modId xmlns:p14="http://schemas.microsoft.com/office/powerpoint/2010/main" val="3667552264"/>
+                  </p:ext>
+                </p:extLst>
+              </p:nvPr>
+            </p:nvGraphicFramePr>
+            <p:xfrm>
+              <a:off x="641131" y="2149009"/>
+              <a:ext cx="10983309" cy="1371600"/>
+            </p:xfrm>
+            <a:graphic>
+              <a:graphicData uri="http://schemas.openxmlformats.org/drawingml/2006/table">
+                <a:tbl>
+                  <a:tblPr firstRow="1" bandRow="1">
+                    <a:tableStyleId>{5C22544A-7EE6-4342-B048-85BDC9FD1C3A}</a:tableStyleId>
+                  </a:tblPr>
+                  <a:tblGrid>
+                    <a:gridCol w="986289">
+                      <a:extLst>
+                        <a:ext uri="{9D8B030D-6E8A-4147-A177-3AD203B41FA5}">
+                          <a16:colId xmlns:a16="http://schemas.microsoft.com/office/drawing/2014/main" val="588760288"/>
+                        </a:ext>
+                      </a:extLst>
+                    </a:gridCol>
+                    <a:gridCol w="1368028">
+                      <a:extLst>
+                        <a:ext uri="{9D8B030D-6E8A-4147-A177-3AD203B41FA5}">
+                          <a16:colId xmlns:a16="http://schemas.microsoft.com/office/drawing/2014/main" val="495979636"/>
+                        </a:ext>
+                      </a:extLst>
+                    </a:gridCol>
+                    <a:gridCol w="2450882">
+                      <a:extLst>
+                        <a:ext uri="{9D8B030D-6E8A-4147-A177-3AD203B41FA5}">
+                          <a16:colId xmlns:a16="http://schemas.microsoft.com/office/drawing/2014/main" val="3441212389"/>
+                        </a:ext>
+                      </a:extLst>
+                    </a:gridCol>
+                    <a:gridCol w="2646636">
+                      <a:extLst>
+                        <a:ext uri="{9D8B030D-6E8A-4147-A177-3AD203B41FA5}">
+                          <a16:colId xmlns:a16="http://schemas.microsoft.com/office/drawing/2014/main" val="2099251256"/>
+                        </a:ext>
+                      </a:extLst>
+                    </a:gridCol>
+                    <a:gridCol w="2028496">
+                      <a:extLst>
+                        <a:ext uri="{9D8B030D-6E8A-4147-A177-3AD203B41FA5}">
+                          <a16:colId xmlns:a16="http://schemas.microsoft.com/office/drawing/2014/main" val="3097509011"/>
+                        </a:ext>
+                      </a:extLst>
+                    </a:gridCol>
+                    <a:gridCol w="1502978">
+                      <a:extLst>
+                        <a:ext uri="{9D8B030D-6E8A-4147-A177-3AD203B41FA5}">
+                          <a16:colId xmlns:a16="http://schemas.microsoft.com/office/drawing/2014/main" val="2559676314"/>
+                        </a:ext>
+                      </a:extLst>
+                    </a:gridCol>
+                  </a:tblGrid>
+                  <a:tr h="640080">
+                    <a:tc>
+                      <a:txBody>
+                        <a:bodyPr/>
+                        <a:lstStyle/>
+                        <a:p>
+                          <a:pPr algn="ctr"/>
+                          <a:endParaRPr kumimoji="1" lang="ja-JP" altLang="en-US"/>
+                        </a:p>
+                      </a:txBody>
+                      <a:tcPr/>
+                    </a:tc>
+                    <a:tc>
+                      <a:txBody>
+                        <a:bodyPr/>
+                        <a:lstStyle/>
+                        <a:p>
+                          <a:pPr algn="ctr"/>
+                          <a:r>
+                            <a:rPr kumimoji="1" lang="ja-JP" altLang="en-US"/>
+                            <a:t>既存モデル</a:t>
+                          </a:r>
+                        </a:p>
+                      </a:txBody>
+                      <a:tcPr anchor="ctr"/>
+                    </a:tc>
+                    <a:tc>
+                      <a:txBody>
+                        <a:bodyPr/>
+                        <a:lstStyle/>
+                        <a:p>
+                          <a:endParaRPr lang="ja-JP"/>
+                        </a:p>
+                      </a:txBody>
+                      <a:tcPr>
+                        <a:blipFill>
+                          <a:blip r:embed="rId4"/>
+                          <a:stretch>
+                            <a:fillRect l="-96891" t="-3922" r="-253368" b="-129412"/>
+                          </a:stretch>
+                        </a:blipFill>
+                      </a:tcPr>
+                    </a:tc>
+                    <a:tc>
+                      <a:txBody>
+                        <a:bodyPr/>
+                        <a:lstStyle/>
+                        <a:p>
+                          <a:endParaRPr lang="ja-JP"/>
+                        </a:p>
+                      </a:txBody>
+                      <a:tcPr>
+                        <a:blipFill>
+                          <a:blip r:embed="rId4"/>
+                          <a:stretch>
+                            <a:fillRect l="-181818" t="-3922" r="-133971" b="-129412"/>
+                          </a:stretch>
+                        </a:blipFill>
+                      </a:tcPr>
+                    </a:tc>
+                    <a:tc>
+                      <a:txBody>
+                        <a:bodyPr/>
+                        <a:lstStyle/>
+                        <a:p>
+                          <a:endParaRPr lang="ja-JP"/>
+                        </a:p>
+                      </a:txBody>
+                      <a:tcPr>
+                        <a:blipFill>
+                          <a:blip r:embed="rId4"/>
+                          <a:stretch>
+                            <a:fillRect l="-370440" t="-3922" r="-76101" b="-129412"/>
+                          </a:stretch>
+                        </a:blipFill>
+                      </a:tcPr>
+                    </a:tc>
+                    <a:tc>
+                      <a:txBody>
+                        <a:bodyPr/>
+                        <a:lstStyle/>
+                        <a:p>
+                          <a:pPr algn="ctr"/>
+                          <a:r>
+                            <a:rPr kumimoji="1" lang="ja-JP" altLang="en-US"/>
+                            <a:t>提案モデル</a:t>
+                          </a:r>
+                        </a:p>
+                      </a:txBody>
+                      <a:tcPr anchor="ctr"/>
+                    </a:tc>
+                    <a:extLst>
+                      <a:ext uri="{0D108BD9-81ED-4DB2-BD59-A6C34878D82A}">
+                        <a16:rowId xmlns:a16="http://schemas.microsoft.com/office/drawing/2014/main" val="1769414338"/>
+                      </a:ext>
+                    </a:extLst>
+                  </a:tr>
+                  <a:tr h="365760">
+                    <a:tc>
+                      <a:txBody>
+                        <a:bodyPr/>
+                        <a:lstStyle/>
+                        <a:p>
+                          <a:pPr algn="ctr"/>
+                          <a:r>
+                            <a:rPr kumimoji="1" lang="en-US" altLang="ja-JP" dirty="0"/>
+                            <a:t>WAIC</a:t>
+                          </a:r>
+                          <a:endParaRPr kumimoji="1" lang="ja-JP" altLang="en-US"/>
+                        </a:p>
+                      </a:txBody>
+                      <a:tcPr/>
+                    </a:tc>
+                    <a:tc>
+                      <a:txBody>
+                        <a:bodyPr/>
+                        <a:lstStyle/>
+                        <a:p>
+                          <a:pPr algn="ctr"/>
+                          <a:r>
+                            <a:rPr kumimoji="1" lang="en-US" altLang="ja-JP" b="0" dirty="0">
+                              <a:solidFill>
+                                <a:schemeClr val="tx1"/>
+                              </a:solidFill>
+                            </a:rPr>
+                            <a:t>5361.581</a:t>
+                          </a:r>
+                          <a:endParaRPr kumimoji="1" lang="ja-JP" altLang="en-US" b="0">
+                            <a:solidFill>
+                              <a:schemeClr val="tx1"/>
+                            </a:solidFill>
+                          </a:endParaRPr>
+                        </a:p>
+                      </a:txBody>
+                      <a:tcPr/>
+                    </a:tc>
+                    <a:tc>
+                      <a:txBody>
+                        <a:bodyPr/>
+                        <a:lstStyle/>
+                        <a:p>
+                          <a:pPr marL="0" marR="0" lvl="0" indent="0" algn="ctr" defTabSz="914400" rtl="0" eaLnBrk="1" fontAlgn="auto" latinLnBrk="0" hangingPunct="1">
+                            <a:lnSpc>
+                              <a:spcPct val="100000"/>
+                            </a:lnSpc>
+                            <a:spcBef>
+                              <a:spcPts val="0"/>
+                            </a:spcBef>
+                            <a:spcAft>
+                              <a:spcPts val="0"/>
+                            </a:spcAft>
+                            <a:buClrTx/>
+                            <a:buSzTx/>
+                            <a:buFontTx/>
+                            <a:buNone/>
+                            <a:tabLst/>
+                            <a:defRPr/>
+                          </a:pPr>
+                          <a:r>
+                            <a:rPr kumimoji="1" lang="en-US" altLang="ja-JP" dirty="0">
+                              <a:solidFill>
+                                <a:schemeClr val="tx1"/>
+                              </a:solidFill>
+                            </a:rPr>
+                            <a:t>5225.050</a:t>
+                          </a:r>
+                          <a:endParaRPr kumimoji="1" lang="ja-JP" altLang="en-US">
+                            <a:solidFill>
+                              <a:schemeClr val="tx1"/>
+                            </a:solidFill>
+                          </a:endParaRPr>
+                        </a:p>
+                      </a:txBody>
+                      <a:tcPr/>
+                    </a:tc>
+                    <a:tc>
+                      <a:txBody>
+                        <a:bodyPr/>
+                        <a:lstStyle/>
+                        <a:p>
+                          <a:pPr algn="ctr"/>
+                          <a:r>
+                            <a:rPr kumimoji="1" lang="en-US" altLang="ja-JP" dirty="0">
+                              <a:solidFill>
+                                <a:schemeClr val="tx1"/>
+                              </a:solidFill>
+                            </a:rPr>
+                            <a:t>5104.463</a:t>
+                          </a:r>
+                          <a:endParaRPr kumimoji="1" lang="ja-JP" altLang="en-US">
+                            <a:solidFill>
+                              <a:schemeClr val="tx1"/>
+                            </a:solidFill>
+                          </a:endParaRPr>
+                        </a:p>
+                      </a:txBody>
+                      <a:tcPr/>
+                    </a:tc>
+                    <a:tc>
+                      <a:txBody>
+                        <a:bodyPr/>
+                        <a:lstStyle/>
+                        <a:p>
+                          <a:pPr algn="ctr"/>
+                          <a:r>
+                            <a:rPr kumimoji="1" lang="en-US" altLang="ja-JP" dirty="0">
+                              <a:solidFill>
+                                <a:schemeClr val="tx1"/>
+                              </a:solidFill>
+                            </a:rPr>
+                            <a:t>5032.362</a:t>
+                          </a:r>
+                          <a:endParaRPr kumimoji="1" lang="ja-JP" altLang="en-US">
+                            <a:solidFill>
+                              <a:schemeClr val="tx1"/>
+                            </a:solidFill>
+                          </a:endParaRPr>
+                        </a:p>
+                      </a:txBody>
+                      <a:tcPr/>
+                    </a:tc>
+                    <a:tc>
+                      <a:txBody>
+                        <a:bodyPr/>
+                        <a:lstStyle/>
+                        <a:p>
+                          <a:pPr algn="ctr"/>
+                          <a:r>
+                            <a:rPr kumimoji="1" lang="en-US" altLang="ja-JP" b="1" dirty="0">
+                              <a:solidFill>
+                                <a:srgbClr val="FF0000"/>
+                              </a:solidFill>
+                            </a:rPr>
+                            <a:t>5027.951</a:t>
+                          </a:r>
+                          <a:endParaRPr kumimoji="1" lang="ja-JP" altLang="en-US" b="1">
+                            <a:solidFill>
+                              <a:srgbClr val="FF0000"/>
+                            </a:solidFill>
+                          </a:endParaRPr>
+                        </a:p>
+                      </a:txBody>
+                      <a:tcPr/>
+                    </a:tc>
+                    <a:extLst>
+                      <a:ext uri="{0D108BD9-81ED-4DB2-BD59-A6C34878D82A}">
+                        <a16:rowId xmlns:a16="http://schemas.microsoft.com/office/drawing/2014/main" val="643480186"/>
+                      </a:ext>
+                    </a:extLst>
+                  </a:tr>
+                  <a:tr h="365760">
+                    <a:tc>
+                      <a:txBody>
+                        <a:bodyPr/>
+                        <a:lstStyle/>
+                        <a:p>
+                          <a:pPr algn="ctr"/>
+                          <a:r>
+                            <a:rPr kumimoji="1" lang="en-US" altLang="ja-JP" dirty="0"/>
+                            <a:t>WBIC</a:t>
+                          </a:r>
+                          <a:endParaRPr kumimoji="1" lang="ja-JP" altLang="en-US"/>
+                        </a:p>
+                      </a:txBody>
+                      <a:tcPr/>
+                    </a:tc>
+                    <a:tc>
+                      <a:txBody>
+                        <a:bodyPr/>
+                        <a:lstStyle/>
+                        <a:p>
+                          <a:pPr algn="ctr"/>
+                          <a:r>
+                            <a:rPr kumimoji="1" lang="en-US" altLang="ja-JP" dirty="0">
+                              <a:solidFill>
+                                <a:schemeClr val="tx1"/>
+                              </a:solidFill>
+                            </a:rPr>
+                            <a:t>3071.706</a:t>
+                          </a:r>
+                          <a:endParaRPr kumimoji="1" lang="ja-JP" altLang="en-US">
+                            <a:solidFill>
+                              <a:schemeClr val="tx1"/>
+                            </a:solidFill>
+                          </a:endParaRPr>
+                        </a:p>
+                      </a:txBody>
+                      <a:tcPr/>
+                    </a:tc>
+                    <a:tc>
+                      <a:txBody>
+                        <a:bodyPr/>
+                        <a:lstStyle/>
+                        <a:p>
+                          <a:pPr algn="ctr"/>
+                          <a:r>
+                            <a:rPr kumimoji="1" lang="en-US" altLang="ja-JP" dirty="0">
+                              <a:solidFill>
+                                <a:schemeClr val="tx1"/>
+                              </a:solidFill>
+                            </a:rPr>
+                            <a:t>3038.600</a:t>
+                          </a:r>
+                          <a:endParaRPr kumimoji="1" lang="ja-JP" altLang="en-US">
+                            <a:solidFill>
+                              <a:schemeClr val="tx1"/>
+                            </a:solidFill>
+                          </a:endParaRPr>
+                        </a:p>
+                      </a:txBody>
+                      <a:tcPr/>
+                    </a:tc>
+                    <a:tc>
+                      <a:txBody>
+                        <a:bodyPr/>
+                        <a:lstStyle/>
+                        <a:p>
+                          <a:pPr algn="ctr"/>
+                          <a:r>
+                            <a:rPr kumimoji="1" lang="en-US" altLang="ja-JP" dirty="0">
+                              <a:solidFill>
+                                <a:schemeClr val="tx1"/>
+                              </a:solidFill>
+                            </a:rPr>
+                            <a:t>3056.349</a:t>
+                          </a:r>
+                          <a:endParaRPr kumimoji="1" lang="ja-JP" altLang="en-US">
+                            <a:solidFill>
+                              <a:schemeClr val="tx1"/>
+                            </a:solidFill>
+                          </a:endParaRPr>
+                        </a:p>
+                      </a:txBody>
+                      <a:tcPr/>
+                    </a:tc>
+                    <a:tc>
+                      <a:txBody>
+                        <a:bodyPr/>
+                        <a:lstStyle/>
+                        <a:p>
+                          <a:pPr algn="ctr"/>
+                          <a:r>
+                            <a:rPr kumimoji="1" lang="en-US" altLang="ja-JP" b="1" dirty="0">
+                              <a:solidFill>
+                                <a:srgbClr val="FF0000"/>
+                              </a:solidFill>
+                            </a:rPr>
+                            <a:t>3028.649</a:t>
+                          </a:r>
+                          <a:endParaRPr kumimoji="1" lang="ja-JP" altLang="en-US" b="1">
+                            <a:solidFill>
+                              <a:srgbClr val="FF0000"/>
+                            </a:solidFill>
+                          </a:endParaRPr>
+                        </a:p>
+                      </a:txBody>
+                      <a:tcPr/>
+                    </a:tc>
+                    <a:tc>
+                      <a:txBody>
+                        <a:bodyPr/>
+                        <a:lstStyle/>
+                        <a:p>
+                          <a:pPr algn="ctr"/>
+                          <a:r>
+                            <a:rPr kumimoji="1" lang="en-US" altLang="ja-JP" dirty="0">
+                              <a:solidFill>
+                                <a:schemeClr val="tx1"/>
+                              </a:solidFill>
+                            </a:rPr>
+                            <a:t>3033.753</a:t>
+                          </a:r>
+                          <a:endParaRPr kumimoji="1" lang="ja-JP" altLang="en-US">
+                            <a:solidFill>
+                              <a:schemeClr val="tx1"/>
+                            </a:solidFill>
+                          </a:endParaRPr>
+                        </a:p>
+                      </a:txBody>
+                      <a:tcPr/>
+                    </a:tc>
+                    <a:extLst>
+                      <a:ext uri="{0D108BD9-81ED-4DB2-BD59-A6C34878D82A}">
+                        <a16:rowId xmlns:a16="http://schemas.microsoft.com/office/drawing/2014/main" val="3440220993"/>
+                      </a:ext>
+                    </a:extLst>
+                  </a:tr>
+                </a:tbl>
+              </a:graphicData>
+            </a:graphic>
+          </p:graphicFrame>
+        </mc:Fallback>
+      </mc:AlternateContent>
       <p:sp>
         <p:nvSpPr>
           <p:cNvPr id="9" name="テキスト ボックス 8">
@@ -18882,7 +20144,7 @@
 </p:sld>
 </file>
 
-<file path=ppt/slides/slide16.xml><?xml version="1.0" encoding="utf-8"?>
+<file path=ppt/slides/slide15.xml><?xml version="1.0" encoding="utf-8"?>
 <p:sld xmlns:a="http://schemas.openxmlformats.org/drawingml/2006/main" xmlns:r="http://schemas.openxmlformats.org/officeDocument/2006/relationships" xmlns:p="http://schemas.openxmlformats.org/presentationml/2006/main">
   <p:cSld>
     <p:spTree>
@@ -19002,7 +20264,7 @@
 </p:sld>
 </file>
 
-<file path=ppt/slides/slide17.xml><?xml version="1.0" encoding="utf-8"?>
+<file path=ppt/slides/slide16.xml><?xml version="1.0" encoding="utf-8"?>
 <p:sld xmlns:a="http://schemas.openxmlformats.org/drawingml/2006/main" xmlns:r="http://schemas.openxmlformats.org/officeDocument/2006/relationships" xmlns:p="http://schemas.openxmlformats.org/presentationml/2006/main">
   <p:cSld>
     <p:spTree>
@@ -19062,7 +20324,7 @@
 </p:sld>
 </file>
 
-<file path=ppt/slides/slide18.xml><?xml version="1.0" encoding="utf-8"?>
+<file path=ppt/slides/slide17.xml><?xml version="1.0" encoding="utf-8"?>
 <p:sld xmlns:a="http://schemas.openxmlformats.org/drawingml/2006/main" xmlns:r="http://schemas.openxmlformats.org/officeDocument/2006/relationships" xmlns:p="http://schemas.openxmlformats.org/presentationml/2006/main">
   <p:cSld>
     <p:spTree>
@@ -19145,7 +20407,7 @@
 </p:sld>
 </file>
 
-<file path=ppt/slides/slide19.xml><?xml version="1.0" encoding="utf-8"?>
+<file path=ppt/slides/slide18.xml><?xml version="1.0" encoding="utf-8"?>
 <p:sld xmlns:a="http://schemas.openxmlformats.org/drawingml/2006/main" xmlns:r="http://schemas.openxmlformats.org/officeDocument/2006/relationships" xmlns:p="http://schemas.openxmlformats.org/presentationml/2006/main">
   <p:cSld>
     <p:spTree>
@@ -19833,336 +21095,7 @@
 </p:sld>
 </file>
 
-<file path=ppt/slides/slide2.xml><?xml version="1.0" encoding="utf-8"?>
-<p:sld xmlns:a="http://schemas.openxmlformats.org/drawingml/2006/main" xmlns:r="http://schemas.openxmlformats.org/officeDocument/2006/relationships" xmlns:p="http://schemas.openxmlformats.org/presentationml/2006/main">
-  <p:cSld>
-    <p:spTree>
-      <p:nvGrpSpPr>
-        <p:cNvPr id="1" name=""/>
-        <p:cNvGrpSpPr/>
-        <p:nvPr/>
-      </p:nvGrpSpPr>
-      <p:grpSpPr>
-        <a:xfrm>
-          <a:off x="0" y="0"/>
-          <a:ext cx="0" cy="0"/>
-          <a:chOff x="0" y="0"/>
-          <a:chExt cx="0" cy="0"/>
-        </a:xfrm>
-      </p:grpSpPr>
-      <p:sp>
-        <p:nvSpPr>
-          <p:cNvPr id="2" name="タイトル 1">
-            <a:extLst>
-              <a:ext uri="{FF2B5EF4-FFF2-40B4-BE49-F238E27FC236}">
-                <a16:creationId xmlns:a16="http://schemas.microsoft.com/office/drawing/2014/main" id="{5CBCD1BA-84A7-BE49-B534-73C1473A22E4}"/>
-              </a:ext>
-            </a:extLst>
-          </p:cNvPr>
-          <p:cNvSpPr>
-            <a:spLocks noGrp="1"/>
-          </p:cNvSpPr>
-          <p:nvPr>
-            <p:ph type="title"/>
-          </p:nvPr>
-        </p:nvSpPr>
-        <p:spPr/>
-        <p:txBody>
-          <a:bodyPr/>
-          <a:lstStyle/>
-          <a:p>
-            <a:r>
-              <a:rPr kumimoji="1" lang="ja-JP" altLang="en-US"/>
-              <a:t>はじめに</a:t>
-            </a:r>
-          </a:p>
-        </p:txBody>
-      </p:sp>
-      <p:sp>
-        <p:nvSpPr>
-          <p:cNvPr id="3" name="コンテンツ プレースホルダー 2">
-            <a:extLst>
-              <a:ext uri="{FF2B5EF4-FFF2-40B4-BE49-F238E27FC236}">
-                <a16:creationId xmlns:a16="http://schemas.microsoft.com/office/drawing/2014/main" id="{3B715AD4-C8F3-F644-80C9-586FD6432A23}"/>
-              </a:ext>
-            </a:extLst>
-          </p:cNvPr>
-          <p:cNvSpPr>
-            <a:spLocks noGrp="1"/>
-          </p:cNvSpPr>
-          <p:nvPr>
-            <p:ph idx="1"/>
-          </p:nvPr>
-        </p:nvSpPr>
-        <p:spPr/>
-        <p:txBody>
-          <a:bodyPr>
-            <a:normAutofit fontScale="70000" lnSpcReduction="20000"/>
-          </a:bodyPr>
-          <a:lstStyle/>
-          <a:p>
-            <a:pPr marL="0" indent="0">
-              <a:lnSpc>
-                <a:spcPct val="120000"/>
-              </a:lnSpc>
-              <a:buNone/>
-            </a:pPr>
-            <a:r>
-              <a:rPr lang="ja-JP" altLang="en-US"/>
-              <a:t>近年，大学入試や資格試験，教育評価などの場において，</a:t>
-            </a:r>
-            <a:r>
-              <a:rPr lang="ja-JP" altLang="en-US" b="1"/>
-              <a:t>パフォーマンス評価</a:t>
-            </a:r>
-            <a:r>
-              <a:rPr lang="ja-JP" altLang="en-US"/>
-              <a:t>は重要な役割を果たしている．</a:t>
-            </a:r>
-            <a:endParaRPr lang="en-US" altLang="ja-JP" dirty="0"/>
-          </a:p>
-          <a:p>
-            <a:endParaRPr lang="en-US" altLang="ja-JP" dirty="0"/>
-          </a:p>
-          <a:p>
-            <a:pPr marL="0" indent="0">
-              <a:buNone/>
-            </a:pPr>
-            <a:r>
-              <a:rPr lang="ja-JP" altLang="en-US"/>
-              <a:t>パフォーマンス評価の採点に</a:t>
-            </a:r>
-            <a:r>
-              <a:rPr lang="ja-JP" altLang="en-US" b="1"/>
-              <a:t>偏り</a:t>
-            </a:r>
-            <a:r>
-              <a:rPr lang="ja-JP" altLang="en-US"/>
-              <a:t>が生じる原因</a:t>
-            </a:r>
-            <a:endParaRPr lang="en-US" altLang="ja-JP" dirty="0"/>
-          </a:p>
-          <a:p>
-            <a:endParaRPr lang="en-US" altLang="ja-JP" dirty="0"/>
-          </a:p>
-          <a:p>
-            <a:pPr marL="514350" indent="-514350">
-              <a:buFont typeface="+mj-lt"/>
-              <a:buAutoNum type="arabicPeriod"/>
-            </a:pPr>
-            <a:r>
-              <a:rPr lang="ja-JP" altLang="en-US"/>
-              <a:t>評価者の一貫性の違い</a:t>
-            </a:r>
-            <a:endParaRPr lang="en-US" altLang="ja-JP" dirty="0"/>
-          </a:p>
-          <a:p>
-            <a:pPr marL="514350" indent="-514350">
-              <a:buFont typeface="+mj-lt"/>
-              <a:buAutoNum type="arabicPeriod"/>
-            </a:pPr>
-            <a:r>
-              <a:rPr lang="ja-JP" altLang="en-US"/>
-              <a:t>評価者の厳しさの違い</a:t>
-            </a:r>
-            <a:endParaRPr lang="en-US" altLang="ja-JP" dirty="0"/>
-          </a:p>
-          <a:p>
-            <a:pPr marL="514350" indent="-514350">
-              <a:buFont typeface="+mj-lt"/>
-              <a:buAutoNum type="arabicPeriod"/>
-            </a:pPr>
-            <a:r>
-              <a:rPr lang="ja-JP" altLang="en-US"/>
-              <a:t>評価者の各得点の使用傾向の違い</a:t>
-            </a:r>
-            <a:endParaRPr lang="en-US" altLang="ja-JP" dirty="0"/>
-          </a:p>
-          <a:p>
-            <a:pPr marL="0" indent="0">
-              <a:buNone/>
-            </a:pPr>
-            <a:r>
-              <a:rPr lang="ja-JP" altLang="en-US"/>
-              <a:t>　　　　　　　　　　　　　　　　　など</a:t>
-            </a:r>
-            <a:r>
-              <a:rPr lang="en-US" altLang="ja-JP" dirty="0"/>
-              <a:t>...</a:t>
-            </a:r>
-          </a:p>
-          <a:p>
-            <a:pPr marL="0" indent="0">
-              <a:lnSpc>
-                <a:spcPct val="120000"/>
-              </a:lnSpc>
-              <a:buNone/>
-            </a:pPr>
-            <a:endParaRPr lang="en-US" altLang="ja-JP" dirty="0"/>
-          </a:p>
-          <a:p>
-            <a:pPr marL="0" indent="0">
-              <a:lnSpc>
-                <a:spcPct val="120000"/>
-              </a:lnSpc>
-              <a:buNone/>
-            </a:pPr>
-            <a:r>
-              <a:rPr lang="ja-JP" altLang="en-US"/>
-              <a:t>この問題を解決するために</a:t>
-            </a:r>
-            <a:r>
-              <a:rPr lang="ja-JP" altLang="en-US" b="1">
-                <a:solidFill>
-                  <a:srgbClr val="FF0000"/>
-                </a:solidFill>
-              </a:rPr>
-              <a:t>項目反応理論</a:t>
-            </a:r>
-            <a:r>
-              <a:rPr lang="en-US" altLang="ja-JP" b="1" dirty="0">
-                <a:solidFill>
-                  <a:srgbClr val="FF0000"/>
-                </a:solidFill>
-              </a:rPr>
-              <a:t>(</a:t>
-            </a:r>
-            <a:r>
-              <a:rPr lang="en" altLang="ja-JP" b="1" dirty="0">
-                <a:solidFill>
-                  <a:srgbClr val="FF0000"/>
-                </a:solidFill>
-              </a:rPr>
-              <a:t>Item response </a:t>
-            </a:r>
-            <a:r>
-              <a:rPr lang="en" altLang="ja-JP" b="1" dirty="0" err="1">
-                <a:solidFill>
-                  <a:srgbClr val="FF0000"/>
-                </a:solidFill>
-              </a:rPr>
-              <a:t>theory:IRT</a:t>
-            </a:r>
-            <a:r>
-              <a:rPr lang="en" altLang="ja-JP" b="1" dirty="0">
-                <a:solidFill>
-                  <a:srgbClr val="FF0000"/>
-                </a:solidFill>
-              </a:rPr>
-              <a:t>)</a:t>
-            </a:r>
-            <a:r>
-              <a:rPr lang="ja-JP" altLang="en-US"/>
-              <a:t>と呼ばれる数理モデルの利用が近年注目されている．</a:t>
-            </a:r>
-          </a:p>
-          <a:p>
-            <a:endParaRPr kumimoji="1" lang="ja-JP" altLang="en-US"/>
-          </a:p>
-        </p:txBody>
-      </p:sp>
-      <p:sp>
-        <p:nvSpPr>
-          <p:cNvPr id="5" name="右矢印 4">
-            <a:extLst>
-              <a:ext uri="{FF2B5EF4-FFF2-40B4-BE49-F238E27FC236}">
-                <a16:creationId xmlns:a16="http://schemas.microsoft.com/office/drawing/2014/main" id="{34F5F815-D10C-E541-996C-C2198BD3F906}"/>
-              </a:ext>
-            </a:extLst>
-          </p:cNvPr>
-          <p:cNvSpPr/>
-          <p:nvPr/>
-        </p:nvSpPr>
-        <p:spPr>
-          <a:xfrm>
-            <a:off x="6256962" y="4003143"/>
-            <a:ext cx="729465" cy="318499"/>
-          </a:xfrm>
-          <a:prstGeom prst="rightArrow">
-            <a:avLst/>
-          </a:prstGeom>
-        </p:spPr>
-        <p:style>
-          <a:lnRef idx="2">
-            <a:schemeClr val="accent1">
-              <a:shade val="50000"/>
-            </a:schemeClr>
-          </a:lnRef>
-          <a:fillRef idx="1">
-            <a:schemeClr val="accent1"/>
-          </a:fillRef>
-          <a:effectRef idx="0">
-            <a:schemeClr val="accent1"/>
-          </a:effectRef>
-          <a:fontRef idx="minor">
-            <a:schemeClr val="lt1"/>
-          </a:fontRef>
-        </p:style>
-        <p:txBody>
-          <a:bodyPr rtlCol="0" anchor="ctr"/>
-          <a:lstStyle/>
-          <a:p>
-            <a:pPr algn="ctr"/>
-            <a:endParaRPr kumimoji="1" lang="ja-JP" altLang="en-US"/>
-          </a:p>
-        </p:txBody>
-      </p:sp>
-      <p:sp>
-        <p:nvSpPr>
-          <p:cNvPr id="6" name="テキスト ボックス 5">
-            <a:extLst>
-              <a:ext uri="{FF2B5EF4-FFF2-40B4-BE49-F238E27FC236}">
-                <a16:creationId xmlns:a16="http://schemas.microsoft.com/office/drawing/2014/main" id="{EE435CE3-830C-8243-8243-4BBDB688FA9C}"/>
-              </a:ext>
-            </a:extLst>
-          </p:cNvPr>
-          <p:cNvSpPr txBox="1"/>
-          <p:nvPr/>
-        </p:nvSpPr>
-        <p:spPr>
-          <a:xfrm>
-            <a:off x="7212886" y="3746893"/>
-            <a:ext cx="3914454" cy="830997"/>
-          </a:xfrm>
-          <a:prstGeom prst="rect">
-            <a:avLst/>
-          </a:prstGeom>
-          <a:noFill/>
-        </p:spPr>
-        <p:txBody>
-          <a:bodyPr wrap="square" rtlCol="0">
-            <a:spAutoFit/>
-          </a:bodyPr>
-          <a:lstStyle/>
-          <a:p>
-            <a:r>
-              <a:rPr lang="ja-JP" altLang="en-US" sz="2400"/>
-              <a:t>受検者の能力測定の</a:t>
-            </a:r>
-            <a:endParaRPr lang="en-US" altLang="ja-JP" sz="2400" dirty="0"/>
-          </a:p>
-          <a:p>
-            <a:r>
-              <a:rPr lang="ja-JP" altLang="en-US" sz="2400"/>
-              <a:t>信頼性が低下</a:t>
-            </a:r>
-          </a:p>
-        </p:txBody>
-      </p:sp>
-    </p:spTree>
-    <p:extLst>
-      <p:ext uri="{BB962C8B-B14F-4D97-AF65-F5344CB8AC3E}">
-        <p14:creationId xmlns:p14="http://schemas.microsoft.com/office/powerpoint/2010/main" val="284938793"/>
-      </p:ext>
-    </p:extLst>
-  </p:cSld>
-  <p:clrMapOvr>
-    <a:masterClrMapping/>
-  </p:clrMapOvr>
-</p:sld>
-</file>
-
-<file path=ppt/slides/slide20.xml><?xml version="1.0" encoding="utf-8"?>
+<file path=ppt/slides/slide19.xml><?xml version="1.0" encoding="utf-8"?>
 <p:sld xmlns:a="http://schemas.openxmlformats.org/drawingml/2006/main" xmlns:r="http://schemas.openxmlformats.org/officeDocument/2006/relationships" xmlns:p="http://schemas.openxmlformats.org/presentationml/2006/main">
   <p:cSld>
     <p:spTree>
@@ -20639,7 +21572,346 @@
 </p:sld>
 </file>
 
-<file path=ppt/slides/slide21.xml><?xml version="1.0" encoding="utf-8"?>
+<file path=ppt/slides/slide2.xml><?xml version="1.0" encoding="utf-8"?>
+<p:sld xmlns:a="http://schemas.openxmlformats.org/drawingml/2006/main" xmlns:r="http://schemas.openxmlformats.org/officeDocument/2006/relationships" xmlns:p="http://schemas.openxmlformats.org/presentationml/2006/main">
+  <p:cSld>
+    <p:spTree>
+      <p:nvGrpSpPr>
+        <p:cNvPr id="1" name=""/>
+        <p:cNvGrpSpPr/>
+        <p:nvPr/>
+      </p:nvGrpSpPr>
+      <p:grpSpPr>
+        <a:xfrm>
+          <a:off x="0" y="0"/>
+          <a:ext cx="0" cy="0"/>
+          <a:chOff x="0" y="0"/>
+          <a:chExt cx="0" cy="0"/>
+        </a:xfrm>
+      </p:grpSpPr>
+      <p:sp>
+        <p:nvSpPr>
+          <p:cNvPr id="2" name="タイトル 1">
+            <a:extLst>
+              <a:ext uri="{FF2B5EF4-FFF2-40B4-BE49-F238E27FC236}">
+                <a16:creationId xmlns:a16="http://schemas.microsoft.com/office/drawing/2014/main" id="{5CBCD1BA-84A7-BE49-B534-73C1473A22E4}"/>
+              </a:ext>
+            </a:extLst>
+          </p:cNvPr>
+          <p:cNvSpPr>
+            <a:spLocks noGrp="1"/>
+          </p:cNvSpPr>
+          <p:nvPr>
+            <p:ph type="title"/>
+          </p:nvPr>
+        </p:nvSpPr>
+        <p:spPr/>
+        <p:txBody>
+          <a:bodyPr/>
+          <a:lstStyle/>
+          <a:p>
+            <a:r>
+              <a:rPr kumimoji="1" lang="ja-JP" altLang="en-US"/>
+              <a:t>はじめに</a:t>
+            </a:r>
+          </a:p>
+        </p:txBody>
+      </p:sp>
+      <p:sp>
+        <p:nvSpPr>
+          <p:cNvPr id="3" name="コンテンツ プレースホルダー 2">
+            <a:extLst>
+              <a:ext uri="{FF2B5EF4-FFF2-40B4-BE49-F238E27FC236}">
+                <a16:creationId xmlns:a16="http://schemas.microsoft.com/office/drawing/2014/main" id="{3B715AD4-C8F3-F644-80C9-586FD6432A23}"/>
+              </a:ext>
+            </a:extLst>
+          </p:cNvPr>
+          <p:cNvSpPr>
+            <a:spLocks noGrp="1"/>
+          </p:cNvSpPr>
+          <p:nvPr>
+            <p:ph idx="1"/>
+          </p:nvPr>
+        </p:nvSpPr>
+        <p:spPr/>
+        <p:txBody>
+          <a:bodyPr>
+            <a:normAutofit fontScale="70000" lnSpcReduction="20000"/>
+          </a:bodyPr>
+          <a:lstStyle/>
+          <a:p>
+            <a:pPr marL="0" indent="0">
+              <a:lnSpc>
+                <a:spcPct val="120000"/>
+              </a:lnSpc>
+              <a:buNone/>
+            </a:pPr>
+            <a:r>
+              <a:rPr lang="ja-JP" altLang="en-US"/>
+              <a:t>近年，大学入試や資格試験，教育評価などの場において，</a:t>
+            </a:r>
+            <a:r>
+              <a:rPr lang="ja-JP" altLang="en-US" b="1"/>
+              <a:t>パフォーマンス評価</a:t>
+            </a:r>
+            <a:r>
+              <a:rPr lang="ja-JP" altLang="en-US"/>
+              <a:t>は重要な役割を果たしている．</a:t>
+            </a:r>
+            <a:endParaRPr lang="en-US" altLang="ja-JP" dirty="0"/>
+          </a:p>
+          <a:p>
+            <a:endParaRPr lang="en-US" altLang="ja-JP" dirty="0"/>
+          </a:p>
+          <a:p>
+            <a:pPr marL="0" indent="0">
+              <a:buNone/>
+            </a:pPr>
+            <a:r>
+              <a:rPr lang="ja-JP" altLang="en-US"/>
+              <a:t>パフォーマンス評価の採点に</a:t>
+            </a:r>
+            <a:r>
+              <a:rPr lang="ja-JP" altLang="en-US" b="1"/>
+              <a:t>偏り</a:t>
+            </a:r>
+            <a:r>
+              <a:rPr lang="ja-JP" altLang="en-US"/>
+              <a:t>が生じる原因</a:t>
+            </a:r>
+            <a:endParaRPr lang="en-US" altLang="ja-JP" dirty="0"/>
+          </a:p>
+          <a:p>
+            <a:endParaRPr lang="en-US" altLang="ja-JP" dirty="0"/>
+          </a:p>
+          <a:p>
+            <a:pPr marL="514350" indent="-514350">
+              <a:buFont typeface="+mj-lt"/>
+              <a:buAutoNum type="arabicPeriod"/>
+            </a:pPr>
+            <a:r>
+              <a:rPr lang="ja-JP" altLang="en-US"/>
+              <a:t>評価者の一貫性の違い</a:t>
+            </a:r>
+            <a:endParaRPr lang="en-US" altLang="ja-JP" dirty="0"/>
+          </a:p>
+          <a:p>
+            <a:pPr marL="514350" indent="-514350">
+              <a:buFont typeface="+mj-lt"/>
+              <a:buAutoNum type="arabicPeriod"/>
+            </a:pPr>
+            <a:r>
+              <a:rPr lang="ja-JP" altLang="en-US"/>
+              <a:t>評価者の厳しさの違い</a:t>
+            </a:r>
+            <a:endParaRPr lang="en-US" altLang="ja-JP" dirty="0"/>
+          </a:p>
+          <a:p>
+            <a:pPr marL="514350" indent="-514350">
+              <a:buFont typeface="+mj-lt"/>
+              <a:buAutoNum type="arabicPeriod"/>
+            </a:pPr>
+            <a:r>
+              <a:rPr lang="ja-JP" altLang="en-US"/>
+              <a:t>評価者の各得点の使用傾向の違い</a:t>
+            </a:r>
+            <a:endParaRPr lang="en-US" altLang="ja-JP" dirty="0"/>
+          </a:p>
+          <a:p>
+            <a:pPr marL="0" indent="0">
+              <a:buNone/>
+            </a:pPr>
+            <a:r>
+              <a:rPr lang="ja-JP" altLang="en-US"/>
+              <a:t>　　　　　　　　　　　　　　　　　など</a:t>
+            </a:r>
+            <a:r>
+              <a:rPr lang="en-US" altLang="ja-JP" dirty="0"/>
+              <a:t>...</a:t>
+            </a:r>
+          </a:p>
+          <a:p>
+            <a:pPr marL="0" indent="0">
+              <a:lnSpc>
+                <a:spcPct val="120000"/>
+              </a:lnSpc>
+              <a:buNone/>
+            </a:pPr>
+            <a:endParaRPr lang="en-US" altLang="ja-JP" dirty="0"/>
+          </a:p>
+          <a:p>
+            <a:pPr marL="0" indent="0">
+              <a:lnSpc>
+                <a:spcPct val="120000"/>
+              </a:lnSpc>
+              <a:buNone/>
+            </a:pPr>
+            <a:r>
+              <a:rPr lang="ja-JP" altLang="en-US"/>
+              <a:t>この問題を解決するために</a:t>
+            </a:r>
+            <a:r>
+              <a:rPr lang="ja-JP" altLang="en-US" b="1">
+                <a:solidFill>
+                  <a:srgbClr val="FF0000"/>
+                </a:solidFill>
+              </a:rPr>
+              <a:t>項目反応理論</a:t>
+            </a:r>
+            <a:r>
+              <a:rPr lang="en-US" altLang="ja-JP" b="1" dirty="0">
+                <a:solidFill>
+                  <a:srgbClr val="FF0000"/>
+                </a:solidFill>
+              </a:rPr>
+              <a:t>(</a:t>
+            </a:r>
+            <a:r>
+              <a:rPr lang="en" altLang="ja-JP" b="1" dirty="0">
+                <a:solidFill>
+                  <a:srgbClr val="FF0000"/>
+                </a:solidFill>
+              </a:rPr>
+              <a:t>Item response </a:t>
+            </a:r>
+            <a:r>
+              <a:rPr lang="en" altLang="ja-JP" b="1" dirty="0" err="1">
+                <a:solidFill>
+                  <a:srgbClr val="FF0000"/>
+                </a:solidFill>
+              </a:rPr>
+              <a:t>theory:IRT</a:t>
+            </a:r>
+            <a:r>
+              <a:rPr lang="en" altLang="ja-JP" b="1" dirty="0">
+                <a:solidFill>
+                  <a:srgbClr val="FF0000"/>
+                </a:solidFill>
+              </a:rPr>
+              <a:t>)</a:t>
+            </a:r>
+            <a:r>
+              <a:rPr lang="ja-JP" altLang="en-US"/>
+              <a:t>と呼ばれる数理モデルを評価者の特性を考慮できるように拡張した手法が提案されている．</a:t>
+            </a:r>
+            <a:endParaRPr lang="en-US" altLang="ja-JP" dirty="0"/>
+          </a:p>
+          <a:p>
+            <a:pPr marL="0" indent="0">
+              <a:lnSpc>
+                <a:spcPct val="120000"/>
+              </a:lnSpc>
+              <a:buNone/>
+            </a:pPr>
+            <a:endParaRPr lang="ja-JP" altLang="en-US"/>
+          </a:p>
+          <a:p>
+            <a:endParaRPr kumimoji="1" lang="ja-JP" altLang="en-US"/>
+          </a:p>
+        </p:txBody>
+      </p:sp>
+      <p:sp>
+        <p:nvSpPr>
+          <p:cNvPr id="5" name="右矢印 4">
+            <a:extLst>
+              <a:ext uri="{FF2B5EF4-FFF2-40B4-BE49-F238E27FC236}">
+                <a16:creationId xmlns:a16="http://schemas.microsoft.com/office/drawing/2014/main" id="{34F5F815-D10C-E541-996C-C2198BD3F906}"/>
+              </a:ext>
+            </a:extLst>
+          </p:cNvPr>
+          <p:cNvSpPr/>
+          <p:nvPr/>
+        </p:nvSpPr>
+        <p:spPr>
+          <a:xfrm>
+            <a:off x="6256962" y="4003143"/>
+            <a:ext cx="729465" cy="318499"/>
+          </a:xfrm>
+          <a:prstGeom prst="rightArrow">
+            <a:avLst/>
+          </a:prstGeom>
+        </p:spPr>
+        <p:style>
+          <a:lnRef idx="2">
+            <a:schemeClr val="accent1">
+              <a:shade val="50000"/>
+            </a:schemeClr>
+          </a:lnRef>
+          <a:fillRef idx="1">
+            <a:schemeClr val="accent1"/>
+          </a:fillRef>
+          <a:effectRef idx="0">
+            <a:schemeClr val="accent1"/>
+          </a:effectRef>
+          <a:fontRef idx="minor">
+            <a:schemeClr val="lt1"/>
+          </a:fontRef>
+        </p:style>
+        <p:txBody>
+          <a:bodyPr rtlCol="0" anchor="ctr"/>
+          <a:lstStyle/>
+          <a:p>
+            <a:pPr algn="ctr"/>
+            <a:endParaRPr kumimoji="1" lang="ja-JP" altLang="en-US"/>
+          </a:p>
+        </p:txBody>
+      </p:sp>
+      <p:sp>
+        <p:nvSpPr>
+          <p:cNvPr id="6" name="テキスト ボックス 5">
+            <a:extLst>
+              <a:ext uri="{FF2B5EF4-FFF2-40B4-BE49-F238E27FC236}">
+                <a16:creationId xmlns:a16="http://schemas.microsoft.com/office/drawing/2014/main" id="{EE435CE3-830C-8243-8243-4BBDB688FA9C}"/>
+              </a:ext>
+            </a:extLst>
+          </p:cNvPr>
+          <p:cNvSpPr txBox="1"/>
+          <p:nvPr/>
+        </p:nvSpPr>
+        <p:spPr>
+          <a:xfrm>
+            <a:off x="7212886" y="3746893"/>
+            <a:ext cx="3914454" cy="830997"/>
+          </a:xfrm>
+          <a:prstGeom prst="rect">
+            <a:avLst/>
+          </a:prstGeom>
+          <a:noFill/>
+        </p:spPr>
+        <p:txBody>
+          <a:bodyPr wrap="square" rtlCol="0">
+            <a:spAutoFit/>
+          </a:bodyPr>
+          <a:lstStyle/>
+          <a:p>
+            <a:r>
+              <a:rPr lang="ja-JP" altLang="en-US" sz="2400"/>
+              <a:t>受検者の能力測定の</a:t>
+            </a:r>
+            <a:endParaRPr lang="en-US" altLang="ja-JP" sz="2400" dirty="0"/>
+          </a:p>
+          <a:p>
+            <a:r>
+              <a:rPr lang="ja-JP" altLang="en-US" sz="2400"/>
+              <a:t>信頼性が低下</a:t>
+            </a:r>
+          </a:p>
+        </p:txBody>
+      </p:sp>
+    </p:spTree>
+    <p:extLst>
+      <p:ext uri="{BB962C8B-B14F-4D97-AF65-F5344CB8AC3E}">
+        <p14:creationId xmlns:p14="http://schemas.microsoft.com/office/powerpoint/2010/main" val="284938793"/>
+      </p:ext>
+    </p:extLst>
+  </p:cSld>
+  <p:clrMapOvr>
+    <a:masterClrMapping/>
+  </p:clrMapOvr>
+</p:sld>
+</file>
+
+<file path=ppt/slides/slide20.xml><?xml version="1.0" encoding="utf-8"?>
 <p:sld xmlns:a="http://schemas.openxmlformats.org/drawingml/2006/main" xmlns:r="http://schemas.openxmlformats.org/officeDocument/2006/relationships" xmlns:p="http://schemas.openxmlformats.org/presentationml/2006/main">
   <p:cSld>
     <p:spTree>
@@ -21258,7 +22530,7 @@
 </p:sld>
 </file>
 
-<file path=ppt/slides/slide22.xml><?xml version="1.0" encoding="utf-8"?>
+<file path=ppt/slides/slide21.xml><?xml version="1.0" encoding="utf-8"?>
 <p:sld xmlns:a="http://schemas.openxmlformats.org/drawingml/2006/main" xmlns:r="http://schemas.openxmlformats.org/officeDocument/2006/relationships" xmlns:p="http://schemas.openxmlformats.org/presentationml/2006/main">
   <p:cSld>
     <p:spTree>
@@ -21335,6 +22607,397 @@
     <p:extLst>
       <p:ext uri="{BB962C8B-B14F-4D97-AF65-F5344CB8AC3E}">
         <p14:creationId xmlns:p14="http://schemas.microsoft.com/office/powerpoint/2010/main" val="2529173525"/>
+      </p:ext>
+    </p:extLst>
+  </p:cSld>
+  <p:clrMapOvr>
+    <a:masterClrMapping/>
+  </p:clrMapOvr>
+</p:sld>
+</file>
+
+<file path=ppt/slides/slide22.xml><?xml version="1.0" encoding="utf-8"?>
+<p:sld xmlns:a="http://schemas.openxmlformats.org/drawingml/2006/main" xmlns:r="http://schemas.openxmlformats.org/officeDocument/2006/relationships" xmlns:p="http://schemas.openxmlformats.org/presentationml/2006/main">
+  <p:cSld>
+    <p:spTree>
+      <p:nvGrpSpPr>
+        <p:cNvPr id="1" name=""/>
+        <p:cNvGrpSpPr/>
+        <p:nvPr/>
+      </p:nvGrpSpPr>
+      <p:grpSpPr>
+        <a:xfrm>
+          <a:off x="0" y="0"/>
+          <a:ext cx="0" cy="0"/>
+          <a:chOff x="0" y="0"/>
+          <a:chExt cx="0" cy="0"/>
+        </a:xfrm>
+      </p:grpSpPr>
+      <mc:AlternateContent xmlns:mc="http://schemas.openxmlformats.org/markup-compatibility/2006" xmlns:a14="http://schemas.microsoft.com/office/drawing/2010/main">
+        <mc:Choice Requires="a14">
+          <p:sp>
+            <p:nvSpPr>
+              <p:cNvPr id="2" name="タイトル 1">
+                <a:extLst>
+                  <a:ext uri="{FF2B5EF4-FFF2-40B4-BE49-F238E27FC236}">
+                    <a16:creationId xmlns:a16="http://schemas.microsoft.com/office/drawing/2014/main" id="{FA48368E-680E-C742-B206-D84BAA851504}"/>
+                  </a:ext>
+                </a:extLst>
+              </p:cNvPr>
+              <p:cNvSpPr>
+                <a:spLocks noGrp="1"/>
+              </p:cNvSpPr>
+              <p:nvPr>
+                <p:ph type="title"/>
+              </p:nvPr>
+            </p:nvSpPr>
+            <p:spPr/>
+            <p:txBody>
+              <a:bodyPr/>
+              <a:lstStyle/>
+              <a:p>
+                <a14:m>
+                  <m:oMath xmlns:m="http://schemas.openxmlformats.org/officeDocument/2006/math">
+                    <m:sSub>
+                      <m:sSubPr>
+                        <m:ctrlPr>
+                          <a:rPr lang="en-US" altLang="ja-JP" i="1">
+                            <a:latin typeface="Cambria Math" panose="02040503050406030204" pitchFamily="18" charset="0"/>
+                          </a:rPr>
+                        </m:ctrlPr>
+                      </m:sSubPr>
+                      <m:e>
+                        <m:r>
+                          <a:rPr lang="ja-JP" altLang="en-US" i="1">
+                            <a:latin typeface="Cambria Math" panose="02040503050406030204" pitchFamily="18" charset="0"/>
+                          </a:rPr>
+                          <m:t>𝛽</m:t>
+                        </m:r>
+                      </m:e>
+                      <m:sub>
+                        <m:r>
+                          <a:rPr lang="en-US" altLang="ja-JP" i="1">
+                            <a:latin typeface="Cambria Math" panose="02040503050406030204" pitchFamily="18" charset="0"/>
+                          </a:rPr>
+                          <m:t>𝑟𝑡</m:t>
+                        </m:r>
+                      </m:sub>
+                    </m:sSub>
+                  </m:oMath>
+                </a14:m>
+                <a:r>
+                  <a:rPr lang="ja-JP" altLang="en-US"/>
+                  <a:t>の推定結果例</a:t>
+                </a:r>
+                <a:endParaRPr kumimoji="1" lang="ja-JP" altLang="en-US"/>
+              </a:p>
+            </p:txBody>
+          </p:sp>
+        </mc:Choice>
+        <mc:Fallback xmlns="">
+          <p:sp>
+            <p:nvSpPr>
+              <p:cNvPr id="2" name="タイトル 1">
+                <a:extLst>
+                  <a:ext uri="{FF2B5EF4-FFF2-40B4-BE49-F238E27FC236}">
+                    <a16:creationId xmlns:a16="http://schemas.microsoft.com/office/drawing/2014/main" id="{FA48368E-680E-C742-B206-D84BAA851504}"/>
+                  </a:ext>
+                </a:extLst>
+              </p:cNvPr>
+              <p:cNvSpPr>
+                <a:spLocks noGrp="1" noRot="1" noChangeAspect="1" noMove="1" noResize="1" noEditPoints="1" noAdjustHandles="1" noChangeArrowheads="1" noChangeShapeType="1" noTextEdit="1"/>
+              </p:cNvSpPr>
+              <p:nvPr>
+                <p:ph type="title"/>
+              </p:nvPr>
+            </p:nvSpPr>
+            <p:spPr>
+              <a:blipFill>
+                <a:blip r:embed="rId3"/>
+                <a:stretch>
+                  <a:fillRect l="-1689"/>
+                </a:stretch>
+              </a:blipFill>
+            </p:spPr>
+            <p:txBody>
+              <a:bodyPr/>
+              <a:lstStyle/>
+              <a:p>
+                <a:r>
+                  <a:rPr lang="ja-JP" altLang="en-US">
+                    <a:noFill/>
+                  </a:rPr>
+                  <a:t> </a:t>
+                </a:r>
+              </a:p>
+            </p:txBody>
+          </p:sp>
+        </mc:Fallback>
+      </mc:AlternateContent>
+      <mc:AlternateContent xmlns:mc="http://schemas.openxmlformats.org/markup-compatibility/2006" xmlns:a14="http://schemas.microsoft.com/office/drawing/2010/main">
+        <mc:Choice Requires="a14">
+          <p:sp>
+            <p:nvSpPr>
+              <p:cNvPr id="3" name="コンテンツ プレースホルダー 2">
+                <a:extLst>
+                  <a:ext uri="{FF2B5EF4-FFF2-40B4-BE49-F238E27FC236}">
+                    <a16:creationId xmlns:a16="http://schemas.microsoft.com/office/drawing/2014/main" id="{A4883734-68A7-DA46-BF1C-0A0954CF921F}"/>
+                  </a:ext>
+                </a:extLst>
+              </p:cNvPr>
+              <p:cNvSpPr>
+                <a:spLocks noGrp="1"/>
+              </p:cNvSpPr>
+              <p:nvPr>
+                <p:ph idx="1"/>
+              </p:nvPr>
+            </p:nvSpPr>
+            <p:spPr/>
+            <p:txBody>
+              <a:bodyPr>
+                <a:normAutofit/>
+              </a:bodyPr>
+              <a:lstStyle/>
+              <a:p>
+                <a:endParaRPr kumimoji="1" lang="en-US" altLang="ja-JP" dirty="0"/>
+              </a:p>
+              <a:p>
+                <a:endParaRPr lang="en-US" altLang="ja-JP" dirty="0"/>
+              </a:p>
+              <a:p>
+                <a:r>
+                  <a:rPr lang="ja-JP" altLang="en-US" sz="2000"/>
+                  <a:t>作成した真値に近い</a:t>
+                </a:r>
+                <a14:m>
+                  <m:oMath xmlns:m="http://schemas.openxmlformats.org/officeDocument/2006/math">
+                    <m:sSub>
+                      <m:sSubPr>
+                        <m:ctrlPr>
+                          <a:rPr lang="en-US" altLang="ja-JP" sz="2000" b="0" i="1" smtClean="0">
+                            <a:latin typeface="Cambria Math" panose="02040503050406030204" pitchFamily="18" charset="0"/>
+                          </a:rPr>
+                        </m:ctrlPr>
+                      </m:sSubPr>
+                      <m:e>
+                        <m:r>
+                          <a:rPr lang="ja-JP" altLang="en-US" sz="2000" i="1" smtClean="0">
+                            <a:latin typeface="Cambria Math" panose="02040503050406030204" pitchFamily="18" charset="0"/>
+                          </a:rPr>
+                          <m:t>𝛽</m:t>
+                        </m:r>
+                      </m:e>
+                      <m:sub>
+                        <m:r>
+                          <a:rPr lang="en-US" altLang="ja-JP" sz="2000" b="0" i="1" smtClean="0">
+                            <a:latin typeface="Cambria Math" panose="02040503050406030204" pitchFamily="18" charset="0"/>
+                          </a:rPr>
+                          <m:t>𝑟𝑡</m:t>
+                        </m:r>
+                      </m:sub>
+                    </m:sSub>
+                  </m:oMath>
+                </a14:m>
+                <a:r>
+                  <a:rPr lang="ja-JP" altLang="en-US" sz="2000"/>
+                  <a:t>の推定値が</a:t>
+                </a:r>
+                <a:endParaRPr lang="en-US" altLang="ja-JP" sz="2000" dirty="0"/>
+              </a:p>
+              <a:p>
+                <a:pPr marL="0" indent="0">
+                  <a:buNone/>
+                </a:pPr>
+                <a:r>
+                  <a:rPr lang="en-US" altLang="ja-JP" sz="2000" dirty="0"/>
+                  <a:t>     </a:t>
+                </a:r>
+                <a:r>
+                  <a:rPr lang="ja-JP" altLang="en-US" sz="2000"/>
+                  <a:t>得られていることがわかる．</a:t>
+                </a:r>
+                <a:endParaRPr lang="en-US" altLang="ja-JP" sz="2000" dirty="0"/>
+              </a:p>
+              <a:p>
+                <a:endParaRPr lang="en-US" altLang="ja-JP" dirty="0"/>
+              </a:p>
+              <a:p>
+                <a:endParaRPr lang="en-US" altLang="ja-JP" dirty="0"/>
+              </a:p>
+              <a:p>
+                <a:pPr marL="0" indent="0">
+                  <a:buNone/>
+                </a:pPr>
+                <a:endParaRPr kumimoji="1" lang="en-US" altLang="ja-JP" dirty="0"/>
+              </a:p>
+              <a:p>
+                <a:pPr marL="0" indent="0">
+                  <a:buNone/>
+                </a:pPr>
+                <a:r>
+                  <a:rPr kumimoji="1" lang="ja-JP" altLang="en-US"/>
+                  <a:t>→</a:t>
+                </a:r>
+                <a:r>
+                  <a:rPr kumimoji="1" lang="en-US" altLang="ja-JP" dirty="0"/>
+                  <a:t>MCMC</a:t>
+                </a:r>
+                <a:r>
+                  <a:rPr kumimoji="1" lang="ja-JP" altLang="en-US"/>
+                  <a:t>により提案モデルのパラメータを適切に推定できる</a:t>
+                </a:r>
+                <a:endParaRPr kumimoji="1" lang="en-US" altLang="ja-JP" dirty="0"/>
+              </a:p>
+              <a:p>
+                <a:pPr marL="0" indent="0">
+                  <a:buNone/>
+                </a:pPr>
+                <a:r>
+                  <a:rPr kumimoji="1" lang="ja-JP" altLang="en-US"/>
+                  <a:t>　ことがわかった</a:t>
+                </a:r>
+                <a:r>
+                  <a:rPr kumimoji="1" lang="en-US" altLang="ja-JP" dirty="0"/>
+                  <a:t> </a:t>
+                </a:r>
+                <a:endParaRPr kumimoji="1" lang="ja-JP" altLang="en-US"/>
+              </a:p>
+            </p:txBody>
+          </p:sp>
+        </mc:Choice>
+        <mc:Fallback xmlns="">
+          <p:sp>
+            <p:nvSpPr>
+              <p:cNvPr id="3" name="コンテンツ プレースホルダー 2">
+                <a:extLst>
+                  <a:ext uri="{FF2B5EF4-FFF2-40B4-BE49-F238E27FC236}">
+                    <a16:creationId xmlns:a16="http://schemas.microsoft.com/office/drawing/2014/main" id="{A4883734-68A7-DA46-BF1C-0A0954CF921F}"/>
+                  </a:ext>
+                </a:extLst>
+              </p:cNvPr>
+              <p:cNvSpPr>
+                <a:spLocks noGrp="1" noRot="1" noChangeAspect="1" noMove="1" noResize="1" noEditPoints="1" noAdjustHandles="1" noChangeArrowheads="1" noChangeShapeType="1" noTextEdit="1"/>
+              </p:cNvSpPr>
+              <p:nvPr>
+                <p:ph idx="1"/>
+              </p:nvPr>
+            </p:nvSpPr>
+            <p:spPr>
+              <a:blipFill>
+                <a:blip r:embed="rId4"/>
+                <a:stretch>
+                  <a:fillRect l="-1206" b="-3779"/>
+                </a:stretch>
+              </a:blipFill>
+            </p:spPr>
+            <p:txBody>
+              <a:bodyPr/>
+              <a:lstStyle/>
+              <a:p>
+                <a:r>
+                  <a:rPr lang="ja-JP" altLang="en-US">
+                    <a:noFill/>
+                  </a:rPr>
+                  <a:t> </a:t>
+                </a:r>
+              </a:p>
+            </p:txBody>
+          </p:sp>
+        </mc:Fallback>
+      </mc:AlternateContent>
+      <p:sp>
+        <p:nvSpPr>
+          <p:cNvPr id="16" name="正方形/長方形 15">
+            <a:extLst>
+              <a:ext uri="{FF2B5EF4-FFF2-40B4-BE49-F238E27FC236}">
+                <a16:creationId xmlns:a16="http://schemas.microsoft.com/office/drawing/2014/main" id="{28635928-C3E2-024E-B948-A5E66886B150}"/>
+              </a:ext>
+            </a:extLst>
+          </p:cNvPr>
+          <p:cNvSpPr/>
+          <p:nvPr/>
+        </p:nvSpPr>
+        <p:spPr>
+          <a:xfrm>
+            <a:off x="7068694" y="4728753"/>
+            <a:ext cx="2162391" cy="416824"/>
+          </a:xfrm>
+          <a:prstGeom prst="rect">
+            <a:avLst/>
+          </a:prstGeom>
+          <a:solidFill>
+            <a:schemeClr val="bg1"/>
+          </a:solidFill>
+          <a:ln>
+            <a:noFill/>
+          </a:ln>
+        </p:spPr>
+        <p:style>
+          <a:lnRef idx="2">
+            <a:schemeClr val="accent1">
+              <a:shade val="50000"/>
+            </a:schemeClr>
+          </a:lnRef>
+          <a:fillRef idx="1">
+            <a:schemeClr val="accent1"/>
+          </a:fillRef>
+          <a:effectRef idx="0">
+            <a:schemeClr val="accent1"/>
+          </a:effectRef>
+          <a:fontRef idx="minor">
+            <a:schemeClr val="lt1"/>
+          </a:fontRef>
+        </p:style>
+        <p:txBody>
+          <a:bodyPr rtlCol="0" anchor="ctr"/>
+          <a:lstStyle/>
+          <a:p>
+            <a:pPr algn="ctr"/>
+            <a:r>
+              <a:rPr kumimoji="1" lang="ja-JP" altLang="en-US" sz="1400">
+                <a:solidFill>
+                  <a:schemeClr val="tx1"/>
+                </a:solidFill>
+              </a:rPr>
+              <a:t>時間区分</a:t>
+            </a:r>
+          </a:p>
+        </p:txBody>
+      </p:sp>
+      <p:pic>
+        <p:nvPicPr>
+          <p:cNvPr id="11" name="図 10">
+            <a:extLst>
+              <a:ext uri="{FF2B5EF4-FFF2-40B4-BE49-F238E27FC236}">
+                <a16:creationId xmlns:a16="http://schemas.microsoft.com/office/drawing/2014/main" id="{4E5520C5-A6DE-B94D-B920-E37EA874783C}"/>
+              </a:ext>
+            </a:extLst>
+          </p:cNvPr>
+          <p:cNvPicPr>
+            <a:picLocks noChangeAspect="1"/>
+          </p:cNvPicPr>
+          <p:nvPr/>
+        </p:nvPicPr>
+        <p:blipFill>
+          <a:blip r:embed="rId5"/>
+          <a:stretch>
+            <a:fillRect/>
+          </a:stretch>
+        </p:blipFill>
+        <p:spPr>
+          <a:xfrm>
+            <a:off x="5717633" y="681037"/>
+            <a:ext cx="5177109" cy="4495152"/>
+          </a:xfrm>
+          <a:prstGeom prst="rect">
+            <a:avLst/>
+          </a:prstGeom>
+        </p:spPr>
+      </p:pic>
+    </p:spTree>
+    <p:extLst>
+      <p:ext uri="{BB962C8B-B14F-4D97-AF65-F5344CB8AC3E}">
+        <p14:creationId xmlns:p14="http://schemas.microsoft.com/office/powerpoint/2010/main" val="4069772633"/>
       </p:ext>
     </p:extLst>
   </p:cSld>
@@ -23522,7 +25185,7 @@
         <p:spPr>
           <a:xfrm>
             <a:off x="6658496" y="3273627"/>
-            <a:ext cx="723207" cy="357447"/>
+            <a:ext cx="723207" cy="465512"/>
           </a:xfrm>
           <a:prstGeom prst="line">
             <a:avLst/>
@@ -23560,9 +25223,9 @@
           <p:nvPr/>
         </p:nvCxnSpPr>
         <p:spPr>
-          <a:xfrm flipH="1">
-            <a:off x="8362604" y="3273627"/>
-            <a:ext cx="1" cy="357447"/>
+          <a:xfrm>
+            <a:off x="8362605" y="3273627"/>
+            <a:ext cx="0" cy="558539"/>
           </a:xfrm>
           <a:prstGeom prst="line">
             <a:avLst/>
@@ -24149,7 +25812,7 @@
           <a:p>
             <a:r>
               <a:rPr lang="ja-JP" altLang="en-US"/>
-              <a:t>しかし，実際には採点の進行に伴い，評価者の特性が変化してしまう問題が発生する．</a:t>
+              <a:t>しかし，多数の受検者を長時間かけて採点するような場合，採点の進行に伴い，評価者の特性が変化してしまう問題が発生する．</a:t>
             </a:r>
             <a:endParaRPr lang="en-US" altLang="ja-JP" dirty="0"/>
           </a:p>
@@ -24239,8 +25902,8 @@
           </a:p>
         </p:txBody>
       </p:sp>
-      <mc:AlternateContent xmlns:mc="http://schemas.openxmlformats.org/markup-compatibility/2006" xmlns:a14="http://schemas.microsoft.com/office/drawing/2010/main">
-        <mc:Choice Requires="a14">
+      <mc:AlternateContent xmlns:mc="http://schemas.openxmlformats.org/markup-compatibility/2006">
+        <mc:Choice xmlns:a14="http://schemas.microsoft.com/office/drawing/2010/main" Requires="a14">
           <p:sp>
             <p:nvSpPr>
               <p:cNvPr id="3" name="コンテンツ プレースホルダー 2">
@@ -24459,7 +26122,10 @@
                               <m:sSub>
                                 <m:sSubPr>
                                   <m:ctrlPr>
-                                    <a:rPr lang="en-US" altLang="ja-JP" i="1">
+                                    <a:rPr lang="en-US" altLang="ja-JP" i="1" smtClean="0">
+                                      <a:solidFill>
+                                        <a:srgbClr val="FF0000"/>
+                                      </a:solidFill>
                                       <a:latin typeface="Cambria Math" panose="02040503050406030204" pitchFamily="18" charset="0"/>
                                       <a:ea typeface="Cambria Math" panose="02040503050406030204" pitchFamily="18" charset="0"/>
                                     </a:rPr>
@@ -24468,6 +26134,9 @@
                                 <m:e>
                                   <m:r>
                                     <a:rPr lang="en-US" altLang="ja-JP" i="1">
+                                      <a:solidFill>
+                                        <a:srgbClr val="FF0000"/>
+                                      </a:solidFill>
                                       <a:latin typeface="Cambria Math" panose="02040503050406030204" pitchFamily="18" charset="0"/>
                                       <a:ea typeface="Cambria Math" panose="02040503050406030204" pitchFamily="18" charset="0"/>
                                     </a:rPr>
@@ -24477,6 +26146,9 @@
                                 <m:sub>
                                   <m:r>
                                     <a:rPr lang="en-US" altLang="ja-JP" i="1">
+                                      <a:solidFill>
+                                        <a:srgbClr val="FF0000"/>
+                                      </a:solidFill>
                                       <a:latin typeface="Cambria Math" panose="02040503050406030204" pitchFamily="18" charset="0"/>
                                       <a:ea typeface="Cambria Math" panose="02040503050406030204" pitchFamily="18" charset="0"/>
                                     </a:rPr>
@@ -24494,7 +26166,10 @@
                               <m:sSub>
                                 <m:sSubPr>
                                   <m:ctrlPr>
-                                    <a:rPr lang="en-US" altLang="ja-JP" i="1">
+                                    <a:rPr lang="en-US" altLang="ja-JP" i="1" smtClean="0">
+                                      <a:solidFill>
+                                        <a:srgbClr val="FF0000"/>
+                                      </a:solidFill>
                                       <a:latin typeface="Cambria Math" panose="02040503050406030204" pitchFamily="18" charset="0"/>
                                       <a:ea typeface="Cambria Math" panose="02040503050406030204" pitchFamily="18" charset="0"/>
                                     </a:rPr>
@@ -24503,6 +26178,9 @@
                                 <m:e>
                                   <m:r>
                                     <a:rPr lang="en-US" altLang="ja-JP" i="1">
+                                      <a:solidFill>
+                                        <a:srgbClr val="FF0000"/>
+                                      </a:solidFill>
                                       <a:latin typeface="Cambria Math" panose="02040503050406030204" pitchFamily="18" charset="0"/>
                                       <a:ea typeface="Cambria Math" panose="02040503050406030204" pitchFamily="18" charset="0"/>
                                     </a:rPr>
@@ -24512,6 +26190,9 @@
                                 <m:sub>
                                   <m:r>
                                     <a:rPr lang="en-US" altLang="ja-JP" i="1">
+                                      <a:solidFill>
+                                        <a:srgbClr val="FF0000"/>
+                                      </a:solidFill>
                                       <a:latin typeface="Cambria Math" panose="02040503050406030204" pitchFamily="18" charset="0"/>
                                       <a:ea typeface="Cambria Math" panose="02040503050406030204" pitchFamily="18" charset="0"/>
                                     </a:rPr>
@@ -24700,7 +26381,10 @@
                                   <m:sSub>
                                     <m:sSubPr>
                                       <m:ctrlPr>
-                                        <a:rPr lang="en-US" altLang="ja-JP" i="1">
+                                        <a:rPr lang="en-US" altLang="ja-JP" i="1" smtClean="0">
+                                          <a:solidFill>
+                                            <a:srgbClr val="FF0000"/>
+                                          </a:solidFill>
                                           <a:latin typeface="Cambria Math" panose="02040503050406030204" pitchFamily="18" charset="0"/>
                                           <a:ea typeface="Cambria Math" panose="02040503050406030204" pitchFamily="18" charset="0"/>
                                         </a:rPr>
@@ -24709,6 +26393,9 @@
                                     <m:e>
                                       <m:r>
                                         <a:rPr lang="en-US" altLang="ja-JP" i="1">
+                                          <a:solidFill>
+                                            <a:srgbClr val="FF0000"/>
+                                          </a:solidFill>
                                           <a:latin typeface="Cambria Math" panose="02040503050406030204" pitchFamily="18" charset="0"/>
                                           <a:ea typeface="Cambria Math" panose="02040503050406030204" pitchFamily="18" charset="0"/>
                                         </a:rPr>
@@ -24718,6 +26405,9 @@
                                     <m:sub>
                                       <m:r>
                                         <a:rPr lang="en-US" altLang="ja-JP" i="1">
+                                          <a:solidFill>
+                                            <a:srgbClr val="FF0000"/>
+                                          </a:solidFill>
                                           <a:latin typeface="Cambria Math" panose="02040503050406030204" pitchFamily="18" charset="0"/>
                                           <a:ea typeface="Cambria Math" panose="02040503050406030204" pitchFamily="18" charset="0"/>
                                         </a:rPr>
@@ -24735,7 +26425,10 @@
                                   <m:sSub>
                                     <m:sSubPr>
                                       <m:ctrlPr>
-                                        <a:rPr lang="en-US" altLang="ja-JP" i="1">
+                                        <a:rPr lang="en-US" altLang="ja-JP" i="1" smtClean="0">
+                                          <a:solidFill>
+                                            <a:srgbClr val="FF0000"/>
+                                          </a:solidFill>
                                           <a:latin typeface="Cambria Math" panose="02040503050406030204" pitchFamily="18" charset="0"/>
                                           <a:ea typeface="Cambria Math" panose="02040503050406030204" pitchFamily="18" charset="0"/>
                                         </a:rPr>
@@ -24744,6 +26437,9 @@
                                     <m:e>
                                       <m:r>
                                         <a:rPr lang="en-US" altLang="ja-JP" i="1">
+                                          <a:solidFill>
+                                            <a:srgbClr val="FF0000"/>
+                                          </a:solidFill>
                                           <a:latin typeface="Cambria Math" panose="02040503050406030204" pitchFamily="18" charset="0"/>
                                           <a:ea typeface="Cambria Math" panose="02040503050406030204" pitchFamily="18" charset="0"/>
                                         </a:rPr>
@@ -24753,6 +26449,9 @@
                                     <m:sub>
                                       <m:r>
                                         <a:rPr lang="en-US" altLang="ja-JP" i="1">
+                                          <a:solidFill>
+                                            <a:srgbClr val="FF0000"/>
+                                          </a:solidFill>
                                           <a:latin typeface="Cambria Math" panose="02040503050406030204" pitchFamily="18" charset="0"/>
                                           <a:ea typeface="Cambria Math" panose="02040503050406030204" pitchFamily="18" charset="0"/>
                                         </a:rPr>
@@ -24823,7 +26522,7 @@
             </p:txBody>
           </p:sp>
         </mc:Choice>
-        <mc:Fallback xmlns="">
+        <mc:Fallback>
           <p:sp>
             <p:nvSpPr>
               <p:cNvPr id="3" name="コンテンツ プレースホルダー 2">
@@ -25180,8 +26879,8 @@
           </a:fontRef>
         </p:style>
       </p:cxnSp>
-      <mc:AlternateContent xmlns:mc="http://schemas.openxmlformats.org/markup-compatibility/2006" xmlns:a14="http://schemas.microsoft.com/office/drawing/2010/main">
-        <mc:Choice Requires="a14">
+      <mc:AlternateContent xmlns:mc="http://schemas.openxmlformats.org/markup-compatibility/2006">
+        <mc:Choice xmlns:a14="http://schemas.microsoft.com/office/drawing/2010/main" Requires="a14">
           <p:sp>
             <p:nvSpPr>
               <p:cNvPr id="26" name="正方形/長方形 25">
@@ -25196,7 +26895,7 @@
             </p:nvSpPr>
             <p:spPr>
               <a:xfrm>
-                <a:off x="5240866" y="5380127"/>
+                <a:off x="5342325" y="5333891"/>
                 <a:ext cx="2414835" cy="471899"/>
               </a:xfrm>
               <a:prstGeom prst="rect">
@@ -25247,7 +26946,7 @@
             </p:txBody>
           </p:sp>
         </mc:Choice>
-        <mc:Fallback xmlns="">
+        <mc:Fallback>
           <p:sp>
             <p:nvSpPr>
               <p:cNvPr id="26" name="正方形/長方形 25">
@@ -25264,14 +26963,14 @@
             </p:nvSpPr>
             <p:spPr>
               <a:xfrm>
-                <a:off x="5240866" y="5380127"/>
+                <a:off x="5342325" y="5333891"/>
                 <a:ext cx="2414835" cy="471899"/>
               </a:xfrm>
               <a:prstGeom prst="rect">
                 <a:avLst/>
               </a:prstGeom>
               <a:blipFill>
-                <a:blip r:embed="rId6"/>
+                <a:blip r:embed="rId5"/>
                 <a:stretch>
                   <a:fillRect b="-7692"/>
                 </a:stretch>
@@ -25309,7 +27008,7 @@
         </p:nvCxnSpPr>
         <p:spPr>
           <a:xfrm flipH="1" flipV="1">
-            <a:off x="6367229" y="5144836"/>
+            <a:off x="6468688" y="5098600"/>
             <a:ext cx="81055" cy="235291"/>
           </a:xfrm>
           <a:prstGeom prst="line">
@@ -26054,27 +27753,27 @@
               </a:r>
               <a:r>
                 <a:rPr kumimoji="1" lang="en-US" altLang="ja-JP" dirty="0"/>
-                <a:t>         </a:t>
+                <a:t>            </a:t>
               </a:r>
               <a:r>
-                <a:rPr kumimoji="1" lang="ja-JP" altLang="en-US"/>
-                <a:t>時間区分</a:t>
+                <a:rPr kumimoji="1" lang="en-US" altLang="ja-JP" dirty="0" err="1"/>
+                <a:t>TimeID</a:t>
               </a:r>
               <a:r>
                 <a:rPr kumimoji="1" lang="en-US" altLang="ja-JP" dirty="0"/>
-                <a:t>=1                         </a:t>
+                <a:t>=1                             </a:t>
               </a:r>
               <a:r>
-                <a:rPr kumimoji="1" lang="ja-JP" altLang="en-US"/>
-                <a:t>時間区分</a:t>
+                <a:rPr kumimoji="1" lang="en-US" altLang="ja-JP" dirty="0" err="1"/>
+                <a:t>TimeID</a:t>
               </a:r>
               <a:r>
                 <a:rPr kumimoji="1" lang="en-US" altLang="ja-JP" dirty="0"/>
-                <a:t>=2                            </a:t>
+                <a:t>=2                               </a:t>
               </a:r>
               <a:r>
-                <a:rPr kumimoji="1" lang="ja-JP" altLang="en-US"/>
-                <a:t>時間区分</a:t>
+                <a:rPr kumimoji="1" lang="en-US" altLang="ja-JP" dirty="0" err="1"/>
+                <a:t>TimeID</a:t>
               </a:r>
               <a:r>
                 <a:rPr kumimoji="1" lang="en-US" altLang="ja-JP" dirty="0"/>
@@ -26184,9 +27883,15 @@
             <a:endParaRPr lang="en-US" altLang="ja-JP" dirty="0"/>
           </a:p>
           <a:p>
+            <a:endParaRPr lang="en-US" altLang="ja-JP" dirty="0"/>
+          </a:p>
+          <a:p>
+            <a:endParaRPr lang="en-US" altLang="ja-JP" dirty="0"/>
+          </a:p>
+          <a:p>
             <a:r>
               <a:rPr lang="ja-JP" altLang="en-US"/>
-              <a:t>時間区分ごとの評価者の厳しさを推定できる新しい項目反応モデルを提案する</a:t>
+              <a:t>時間区分ごとの評価者の厳しさをより柔軟に推定できる新しい項目反応モデルを提案する</a:t>
             </a:r>
           </a:p>
           <a:p>
@@ -26211,7 +27916,7 @@
         </p:nvSpPr>
         <p:spPr>
           <a:xfrm>
-            <a:off x="5472545" y="2630978"/>
+            <a:off x="5472545" y="4001294"/>
             <a:ext cx="1246909" cy="798022"/>
           </a:xfrm>
           <a:prstGeom prst="downArrow">
@@ -26249,6 +27954,414 @@
           </a:p>
         </p:txBody>
       </p:sp>
+      <mc:AlternateContent xmlns:mc="http://schemas.openxmlformats.org/markup-compatibility/2006">
+        <mc:Choice xmlns:a14="http://schemas.microsoft.com/office/drawing/2010/main" Requires="a14">
+          <p:sp>
+            <p:nvSpPr>
+              <p:cNvPr id="6" name="テキスト ボックス 5">
+                <a:extLst>
+                  <a:ext uri="{FF2B5EF4-FFF2-40B4-BE49-F238E27FC236}">
+                    <a16:creationId xmlns:a16="http://schemas.microsoft.com/office/drawing/2014/main" id="{65FF0EAF-C18E-9A4E-A649-A6F65197C16B}"/>
+                  </a:ext>
+                </a:extLst>
+              </p:cNvPr>
+              <p:cNvSpPr txBox="1"/>
+              <p:nvPr/>
+            </p:nvSpPr>
+            <p:spPr>
+              <a:xfrm>
+                <a:off x="3044455" y="2544537"/>
+                <a:ext cx="6103088" cy="624338"/>
+              </a:xfrm>
+              <a:prstGeom prst="rect">
+                <a:avLst/>
+              </a:prstGeom>
+              <a:noFill/>
+            </p:spPr>
+            <p:txBody>
+              <a:bodyPr wrap="square">
+                <a:spAutoFit/>
+              </a:bodyPr>
+              <a:lstStyle/>
+              <a:p>
+                <a:pPr/>
+                <a14:m>
+                  <m:oMathPara xmlns:m="http://schemas.openxmlformats.org/officeDocument/2006/math">
+                    <m:oMathParaPr>
+                      <m:jc m:val="centerGroup"/>
+                    </m:oMathParaPr>
+                    <m:oMath xmlns:m="http://schemas.openxmlformats.org/officeDocument/2006/math">
+                      <m:sSub>
+                        <m:sSubPr>
+                          <m:ctrlPr>
+                            <a:rPr lang="en-US" altLang="ja-JP" sz="3200" i="1" smtClean="0">
+                              <a:latin typeface="Cambria Math" panose="02040503050406030204" pitchFamily="18" charset="0"/>
+                              <a:ea typeface="Cambria Math" panose="02040503050406030204" pitchFamily="18" charset="0"/>
+                            </a:rPr>
+                          </m:ctrlPr>
+                        </m:sSubPr>
+                        <m:e>
+                          <m:r>
+                            <a:rPr lang="en-US" altLang="ja-JP" sz="3200" i="1">
+                              <a:latin typeface="Cambria Math" panose="02040503050406030204" pitchFamily="18" charset="0"/>
+                              <a:ea typeface="Cambria Math" panose="02040503050406030204" pitchFamily="18" charset="0"/>
+                            </a:rPr>
+                            <m:t>𝜃</m:t>
+                          </m:r>
+                        </m:e>
+                        <m:sub>
+                          <m:r>
+                            <a:rPr lang="en-US" altLang="ja-JP" sz="3200" i="1">
+                              <a:latin typeface="Cambria Math" panose="02040503050406030204" pitchFamily="18" charset="0"/>
+                              <a:ea typeface="Cambria Math" panose="02040503050406030204" pitchFamily="18" charset="0"/>
+                            </a:rPr>
+                            <m:t>𝑗</m:t>
+                          </m:r>
+                        </m:sub>
+                      </m:sSub>
+                      <m:r>
+                        <a:rPr lang="en-US" altLang="ja-JP" sz="3200" i="1">
+                          <a:latin typeface="Cambria Math" panose="02040503050406030204" pitchFamily="18" charset="0"/>
+                          <a:ea typeface="Cambria Math" panose="02040503050406030204" pitchFamily="18" charset="0"/>
+                        </a:rPr>
+                        <m:t>−</m:t>
+                      </m:r>
+                      <m:sSub>
+                        <m:sSubPr>
+                          <m:ctrlPr>
+                            <a:rPr lang="en-US" altLang="ja-JP" sz="3200" i="1" smtClean="0">
+                              <a:solidFill>
+                                <a:srgbClr val="FF0000"/>
+                              </a:solidFill>
+                              <a:latin typeface="Cambria Math" panose="02040503050406030204" pitchFamily="18" charset="0"/>
+                              <a:ea typeface="Cambria Math" panose="02040503050406030204" pitchFamily="18" charset="0"/>
+                            </a:rPr>
+                          </m:ctrlPr>
+                        </m:sSubPr>
+                        <m:e>
+                          <m:r>
+                            <a:rPr lang="en-US" altLang="ja-JP" sz="3200" i="1">
+                              <a:solidFill>
+                                <a:srgbClr val="FF0000"/>
+                              </a:solidFill>
+                              <a:latin typeface="Cambria Math" panose="02040503050406030204" pitchFamily="18" charset="0"/>
+                              <a:ea typeface="Cambria Math" panose="02040503050406030204" pitchFamily="18" charset="0"/>
+                            </a:rPr>
+                            <m:t>𝛽</m:t>
+                          </m:r>
+                        </m:e>
+                        <m:sub>
+                          <m:r>
+                            <a:rPr lang="en-US" altLang="ja-JP" sz="3200" i="1">
+                              <a:solidFill>
+                                <a:srgbClr val="FF0000"/>
+                              </a:solidFill>
+                              <a:latin typeface="Cambria Math" panose="02040503050406030204" pitchFamily="18" charset="0"/>
+                              <a:ea typeface="Cambria Math" panose="02040503050406030204" pitchFamily="18" charset="0"/>
+                            </a:rPr>
+                            <m:t>𝑟</m:t>
+                          </m:r>
+                        </m:sub>
+                      </m:sSub>
+                      <m:r>
+                        <a:rPr lang="en-US" altLang="ja-JP" sz="3200" i="1">
+                          <a:solidFill>
+                            <a:srgbClr val="FF0000"/>
+                          </a:solidFill>
+                          <a:latin typeface="Cambria Math" panose="02040503050406030204" pitchFamily="18" charset="0"/>
+                          <a:ea typeface="Cambria Math" panose="02040503050406030204" pitchFamily="18" charset="0"/>
+                        </a:rPr>
+                        <m:t>−</m:t>
+                      </m:r>
+                      <m:sSub>
+                        <m:sSubPr>
+                          <m:ctrlPr>
+                            <a:rPr lang="en-US" altLang="ja-JP" sz="3200" i="1">
+                              <a:solidFill>
+                                <a:srgbClr val="FF0000"/>
+                              </a:solidFill>
+                              <a:latin typeface="Cambria Math" panose="02040503050406030204" pitchFamily="18" charset="0"/>
+                              <a:ea typeface="Cambria Math" panose="02040503050406030204" pitchFamily="18" charset="0"/>
+                            </a:rPr>
+                          </m:ctrlPr>
+                        </m:sSubPr>
+                        <m:e>
+                          <m:r>
+                            <a:rPr lang="en-US" altLang="ja-JP" sz="3200" i="1">
+                              <a:solidFill>
+                                <a:srgbClr val="FF0000"/>
+                              </a:solidFill>
+                              <a:latin typeface="Cambria Math" panose="02040503050406030204" pitchFamily="18" charset="0"/>
+                              <a:ea typeface="Cambria Math" panose="02040503050406030204" pitchFamily="18" charset="0"/>
+                            </a:rPr>
+                            <m:t>𝜋</m:t>
+                          </m:r>
+                        </m:e>
+                        <m:sub>
+                          <m:r>
+                            <a:rPr lang="en-US" altLang="ja-JP" sz="3200" i="1">
+                              <a:solidFill>
+                                <a:srgbClr val="FF0000"/>
+                              </a:solidFill>
+                              <a:latin typeface="Cambria Math" panose="02040503050406030204" pitchFamily="18" charset="0"/>
+                              <a:ea typeface="Cambria Math" panose="02040503050406030204" pitchFamily="18" charset="0"/>
+                            </a:rPr>
+                            <m:t>𝑟</m:t>
+                          </m:r>
+                        </m:sub>
+                      </m:sSub>
+                      <m:r>
+                        <a:rPr lang="en-US" altLang="ja-JP" sz="3200" b="0" i="1" smtClean="0">
+                          <a:solidFill>
+                            <a:srgbClr val="FF0000"/>
+                          </a:solidFill>
+                          <a:latin typeface="Cambria Math" panose="02040503050406030204" pitchFamily="18" charset="0"/>
+                          <a:ea typeface="Cambria Math" panose="02040503050406030204" pitchFamily="18" charset="0"/>
+                        </a:rPr>
+                        <m:t>𝑡</m:t>
+                      </m:r>
+                      <m:r>
+                        <a:rPr lang="en-US" altLang="ja-JP" sz="3200" i="1">
+                          <a:latin typeface="Cambria Math" panose="02040503050406030204" pitchFamily="18" charset="0"/>
+                          <a:ea typeface="Cambria Math" panose="02040503050406030204" pitchFamily="18" charset="0"/>
+                        </a:rPr>
+                        <m:t>−</m:t>
+                      </m:r>
+                      <m:sSub>
+                        <m:sSubPr>
+                          <m:ctrlPr>
+                            <a:rPr lang="en-US" altLang="ja-JP" sz="3200" i="1">
+                              <a:latin typeface="Cambria Math" panose="02040503050406030204" pitchFamily="18" charset="0"/>
+                              <a:ea typeface="Cambria Math" panose="02040503050406030204" pitchFamily="18" charset="0"/>
+                            </a:rPr>
+                          </m:ctrlPr>
+                        </m:sSubPr>
+                        <m:e>
+                          <m:r>
+                            <a:rPr lang="en-US" altLang="ja-JP" sz="3200" i="1">
+                              <a:latin typeface="Cambria Math" panose="02040503050406030204" pitchFamily="18" charset="0"/>
+                              <a:ea typeface="Cambria Math" panose="02040503050406030204" pitchFamily="18" charset="0"/>
+                            </a:rPr>
+                            <m:t>𝑑</m:t>
+                          </m:r>
+                        </m:e>
+                        <m:sub>
+                          <m:r>
+                            <a:rPr lang="en-US" altLang="ja-JP" sz="3200" b="0" i="1" smtClean="0">
+                              <a:latin typeface="Cambria Math" panose="02040503050406030204" pitchFamily="18" charset="0"/>
+                              <a:ea typeface="Cambria Math" panose="02040503050406030204" pitchFamily="18" charset="0"/>
+                            </a:rPr>
+                            <m:t>𝑚</m:t>
+                          </m:r>
+                        </m:sub>
+                      </m:sSub>
+                    </m:oMath>
+                  </m:oMathPara>
+                </a14:m>
+                <a:endParaRPr lang="ja-JP" altLang="en-US" sz="3200"/>
+              </a:p>
+            </p:txBody>
+          </p:sp>
+        </mc:Choice>
+        <mc:Fallback>
+          <p:sp>
+            <p:nvSpPr>
+              <p:cNvPr id="6" name="テキスト ボックス 5">
+                <a:extLst>
+                  <a:ext uri="{FF2B5EF4-FFF2-40B4-BE49-F238E27FC236}">
+                    <a16:creationId xmlns:a16="http://schemas.microsoft.com/office/drawing/2014/main" id="{65FF0EAF-C18E-9A4E-A649-A6F65197C16B}"/>
+                  </a:ext>
+                </a:extLst>
+              </p:cNvPr>
+              <p:cNvSpPr txBox="1">
+                <a:spLocks noRot="1" noChangeAspect="1" noMove="1" noResize="1" noEditPoints="1" noAdjustHandles="1" noChangeArrowheads="1" noChangeShapeType="1" noTextEdit="1"/>
+              </p:cNvSpPr>
+              <p:nvPr/>
+            </p:nvSpPr>
+            <p:spPr>
+              <a:xfrm>
+                <a:off x="3044455" y="2544537"/>
+                <a:ext cx="6103088" cy="624338"/>
+              </a:xfrm>
+              <a:prstGeom prst="rect">
+                <a:avLst/>
+              </a:prstGeom>
+              <a:blipFill>
+                <a:blip r:embed="rId3"/>
+                <a:stretch>
+                  <a:fillRect b="-14000"/>
+                </a:stretch>
+              </a:blipFill>
+            </p:spPr>
+            <p:txBody>
+              <a:bodyPr/>
+              <a:lstStyle/>
+              <a:p>
+                <a:r>
+                  <a:rPr lang="ja-JP" altLang="en-US">
+                    <a:noFill/>
+                  </a:rPr>
+                  <a:t> </a:t>
+                </a:r>
+              </a:p>
+            </p:txBody>
+          </p:sp>
+        </mc:Fallback>
+      </mc:AlternateContent>
+      <mc:AlternateContent xmlns:mc="http://schemas.openxmlformats.org/markup-compatibility/2006">
+        <mc:Choice xmlns:a14="http://schemas.microsoft.com/office/drawing/2010/main" Requires="a14">
+          <p:sp>
+            <p:nvSpPr>
+              <p:cNvPr id="7" name="角丸四角形吹き出し 6">
+                <a:extLst>
+                  <a:ext uri="{FF2B5EF4-FFF2-40B4-BE49-F238E27FC236}">
+                    <a16:creationId xmlns:a16="http://schemas.microsoft.com/office/drawing/2014/main" id="{1757C5F6-6F5A-6440-B99E-6E7EFC44AAA7}"/>
+                  </a:ext>
+                </a:extLst>
+              </p:cNvPr>
+              <p:cNvSpPr/>
+              <p:nvPr/>
+            </p:nvSpPr>
+            <p:spPr>
+              <a:xfrm>
+                <a:off x="4281375" y="3315493"/>
+                <a:ext cx="3629247" cy="572294"/>
+              </a:xfrm>
+              <a:prstGeom prst="wedgeRoundRectCallout">
+                <a:avLst>
+                  <a:gd name="adj1" fmla="val -14436"/>
+                  <a:gd name="adj2" fmla="val -68425"/>
+                  <a:gd name="adj3" fmla="val 16667"/>
+                </a:avLst>
+              </a:prstGeom>
+            </p:spPr>
+            <p:style>
+              <a:lnRef idx="2">
+                <a:schemeClr val="accent1"/>
+              </a:lnRef>
+              <a:fillRef idx="1">
+                <a:schemeClr val="lt1"/>
+              </a:fillRef>
+              <a:effectRef idx="0">
+                <a:schemeClr val="accent1"/>
+              </a:effectRef>
+              <a:fontRef idx="minor">
+                <a:schemeClr val="dk1"/>
+              </a:fontRef>
+            </p:style>
+            <p:txBody>
+              <a:bodyPr rtlCol="0" anchor="ctr"/>
+              <a:lstStyle/>
+              <a:p>
+                <a:pPr algn="ctr"/>
+                <a:r>
+                  <a:rPr kumimoji="1" lang="ja-JP" altLang="en-US"/>
+                  <a:t>厳しさが線形変化</a:t>
+                </a:r>
+                <a:endParaRPr kumimoji="1" lang="en-US" altLang="ja-JP" dirty="0"/>
+              </a:p>
+              <a:p>
+                <a:pPr algn="ctr"/>
+                <a:r>
+                  <a:rPr kumimoji="1" lang="en-US" altLang="ja-JP" dirty="0"/>
+                  <a:t>(</a:t>
+                </a:r>
+                <a14:m>
+                  <m:oMath xmlns:m="http://schemas.openxmlformats.org/officeDocument/2006/math">
+                    <m:r>
+                      <a:rPr kumimoji="1" lang="en-US" altLang="ja-JP" b="0" i="1" smtClean="0">
+                        <a:latin typeface="Cambria Math" panose="02040503050406030204" pitchFamily="18" charset="0"/>
+                      </a:rPr>
+                      <m:t>𝑦</m:t>
+                    </m:r>
+                    <m:r>
+                      <a:rPr kumimoji="1" lang="en-US" altLang="ja-JP" b="0" i="1" smtClean="0">
+                        <a:latin typeface="Cambria Math" panose="02040503050406030204" pitchFamily="18" charset="0"/>
+                      </a:rPr>
+                      <m:t>=</m:t>
+                    </m:r>
+                    <m:r>
+                      <a:rPr kumimoji="1" lang="en-US" altLang="ja-JP" b="0" i="1" smtClean="0">
+                        <a:latin typeface="Cambria Math" panose="02040503050406030204" pitchFamily="18" charset="0"/>
+                      </a:rPr>
+                      <m:t>𝑎𝑥</m:t>
+                    </m:r>
+                    <m:r>
+                      <a:rPr kumimoji="1" lang="en-US" altLang="ja-JP" b="0" i="1" smtClean="0">
+                        <a:latin typeface="Cambria Math" panose="02040503050406030204" pitchFamily="18" charset="0"/>
+                      </a:rPr>
+                      <m:t>+</m:t>
+                    </m:r>
+                    <m:r>
+                      <a:rPr kumimoji="1" lang="en-US" altLang="ja-JP" b="0" i="1" smtClean="0">
+                        <a:latin typeface="Cambria Math" panose="02040503050406030204" pitchFamily="18" charset="0"/>
+                      </a:rPr>
+                      <m:t>𝑏</m:t>
+                    </m:r>
+                  </m:oMath>
+                </a14:m>
+                <a:r>
+                  <a:rPr kumimoji="1" lang="ja-JP" altLang="en-US"/>
+                  <a:t>のような形式</a:t>
+                </a:r>
+                <a:r>
+                  <a:rPr kumimoji="1" lang="en-US" altLang="ja-JP" dirty="0"/>
+                  <a:t>)</a:t>
+                </a:r>
+                <a:endParaRPr kumimoji="1" lang="ja-JP" altLang="en-US"/>
+              </a:p>
+            </p:txBody>
+          </p:sp>
+        </mc:Choice>
+        <mc:Fallback>
+          <p:sp>
+            <p:nvSpPr>
+              <p:cNvPr id="7" name="角丸四角形吹き出し 6">
+                <a:extLst>
+                  <a:ext uri="{FF2B5EF4-FFF2-40B4-BE49-F238E27FC236}">
+                    <a16:creationId xmlns:a16="http://schemas.microsoft.com/office/drawing/2014/main" id="{1757C5F6-6F5A-6440-B99E-6E7EFC44AAA7}"/>
+                  </a:ext>
+                </a:extLst>
+              </p:cNvPr>
+              <p:cNvSpPr>
+                <a:spLocks noRot="1" noChangeAspect="1" noMove="1" noResize="1" noEditPoints="1" noAdjustHandles="1" noChangeArrowheads="1" noChangeShapeType="1" noTextEdit="1"/>
+              </p:cNvSpPr>
+              <p:nvPr/>
+            </p:nvSpPr>
+            <p:spPr>
+              <a:xfrm>
+                <a:off x="4281375" y="3315493"/>
+                <a:ext cx="3629247" cy="572294"/>
+              </a:xfrm>
+              <a:prstGeom prst="wedgeRoundRectCallout">
+                <a:avLst>
+                  <a:gd name="adj1" fmla="val -14436"/>
+                  <a:gd name="adj2" fmla="val -68425"/>
+                  <a:gd name="adj3" fmla="val 16667"/>
+                </a:avLst>
+              </a:prstGeom>
+              <a:blipFill>
+                <a:blip r:embed="rId4"/>
+                <a:stretch>
+                  <a:fillRect b="-18182"/>
+                </a:stretch>
+              </a:blipFill>
+            </p:spPr>
+            <p:txBody>
+              <a:bodyPr/>
+              <a:lstStyle/>
+              <a:p>
+                <a:r>
+                  <a:rPr lang="ja-JP" altLang="en-US">
+                    <a:noFill/>
+                  </a:rPr>
+                  <a:t> </a:t>
+                </a:r>
+              </a:p>
+            </p:txBody>
+          </p:sp>
+        </mc:Fallback>
+      </mc:AlternateContent>
     </p:spTree>
     <p:extLst>
       <p:ext uri="{BB962C8B-B14F-4D97-AF65-F5344CB8AC3E}">
@@ -27984,13 +30097,13 @@
         </p:nvSpPr>
         <p:spPr>
           <a:xfrm>
-            <a:off x="6027915" y="5144310"/>
-            <a:ext cx="4180115" cy="881820"/>
+            <a:off x="8512234" y="3704557"/>
+            <a:ext cx="3477228" cy="881820"/>
           </a:xfrm>
           <a:prstGeom prst="wedgeRoundRectCallout">
             <a:avLst>
-              <a:gd name="adj1" fmla="val -57916"/>
-              <a:gd name="adj2" fmla="val -33294"/>
+              <a:gd name="adj1" fmla="val -59425"/>
+              <a:gd name="adj2" fmla="val -49980"/>
               <a:gd name="adj3" fmla="val 16667"/>
             </a:avLst>
           </a:prstGeom>
@@ -28016,7 +30129,7 @@
           <a:p>
             <a:r>
               <a:rPr lang="ja-JP" altLang="en-US" sz="1600"/>
-              <a:t>直前の時間区分の特性値を次の時間区分の特性値の推定に利用できるため，より安定したパラメータ推定が可能となる．</a:t>
+              <a:t>時間区分ごとの評価者の厳しさを推定できる</a:t>
             </a:r>
           </a:p>
         </p:txBody>
